--- a/Xbox One Controller.pptx
+++ b/Xbox One Controller.pptx
@@ -5,7 +5,7 @@
     <p:sldMasterId id="2147483660" r:id="rId1"/>
   </p:sldMasterIdLst>
   <p:notesMasterIdLst>
-    <p:notesMasterId r:id="rId10"/>
+    <p:notesMasterId r:id="rId12"/>
   </p:notesMasterIdLst>
   <p:sldIdLst>
     <p:sldId id="256" r:id="rId2"/>
@@ -15,7 +15,9 @@
     <p:sldId id="260" r:id="rId6"/>
     <p:sldId id="261" r:id="rId7"/>
     <p:sldId id="262" r:id="rId8"/>
-    <p:sldId id="263" r:id="rId9"/>
+    <p:sldId id="264" r:id="rId9"/>
+    <p:sldId id="265" r:id="rId10"/>
+    <p:sldId id="263" r:id="rId11"/>
   </p:sldIdLst>
   <p:sldSz cx="12192000" cy="6858000"/>
   <p:notesSz cx="6858000" cy="9144000"/>
@@ -3570,6 +3572,141 @@
     <p:extLst>
       <p:ext uri="{BB962C8B-B14F-4D97-AF65-F5344CB8AC3E}">
         <p14:creationId xmlns:p14="http://schemas.microsoft.com/office/powerpoint/2010/main" val="614245471"/>
+      </p:ext>
+    </p:extLst>
+  </p:cSld>
+  <p:clrMapOvr>
+    <a:masterClrMapping/>
+  </p:clrMapOvr>
+</p:sld>
+</file>
+
+<file path=ppt/slides/slide10.xml><?xml version="1.0" encoding="utf-8"?>
+<p:sld xmlns:a="http://schemas.openxmlformats.org/drawingml/2006/main" xmlns:r="http://schemas.openxmlformats.org/officeDocument/2006/relationships" xmlns:p="http://schemas.openxmlformats.org/presentationml/2006/main">
+  <p:cSld>
+    <p:spTree>
+      <p:nvGrpSpPr>
+        <p:cNvPr id="1" name=""/>
+        <p:cNvGrpSpPr/>
+        <p:nvPr/>
+      </p:nvGrpSpPr>
+      <p:grpSpPr>
+        <a:xfrm>
+          <a:off x="0" y="0"/>
+          <a:ext cx="0" cy="0"/>
+          <a:chOff x="0" y="0"/>
+          <a:chExt cx="0" cy="0"/>
+        </a:xfrm>
+      </p:grpSpPr>
+      <p:sp>
+        <p:nvSpPr>
+          <p:cNvPr id="2" name="Title 1">
+            <a:extLst>
+              <a:ext uri="{FF2B5EF4-FFF2-40B4-BE49-F238E27FC236}">
+                <a16:creationId xmlns:a16="http://schemas.microsoft.com/office/drawing/2014/main" id="{8FB93DFB-B56E-4BDE-8F10-F0329F79F74E}"/>
+              </a:ext>
+            </a:extLst>
+          </p:cNvPr>
+          <p:cNvSpPr>
+            <a:spLocks noGrp="1"/>
+          </p:cNvSpPr>
+          <p:nvPr>
+            <p:ph type="title"/>
+          </p:nvPr>
+        </p:nvSpPr>
+        <p:spPr/>
+        <p:txBody>
+          <a:bodyPr/>
+          <a:lstStyle/>
+          <a:p>
+            <a:r>
+              <a:rPr lang="en-US" dirty="0"/>
+              <a:t>References</a:t>
+            </a:r>
+          </a:p>
+        </p:txBody>
+      </p:sp>
+      <p:sp>
+        <p:nvSpPr>
+          <p:cNvPr id="3" name="Content Placeholder 2">
+            <a:extLst>
+              <a:ext uri="{FF2B5EF4-FFF2-40B4-BE49-F238E27FC236}">
+                <a16:creationId xmlns:a16="http://schemas.microsoft.com/office/drawing/2014/main" id="{3BF33CF9-0F69-4C33-9BD2-D5E4D5370202}"/>
+              </a:ext>
+            </a:extLst>
+          </p:cNvPr>
+          <p:cNvSpPr>
+            <a:spLocks noGrp="1"/>
+          </p:cNvSpPr>
+          <p:nvPr>
+            <p:ph idx="1"/>
+          </p:nvPr>
+        </p:nvSpPr>
+        <p:spPr/>
+        <p:txBody>
+          <a:bodyPr/>
+          <a:lstStyle/>
+          <a:p>
+            <a:r>
+              <a:rPr lang="en-US" dirty="0" err="1"/>
+              <a:t>XInput</a:t>
+            </a:r>
+            <a:r>
+              <a:rPr lang="en-US" dirty="0"/>
+              <a:t> and Gamepads By Gilles </a:t>
+            </a:r>
+            <a:r>
+              <a:rPr lang="en-US" dirty="0" err="1"/>
+              <a:t>Bellot</a:t>
+            </a:r>
+            <a:r>
+              <a:rPr lang="en-US" dirty="0"/>
+              <a:t> - June 25, 2018  </a:t>
+            </a:r>
+            <a:r>
+              <a:rPr lang="en-US" dirty="0">
+                <a:hlinkClick r:id="rId2"/>
+              </a:rPr>
+              <a:t>https://bell0bytes.eu/xinput-and-gamepads/</a:t>
+            </a:r>
+            <a:endParaRPr lang="en-US" dirty="0"/>
+          </a:p>
+          <a:p>
+            <a:endParaRPr lang="en-US" dirty="0"/>
+          </a:p>
+          <a:p>
+            <a:endParaRPr lang="en-US" dirty="0"/>
+          </a:p>
+          <a:p>
+            <a:r>
+              <a:rPr lang="en-US" dirty="0"/>
+              <a:t>Getting Started With </a:t>
+            </a:r>
+            <a:r>
+              <a:rPr lang="en-US" dirty="0" err="1"/>
+              <a:t>XInput</a:t>
+            </a:r>
+            <a:r>
+              <a:rPr lang="en-US" dirty="0"/>
+              <a:t> 05/30/2018 </a:t>
+            </a:r>
+            <a:r>
+              <a:rPr lang="en-US" dirty="0">
+                <a:hlinkClick r:id="rId3"/>
+              </a:rPr>
+              <a:t>https://docs.microsoft.com/en-us/windows/desktop/xinput/getting-started-with-xinput</a:t>
+            </a:r>
+            <a:endParaRPr lang="en-US" dirty="0"/>
+          </a:p>
+          <a:p>
+            <a:endParaRPr lang="en-US" dirty="0"/>
+          </a:p>
+        </p:txBody>
+      </p:sp>
+    </p:spTree>
+    <p:extLst>
+      <p:ext uri="{BB962C8B-B14F-4D97-AF65-F5344CB8AC3E}">
+        <p14:creationId xmlns:p14="http://schemas.microsoft.com/office/powerpoint/2010/main" val="1307826201"/>
       </p:ext>
     </p:extLst>
   </p:cSld>
@@ -5448,7 +5585,7 @@
                 <a:latin typeface="Courier New" panose="02070309020205020404" pitchFamily="49" charset="0"/>
                 <a:cs typeface="Courier New" panose="02070309020205020404" pitchFamily="49" charset="0"/>
               </a:rPr>
-              <a:t>unsigned char</a:t>
+              <a:t>unsigned byte</a:t>
             </a:r>
             <a:r>
               <a:rPr kumimoji="0" lang="en-US" altLang="en-US" sz="2000" b="0" i="0" u="none" strike="noStrike" cap="none" normalizeH="0" baseline="0" dirty="0">
@@ -5527,7 +5664,7 @@
                 <a:latin typeface="Courier New" panose="02070309020205020404" pitchFamily="49" charset="0"/>
                 <a:cs typeface="Courier New" panose="02070309020205020404" pitchFamily="49" charset="0"/>
               </a:rPr>
-              <a:t>unsigned char</a:t>
+              <a:t>unsigned byte</a:t>
             </a:r>
             <a:r>
               <a:rPr kumimoji="0" lang="en-US" altLang="en-US" sz="2000" b="0" i="0" u="none" strike="noStrike" cap="none" normalizeH="0" baseline="0" dirty="0">
@@ -6566,7 +6703,7 @@
           <p:cNvPr id="2" name="Title 1">
             <a:extLst>
               <a:ext uri="{FF2B5EF4-FFF2-40B4-BE49-F238E27FC236}">
-                <a16:creationId xmlns:a16="http://schemas.microsoft.com/office/drawing/2014/main" id="{8FB93DFB-B56E-4BDE-8F10-F0329F79F74E}"/>
+                <a16:creationId xmlns:a16="http://schemas.microsoft.com/office/drawing/2014/main" id="{825ED689-F1D9-48DF-88D4-D2670172D5DA}"/>
               </a:ext>
             </a:extLst>
           </p:cNvPr>
@@ -6583,9 +6720,573 @@
           <a:lstStyle/>
           <a:p>
             <a:r>
+              <a:rPr lang="en-US" altLang="en-US" dirty="0">
+                <a:solidFill>
+                  <a:srgbClr val="B9BCD1"/>
+                </a:solidFill>
+                <a:latin typeface="Courier New" panose="02070309020205020404" pitchFamily="49" charset="0"/>
+                <a:cs typeface="Courier New" panose="02070309020205020404" pitchFamily="49" charset="0"/>
+              </a:rPr>
+              <a:t>XINPUT_GAMEPAD </a:t>
+            </a:r>
+            <a:r>
               <a:rPr lang="en-US" dirty="0"/>
-              <a:t>References</a:t>
-            </a:r>
+              <a:t>python dictionary</a:t>
+            </a:r>
+          </a:p>
+        </p:txBody>
+      </p:sp>
+      <p:sp>
+        <p:nvSpPr>
+          <p:cNvPr id="4" name="Rectangle 3">
+            <a:extLst>
+              <a:ext uri="{FF2B5EF4-FFF2-40B4-BE49-F238E27FC236}">
+                <a16:creationId xmlns:a16="http://schemas.microsoft.com/office/drawing/2014/main" id="{8BBD092D-FF33-4FAF-B8F5-F12F889B8A57}"/>
+              </a:ext>
+            </a:extLst>
+          </p:cNvPr>
+          <p:cNvSpPr/>
+          <p:nvPr/>
+        </p:nvSpPr>
+        <p:spPr>
+          <a:xfrm>
+            <a:off x="983225" y="1792209"/>
+            <a:ext cx="6096000" cy="4524315"/>
+          </a:xfrm>
+          <a:prstGeom prst="rect">
+            <a:avLst/>
+          </a:prstGeom>
+        </p:spPr>
+        <p:txBody>
+          <a:bodyPr>
+            <a:spAutoFit/>
+          </a:bodyPr>
+          <a:lstStyle/>
+          <a:p>
+            <a:r>
+              <a:rPr lang="en-US" sz="3200" dirty="0">
+                <a:solidFill>
+                  <a:srgbClr val="D4D4D4"/>
+                </a:solidFill>
+                <a:latin typeface="Consolas" panose="020B0609020204030204" pitchFamily="49" charset="0"/>
+              </a:rPr>
+              <a:t>{</a:t>
+            </a:r>
+          </a:p>
+          <a:p>
+            <a:r>
+              <a:rPr lang="en-US" sz="3200" dirty="0">
+                <a:solidFill>
+                  <a:srgbClr val="D4D4D4"/>
+                </a:solidFill>
+                <a:latin typeface="Consolas" panose="020B0609020204030204" pitchFamily="49" charset="0"/>
+              </a:rPr>
+              <a:t>    </a:t>
+            </a:r>
+            <a:r>
+              <a:rPr lang="en-US" sz="3200" dirty="0">
+                <a:solidFill>
+                  <a:srgbClr val="9CDCFE"/>
+                </a:solidFill>
+                <a:latin typeface="Consolas" panose="020B0609020204030204" pitchFamily="49" charset="0"/>
+              </a:rPr>
+              <a:t>"buttons"</a:t>
+            </a:r>
+            <a:r>
+              <a:rPr lang="en-US" sz="3200" dirty="0">
+                <a:solidFill>
+                  <a:srgbClr val="D4D4D4"/>
+                </a:solidFill>
+                <a:latin typeface="Consolas" panose="020B0609020204030204" pitchFamily="49" charset="0"/>
+              </a:rPr>
+              <a:t>: </a:t>
+            </a:r>
+            <a:r>
+              <a:rPr lang="en-US" sz="3200" dirty="0">
+                <a:solidFill>
+                  <a:srgbClr val="B5CEA8"/>
+                </a:solidFill>
+                <a:latin typeface="Consolas" panose="020B0609020204030204" pitchFamily="49" charset="0"/>
+              </a:rPr>
+              <a:t>20480</a:t>
+            </a:r>
+            <a:r>
+              <a:rPr lang="en-US" sz="3200" dirty="0">
+                <a:solidFill>
+                  <a:srgbClr val="D4D4D4"/>
+                </a:solidFill>
+                <a:latin typeface="Consolas" panose="020B0609020204030204" pitchFamily="49" charset="0"/>
+              </a:rPr>
+              <a:t>,</a:t>
+            </a:r>
+          </a:p>
+          <a:p>
+            <a:r>
+              <a:rPr lang="en-US" sz="3200" dirty="0">
+                <a:solidFill>
+                  <a:srgbClr val="D4D4D4"/>
+                </a:solidFill>
+                <a:latin typeface="Consolas" panose="020B0609020204030204" pitchFamily="49" charset="0"/>
+              </a:rPr>
+              <a:t>    </a:t>
+            </a:r>
+            <a:r>
+              <a:rPr lang="en-US" sz="3200" dirty="0">
+                <a:solidFill>
+                  <a:srgbClr val="9CDCFE"/>
+                </a:solidFill>
+                <a:latin typeface="Consolas" panose="020B0609020204030204" pitchFamily="49" charset="0"/>
+              </a:rPr>
+              <a:t>"</a:t>
+            </a:r>
+            <a:r>
+              <a:rPr lang="en-US" sz="3200" dirty="0" err="1">
+                <a:solidFill>
+                  <a:srgbClr val="9CDCFE"/>
+                </a:solidFill>
+                <a:latin typeface="Consolas" panose="020B0609020204030204" pitchFamily="49" charset="0"/>
+              </a:rPr>
+              <a:t>left_trigger</a:t>
+            </a:r>
+            <a:r>
+              <a:rPr lang="en-US" sz="3200" dirty="0">
+                <a:solidFill>
+                  <a:srgbClr val="9CDCFE"/>
+                </a:solidFill>
+                <a:latin typeface="Consolas" panose="020B0609020204030204" pitchFamily="49" charset="0"/>
+              </a:rPr>
+              <a:t>"</a:t>
+            </a:r>
+            <a:r>
+              <a:rPr lang="en-US" sz="3200" dirty="0">
+                <a:solidFill>
+                  <a:srgbClr val="D4D4D4"/>
+                </a:solidFill>
+                <a:latin typeface="Consolas" panose="020B0609020204030204" pitchFamily="49" charset="0"/>
+              </a:rPr>
+              <a:t>: </a:t>
+            </a:r>
+            <a:r>
+              <a:rPr lang="en-US" sz="3200" dirty="0">
+                <a:solidFill>
+                  <a:srgbClr val="B5CEA8"/>
+                </a:solidFill>
+                <a:latin typeface="Consolas" panose="020B0609020204030204" pitchFamily="49" charset="0"/>
+              </a:rPr>
+              <a:t>255</a:t>
+            </a:r>
+            <a:r>
+              <a:rPr lang="en-US" sz="3200" dirty="0">
+                <a:solidFill>
+                  <a:srgbClr val="D4D4D4"/>
+                </a:solidFill>
+                <a:latin typeface="Consolas" panose="020B0609020204030204" pitchFamily="49" charset="0"/>
+              </a:rPr>
+              <a:t>,</a:t>
+            </a:r>
+          </a:p>
+          <a:p>
+            <a:r>
+              <a:rPr lang="en-US" sz="3200" dirty="0">
+                <a:solidFill>
+                  <a:srgbClr val="D4D4D4"/>
+                </a:solidFill>
+                <a:latin typeface="Consolas" panose="020B0609020204030204" pitchFamily="49" charset="0"/>
+              </a:rPr>
+              <a:t>    </a:t>
+            </a:r>
+            <a:r>
+              <a:rPr lang="en-US" sz="3200" dirty="0">
+                <a:solidFill>
+                  <a:srgbClr val="9CDCFE"/>
+                </a:solidFill>
+                <a:latin typeface="Consolas" panose="020B0609020204030204" pitchFamily="49" charset="0"/>
+              </a:rPr>
+              <a:t>"</a:t>
+            </a:r>
+            <a:r>
+              <a:rPr lang="en-US" sz="3200" dirty="0" err="1">
+                <a:solidFill>
+                  <a:srgbClr val="9CDCFE"/>
+                </a:solidFill>
+                <a:latin typeface="Consolas" panose="020B0609020204030204" pitchFamily="49" charset="0"/>
+              </a:rPr>
+              <a:t>right_trigger</a:t>
+            </a:r>
+            <a:r>
+              <a:rPr lang="en-US" sz="3200" dirty="0">
+                <a:solidFill>
+                  <a:srgbClr val="9CDCFE"/>
+                </a:solidFill>
+                <a:latin typeface="Consolas" panose="020B0609020204030204" pitchFamily="49" charset="0"/>
+              </a:rPr>
+              <a:t>"</a:t>
+            </a:r>
+            <a:r>
+              <a:rPr lang="en-US" sz="3200" dirty="0">
+                <a:solidFill>
+                  <a:srgbClr val="D4D4D4"/>
+                </a:solidFill>
+                <a:latin typeface="Consolas" panose="020B0609020204030204" pitchFamily="49" charset="0"/>
+              </a:rPr>
+              <a:t>: </a:t>
+            </a:r>
+            <a:r>
+              <a:rPr lang="en-US" sz="3200" dirty="0">
+                <a:solidFill>
+                  <a:srgbClr val="B5CEA8"/>
+                </a:solidFill>
+                <a:latin typeface="Consolas" panose="020B0609020204030204" pitchFamily="49" charset="0"/>
+              </a:rPr>
+              <a:t>73</a:t>
+            </a:r>
+            <a:r>
+              <a:rPr lang="en-US" sz="3200" dirty="0">
+                <a:solidFill>
+                  <a:srgbClr val="D4D4D4"/>
+                </a:solidFill>
+                <a:latin typeface="Consolas" panose="020B0609020204030204" pitchFamily="49" charset="0"/>
+              </a:rPr>
+              <a:t>,</a:t>
+            </a:r>
+          </a:p>
+          <a:p>
+            <a:r>
+              <a:rPr lang="en-US" sz="3200" dirty="0">
+                <a:solidFill>
+                  <a:srgbClr val="D4D4D4"/>
+                </a:solidFill>
+                <a:latin typeface="Consolas" panose="020B0609020204030204" pitchFamily="49" charset="0"/>
+              </a:rPr>
+              <a:t>    </a:t>
+            </a:r>
+            <a:r>
+              <a:rPr lang="en-US" sz="3200" dirty="0">
+                <a:solidFill>
+                  <a:srgbClr val="9CDCFE"/>
+                </a:solidFill>
+                <a:latin typeface="Consolas" panose="020B0609020204030204" pitchFamily="49" charset="0"/>
+              </a:rPr>
+              <a:t>"</a:t>
+            </a:r>
+            <a:r>
+              <a:rPr lang="en-US" sz="3200" dirty="0" err="1">
+                <a:solidFill>
+                  <a:srgbClr val="9CDCFE"/>
+                </a:solidFill>
+                <a:latin typeface="Consolas" panose="020B0609020204030204" pitchFamily="49" charset="0"/>
+              </a:rPr>
+              <a:t>l_thumb_x</a:t>
+            </a:r>
+            <a:r>
+              <a:rPr lang="en-US" sz="3200" dirty="0">
+                <a:solidFill>
+                  <a:srgbClr val="9CDCFE"/>
+                </a:solidFill>
+                <a:latin typeface="Consolas" panose="020B0609020204030204" pitchFamily="49" charset="0"/>
+              </a:rPr>
+              <a:t>"</a:t>
+            </a:r>
+            <a:r>
+              <a:rPr lang="en-US" sz="3200" dirty="0">
+                <a:solidFill>
+                  <a:srgbClr val="D4D4D4"/>
+                </a:solidFill>
+                <a:latin typeface="Consolas" panose="020B0609020204030204" pitchFamily="49" charset="0"/>
+              </a:rPr>
+              <a:t>: </a:t>
+            </a:r>
+            <a:r>
+              <a:rPr lang="en-US" sz="3200" dirty="0">
+                <a:solidFill>
+                  <a:srgbClr val="B5CEA8"/>
+                </a:solidFill>
+                <a:latin typeface="Consolas" panose="020B0609020204030204" pitchFamily="49" charset="0"/>
+              </a:rPr>
+              <a:t>-11272</a:t>
+            </a:r>
+            <a:r>
+              <a:rPr lang="en-US" sz="3200" dirty="0">
+                <a:solidFill>
+                  <a:srgbClr val="D4D4D4"/>
+                </a:solidFill>
+                <a:latin typeface="Consolas" panose="020B0609020204030204" pitchFamily="49" charset="0"/>
+              </a:rPr>
+              <a:t>,</a:t>
+            </a:r>
+          </a:p>
+          <a:p>
+            <a:r>
+              <a:rPr lang="en-US" sz="3200" dirty="0">
+                <a:solidFill>
+                  <a:srgbClr val="D4D4D4"/>
+                </a:solidFill>
+                <a:latin typeface="Consolas" panose="020B0609020204030204" pitchFamily="49" charset="0"/>
+              </a:rPr>
+              <a:t>    </a:t>
+            </a:r>
+            <a:r>
+              <a:rPr lang="en-US" sz="3200" dirty="0">
+                <a:solidFill>
+                  <a:srgbClr val="9CDCFE"/>
+                </a:solidFill>
+                <a:latin typeface="Consolas" panose="020B0609020204030204" pitchFamily="49" charset="0"/>
+              </a:rPr>
+              <a:t>"</a:t>
+            </a:r>
+            <a:r>
+              <a:rPr lang="en-US" sz="3200" dirty="0" err="1">
+                <a:solidFill>
+                  <a:srgbClr val="9CDCFE"/>
+                </a:solidFill>
+                <a:latin typeface="Consolas" panose="020B0609020204030204" pitchFamily="49" charset="0"/>
+              </a:rPr>
+              <a:t>l_thumb_y</a:t>
+            </a:r>
+            <a:r>
+              <a:rPr lang="en-US" sz="3200" dirty="0">
+                <a:solidFill>
+                  <a:srgbClr val="9CDCFE"/>
+                </a:solidFill>
+                <a:latin typeface="Consolas" panose="020B0609020204030204" pitchFamily="49" charset="0"/>
+              </a:rPr>
+              <a:t>"</a:t>
+            </a:r>
+            <a:r>
+              <a:rPr lang="en-US" sz="3200" dirty="0">
+                <a:solidFill>
+                  <a:srgbClr val="D4D4D4"/>
+                </a:solidFill>
+                <a:latin typeface="Consolas" panose="020B0609020204030204" pitchFamily="49" charset="0"/>
+              </a:rPr>
+              <a:t>: </a:t>
+            </a:r>
+            <a:r>
+              <a:rPr lang="en-US" sz="3200" dirty="0">
+                <a:solidFill>
+                  <a:srgbClr val="B5CEA8"/>
+                </a:solidFill>
+                <a:latin typeface="Consolas" panose="020B0609020204030204" pitchFamily="49" charset="0"/>
+              </a:rPr>
+              <a:t>-15314</a:t>
+            </a:r>
+            <a:r>
+              <a:rPr lang="en-US" sz="3200" dirty="0">
+                <a:solidFill>
+                  <a:srgbClr val="D4D4D4"/>
+                </a:solidFill>
+                <a:latin typeface="Consolas" panose="020B0609020204030204" pitchFamily="49" charset="0"/>
+              </a:rPr>
+              <a:t>,</a:t>
+            </a:r>
+          </a:p>
+          <a:p>
+            <a:r>
+              <a:rPr lang="en-US" sz="3200" dirty="0">
+                <a:solidFill>
+                  <a:srgbClr val="D4D4D4"/>
+                </a:solidFill>
+                <a:latin typeface="Consolas" panose="020B0609020204030204" pitchFamily="49" charset="0"/>
+              </a:rPr>
+              <a:t>    </a:t>
+            </a:r>
+            <a:r>
+              <a:rPr lang="en-US" sz="3200" dirty="0">
+                <a:solidFill>
+                  <a:srgbClr val="9CDCFE"/>
+                </a:solidFill>
+                <a:latin typeface="Consolas" panose="020B0609020204030204" pitchFamily="49" charset="0"/>
+              </a:rPr>
+              <a:t>"</a:t>
+            </a:r>
+            <a:r>
+              <a:rPr lang="en-US" sz="3200" dirty="0" err="1">
+                <a:solidFill>
+                  <a:srgbClr val="9CDCFE"/>
+                </a:solidFill>
+                <a:latin typeface="Consolas" panose="020B0609020204030204" pitchFamily="49" charset="0"/>
+              </a:rPr>
+              <a:t>r_thumb_x</a:t>
+            </a:r>
+            <a:r>
+              <a:rPr lang="en-US" sz="3200" dirty="0">
+                <a:solidFill>
+                  <a:srgbClr val="9CDCFE"/>
+                </a:solidFill>
+                <a:latin typeface="Consolas" panose="020B0609020204030204" pitchFamily="49" charset="0"/>
+              </a:rPr>
+              <a:t>"</a:t>
+            </a:r>
+            <a:r>
+              <a:rPr lang="en-US" sz="3200" dirty="0">
+                <a:solidFill>
+                  <a:srgbClr val="D4D4D4"/>
+                </a:solidFill>
+                <a:latin typeface="Consolas" panose="020B0609020204030204" pitchFamily="49" charset="0"/>
+              </a:rPr>
+              <a:t>: </a:t>
+            </a:r>
+            <a:r>
+              <a:rPr lang="en-US" sz="3200" dirty="0">
+                <a:solidFill>
+                  <a:srgbClr val="B5CEA8"/>
+                </a:solidFill>
+                <a:latin typeface="Consolas" panose="020B0609020204030204" pitchFamily="49" charset="0"/>
+              </a:rPr>
+              <a:t>32074</a:t>
+            </a:r>
+            <a:r>
+              <a:rPr lang="en-US" sz="3200" dirty="0">
+                <a:solidFill>
+                  <a:srgbClr val="D4D4D4"/>
+                </a:solidFill>
+                <a:latin typeface="Consolas" panose="020B0609020204030204" pitchFamily="49" charset="0"/>
+              </a:rPr>
+              <a:t>,</a:t>
+            </a:r>
+          </a:p>
+          <a:p>
+            <a:r>
+              <a:rPr lang="en-US" sz="3200" dirty="0">
+                <a:solidFill>
+                  <a:srgbClr val="D4D4D4"/>
+                </a:solidFill>
+                <a:latin typeface="Consolas" panose="020B0609020204030204" pitchFamily="49" charset="0"/>
+              </a:rPr>
+              <a:t>    </a:t>
+            </a:r>
+            <a:r>
+              <a:rPr lang="en-US" sz="3200" dirty="0">
+                <a:solidFill>
+                  <a:srgbClr val="9CDCFE"/>
+                </a:solidFill>
+                <a:latin typeface="Consolas" panose="020B0609020204030204" pitchFamily="49" charset="0"/>
+              </a:rPr>
+              <a:t>"</a:t>
+            </a:r>
+            <a:r>
+              <a:rPr lang="en-US" sz="3200" dirty="0" err="1">
+                <a:solidFill>
+                  <a:srgbClr val="9CDCFE"/>
+                </a:solidFill>
+                <a:latin typeface="Consolas" panose="020B0609020204030204" pitchFamily="49" charset="0"/>
+              </a:rPr>
+              <a:t>r_thumb_y</a:t>
+            </a:r>
+            <a:r>
+              <a:rPr lang="en-US" sz="3200" dirty="0">
+                <a:solidFill>
+                  <a:srgbClr val="9CDCFE"/>
+                </a:solidFill>
+                <a:latin typeface="Consolas" panose="020B0609020204030204" pitchFamily="49" charset="0"/>
+              </a:rPr>
+              <a:t>"</a:t>
+            </a:r>
+            <a:r>
+              <a:rPr lang="en-US" sz="3200" dirty="0">
+                <a:solidFill>
+                  <a:srgbClr val="D4D4D4"/>
+                </a:solidFill>
+                <a:latin typeface="Consolas" panose="020B0609020204030204" pitchFamily="49" charset="0"/>
+              </a:rPr>
+              <a:t>: </a:t>
+            </a:r>
+            <a:r>
+              <a:rPr lang="en-US" sz="3200" dirty="0">
+                <a:solidFill>
+                  <a:srgbClr val="B5CEA8"/>
+                </a:solidFill>
+                <a:latin typeface="Consolas" panose="020B0609020204030204" pitchFamily="49" charset="0"/>
+              </a:rPr>
+              <a:t>16753</a:t>
+            </a:r>
+            <a:endParaRPr lang="en-US" sz="3200" dirty="0">
+              <a:solidFill>
+                <a:srgbClr val="D4D4D4"/>
+              </a:solidFill>
+              <a:latin typeface="Consolas" panose="020B0609020204030204" pitchFamily="49" charset="0"/>
+            </a:endParaRPr>
+          </a:p>
+          <a:p>
+            <a:r>
+              <a:rPr lang="en-US" sz="3200" dirty="0">
+                <a:solidFill>
+                  <a:srgbClr val="D4D4D4"/>
+                </a:solidFill>
+                <a:latin typeface="Consolas" panose="020B0609020204030204" pitchFamily="49" charset="0"/>
+              </a:rPr>
+              <a:t>}</a:t>
+            </a:r>
+            <a:endParaRPr lang="en-US" sz="3200" b="0" dirty="0">
+              <a:solidFill>
+                <a:srgbClr val="D4D4D4"/>
+              </a:solidFill>
+              <a:effectLst/>
+              <a:latin typeface="Consolas" panose="020B0609020204030204" pitchFamily="49" charset="0"/>
+            </a:endParaRPr>
+          </a:p>
+        </p:txBody>
+      </p:sp>
+    </p:spTree>
+    <p:extLst>
+      <p:ext uri="{BB962C8B-B14F-4D97-AF65-F5344CB8AC3E}">
+        <p14:creationId xmlns:p14="http://schemas.microsoft.com/office/powerpoint/2010/main" val="1261996594"/>
+      </p:ext>
+    </p:extLst>
+  </p:cSld>
+  <p:clrMapOvr>
+    <a:masterClrMapping/>
+  </p:clrMapOvr>
+</p:sld>
+</file>
+
+<file path=ppt/slides/slide9.xml><?xml version="1.0" encoding="utf-8"?>
+<p:sld xmlns:a="http://schemas.openxmlformats.org/drawingml/2006/main" xmlns:r="http://schemas.openxmlformats.org/officeDocument/2006/relationships" xmlns:p="http://schemas.openxmlformats.org/presentationml/2006/main">
+  <p:cSld>
+    <p:spTree>
+      <p:nvGrpSpPr>
+        <p:cNvPr id="1" name=""/>
+        <p:cNvGrpSpPr/>
+        <p:nvPr/>
+      </p:nvGrpSpPr>
+      <p:grpSpPr>
+        <a:xfrm>
+          <a:off x="0" y="0"/>
+          <a:ext cx="0" cy="0"/>
+          <a:chOff x="0" y="0"/>
+          <a:chExt cx="0" cy="0"/>
+        </a:xfrm>
+      </p:grpSpPr>
+      <p:sp>
+        <p:nvSpPr>
+          <p:cNvPr id="2" name="Title 1">
+            <a:extLst>
+              <a:ext uri="{FF2B5EF4-FFF2-40B4-BE49-F238E27FC236}">
+                <a16:creationId xmlns:a16="http://schemas.microsoft.com/office/drawing/2014/main" id="{923A2E7E-7CBB-41E8-A8C7-387542B521C0}"/>
+              </a:ext>
+            </a:extLst>
+          </p:cNvPr>
+          <p:cNvSpPr>
+            <a:spLocks noGrp="1"/>
+          </p:cNvSpPr>
+          <p:nvPr>
+            <p:ph type="title"/>
+          </p:nvPr>
+        </p:nvSpPr>
+        <p:spPr/>
+        <p:txBody>
+          <a:bodyPr/>
+          <a:lstStyle/>
+          <a:p>
+            <a:r>
+              <a:rPr lang="en-US" dirty="0"/>
+              <a:t>Xbox one controller + </a:t>
+            </a:r>
+            <a:r>
+              <a:rPr lang="en-US" dirty="0" err="1"/>
+              <a:t>Cozmo</a:t>
+            </a:r>
+            <a:endParaRPr lang="en-US" dirty="0"/>
           </a:p>
         </p:txBody>
       </p:sp>
@@ -6594,7 +7295,7 @@
           <p:cNvPr id="3" name="Content Placeholder 2">
             <a:extLst>
               <a:ext uri="{FF2B5EF4-FFF2-40B4-BE49-F238E27FC236}">
-                <a16:creationId xmlns:a16="http://schemas.microsoft.com/office/drawing/2014/main" id="{3BF33CF9-0F69-4C33-9BD2-D5E4D5370202}"/>
+                <a16:creationId xmlns:a16="http://schemas.microsoft.com/office/drawing/2014/main" id="{7C54291A-8C74-4A07-9688-99A59A5EBCDA}"/>
               </a:ext>
             </a:extLst>
           </p:cNvPr>
@@ -6610,58 +7311,6 @@
           <a:bodyPr/>
           <a:lstStyle/>
           <a:p>
-            <a:r>
-              <a:rPr lang="en-US" dirty="0" err="1"/>
-              <a:t>XInput</a:t>
-            </a:r>
-            <a:r>
-              <a:rPr lang="en-US" dirty="0"/>
-              <a:t> and Gamepads By Gilles </a:t>
-            </a:r>
-            <a:r>
-              <a:rPr lang="en-US" dirty="0" err="1"/>
-              <a:t>Bellot</a:t>
-            </a:r>
-            <a:r>
-              <a:rPr lang="en-US" dirty="0"/>
-              <a:t> - June 25, 2018  </a:t>
-            </a:r>
-            <a:r>
-              <a:rPr lang="en-US" dirty="0">
-                <a:hlinkClick r:id="rId2"/>
-              </a:rPr>
-              <a:t>https://bell0bytes.eu/xinput-and-gamepads/</a:t>
-            </a:r>
-            <a:endParaRPr lang="en-US" dirty="0"/>
-          </a:p>
-          <a:p>
-            <a:endParaRPr lang="en-US" dirty="0"/>
-          </a:p>
-          <a:p>
-            <a:endParaRPr lang="en-US" dirty="0"/>
-          </a:p>
-          <a:p>
-            <a:r>
-              <a:rPr lang="en-US" dirty="0"/>
-              <a:t>Getting Started With </a:t>
-            </a:r>
-            <a:r>
-              <a:rPr lang="en-US" dirty="0" err="1"/>
-              <a:t>XInput</a:t>
-            </a:r>
-            <a:r>
-              <a:rPr lang="en-US" dirty="0"/>
-              <a:t> 05/30/2018 </a:t>
-            </a:r>
-            <a:r>
-              <a:rPr lang="en-US" dirty="0">
-                <a:hlinkClick r:id="rId3"/>
-              </a:rPr>
-              <a:t>https://docs.microsoft.com/en-us/windows/desktop/xinput/getting-started-with-xinput</a:t>
-            </a:r>
-            <a:endParaRPr lang="en-US" dirty="0"/>
-          </a:p>
-          <a:p>
             <a:endParaRPr lang="en-US" dirty="0"/>
           </a:p>
         </p:txBody>
@@ -6669,7 +7318,7 @@
     </p:spTree>
     <p:extLst>
       <p:ext uri="{BB962C8B-B14F-4D97-AF65-F5344CB8AC3E}">
-        <p14:creationId xmlns:p14="http://schemas.microsoft.com/office/powerpoint/2010/main" val="1307826201"/>
+        <p14:creationId xmlns:p14="http://schemas.microsoft.com/office/powerpoint/2010/main" val="133668302"/>
       </p:ext>
     </p:extLst>
   </p:cSld>

--- a/Xbox One Controller.pptx
+++ b/Xbox One Controller.pptx
@@ -638,6 +638,90 @@
     <p:extLst>
       <p:ext uri="{BB962C8B-B14F-4D97-AF65-F5344CB8AC3E}">
         <p14:creationId xmlns:p14="http://schemas.microsoft.com/office/powerpoint/2010/main" val="3985702194"/>
+      </p:ext>
+    </p:extLst>
+  </p:cSld>
+  <p:clrMapOvr>
+    <a:masterClrMapping/>
+  </p:clrMapOvr>
+</p:notes>
+</file>
+
+<file path=ppt/notesSlides/notesSlide3.xml><?xml version="1.0" encoding="utf-8"?>
+<p:notes xmlns:a="http://schemas.openxmlformats.org/drawingml/2006/main" xmlns:r="http://schemas.openxmlformats.org/officeDocument/2006/relationships" xmlns:p="http://schemas.openxmlformats.org/presentationml/2006/main">
+  <p:cSld>
+    <p:spTree>
+      <p:nvGrpSpPr>
+        <p:cNvPr id="1" name=""/>
+        <p:cNvGrpSpPr/>
+        <p:nvPr/>
+      </p:nvGrpSpPr>
+      <p:grpSpPr>
+        <a:xfrm>
+          <a:off x="0" y="0"/>
+          <a:ext cx="0" cy="0"/>
+          <a:chOff x="0" y="0"/>
+          <a:chExt cx="0" cy="0"/>
+        </a:xfrm>
+      </p:grpSpPr>
+      <p:sp>
+        <p:nvSpPr>
+          <p:cNvPr id="2" name="Slide Image Placeholder 1"/>
+          <p:cNvSpPr>
+            <a:spLocks noGrp="1" noRot="1" noChangeAspect="1"/>
+          </p:cNvSpPr>
+          <p:nvPr>
+            <p:ph type="sldImg"/>
+          </p:nvPr>
+        </p:nvSpPr>
+        <p:spPr/>
+      </p:sp>
+      <p:sp>
+        <p:nvSpPr>
+          <p:cNvPr id="3" name="Notes Placeholder 2"/>
+          <p:cNvSpPr>
+            <a:spLocks noGrp="1"/>
+          </p:cNvSpPr>
+          <p:nvPr>
+            <p:ph type="body" idx="1"/>
+          </p:nvPr>
+        </p:nvSpPr>
+        <p:spPr/>
+        <p:txBody>
+          <a:bodyPr/>
+          <a:lstStyle/>
+          <a:p>
+            <a:endParaRPr lang="en-US"/>
+          </a:p>
+        </p:txBody>
+      </p:sp>
+      <p:sp>
+        <p:nvSpPr>
+          <p:cNvPr id="4" name="Slide Number Placeholder 3"/>
+          <p:cNvSpPr>
+            <a:spLocks noGrp="1"/>
+          </p:cNvSpPr>
+          <p:nvPr>
+            <p:ph type="sldNum" sz="quarter" idx="5"/>
+          </p:nvPr>
+        </p:nvSpPr>
+        <p:spPr/>
+        <p:txBody>
+          <a:bodyPr/>
+          <a:lstStyle/>
+          <a:p>
+            <a:fld id="{14F611FF-719B-4A57-9344-B37466B73912}" type="slidenum">
+              <a:rPr lang="en-US" smtClean="0"/>
+              <a:t>9</a:t>
+            </a:fld>
+            <a:endParaRPr lang="en-US"/>
+          </a:p>
+        </p:txBody>
+      </p:sp>
+    </p:spTree>
+    <p:extLst>
+      <p:ext uri="{BB962C8B-B14F-4D97-AF65-F5344CB8AC3E}">
+        <p14:creationId xmlns:p14="http://schemas.microsoft.com/office/powerpoint/2010/main" val="259857480"/>
       </p:ext>
     </p:extLst>
   </p:cSld>
@@ -7290,31 +7374,36 @@
           </a:p>
         </p:txBody>
       </p:sp>
-      <p:sp>
-        <p:nvSpPr>
-          <p:cNvPr id="3" name="Content Placeholder 2">
+      <p:pic>
+        <p:nvPicPr>
+          <p:cNvPr id="4" name="Picture 3">
             <a:extLst>
               <a:ext uri="{FF2B5EF4-FFF2-40B4-BE49-F238E27FC236}">
-                <a16:creationId xmlns:a16="http://schemas.microsoft.com/office/drawing/2014/main" id="{7C54291A-8C74-4A07-9688-99A59A5EBCDA}"/>
+                <a16:creationId xmlns:a16="http://schemas.microsoft.com/office/drawing/2014/main" id="{14C6A3F0-2B6E-4366-A445-FD58836FC8D2}"/>
               </a:ext>
             </a:extLst>
           </p:cNvPr>
-          <p:cNvSpPr>
-            <a:spLocks noGrp="1"/>
-          </p:cNvSpPr>
-          <p:nvPr>
-            <p:ph idx="1"/>
-          </p:nvPr>
-        </p:nvSpPr>
-        <p:spPr/>
-        <p:txBody>
-          <a:bodyPr/>
-          <a:lstStyle/>
-          <a:p>
-            <a:endParaRPr lang="en-US" dirty="0"/>
-          </a:p>
-        </p:txBody>
-      </p:sp>
+          <p:cNvPicPr>
+            <a:picLocks noChangeAspect="1"/>
+          </p:cNvPicPr>
+          <p:nvPr/>
+        </p:nvPicPr>
+        <p:blipFill>
+          <a:blip r:embed="rId3"/>
+          <a:stretch>
+            <a:fillRect/>
+          </a:stretch>
+        </p:blipFill>
+        <p:spPr>
+          <a:xfrm>
+            <a:off x="2145397" y="3172927"/>
+            <a:ext cx="1942857" cy="1942857"/>
+          </a:xfrm>
+          <a:prstGeom prst="rect">
+            <a:avLst/>
+          </a:prstGeom>
+        </p:spPr>
+      </p:pic>
     </p:spTree>
     <p:extLst>
       <p:ext uri="{BB962C8B-B14F-4D97-AF65-F5344CB8AC3E}">

--- a/Xbox One Controller.pptx
+++ b/Xbox One Controller.pptx
@@ -5,7 +5,7 @@
     <p:sldMasterId id="2147483660" r:id="rId1"/>
   </p:sldMasterIdLst>
   <p:notesMasterIdLst>
-    <p:notesMasterId r:id="rId12"/>
+    <p:notesMasterId r:id="rId16"/>
   </p:notesMasterIdLst>
   <p:sldIdLst>
     <p:sldId id="256" r:id="rId2"/>
@@ -17,7 +17,11 @@
     <p:sldId id="262" r:id="rId8"/>
     <p:sldId id="264" r:id="rId9"/>
     <p:sldId id="265" r:id="rId10"/>
-    <p:sldId id="263" r:id="rId11"/>
+    <p:sldId id="266" r:id="rId11"/>
+    <p:sldId id="267" r:id="rId12"/>
+    <p:sldId id="268" r:id="rId13"/>
+    <p:sldId id="269" r:id="rId14"/>
+    <p:sldId id="263" r:id="rId15"/>
   </p:sldIdLst>
   <p:sldSz cx="12192000" cy="6858000"/>
   <p:notesSz cx="6858000" cy="9144000"/>
@@ -691,7 +695,7 @@
           <a:bodyPr/>
           <a:lstStyle/>
           <a:p>
-            <a:endParaRPr lang="en-US"/>
+            <a:endParaRPr lang="en-US" dirty="0"/>
           </a:p>
         </p:txBody>
       </p:sp>
@@ -722,6 +726,177 @@
     <p:extLst>
       <p:ext uri="{BB962C8B-B14F-4D97-AF65-F5344CB8AC3E}">
         <p14:creationId xmlns:p14="http://schemas.microsoft.com/office/powerpoint/2010/main" val="259857480"/>
+      </p:ext>
+    </p:extLst>
+  </p:cSld>
+  <p:clrMapOvr>
+    <a:masterClrMapping/>
+  </p:clrMapOvr>
+</p:notes>
+</file>
+
+<file path=ppt/notesSlides/notesSlide4.xml><?xml version="1.0" encoding="utf-8"?>
+<p:notes xmlns:a="http://schemas.openxmlformats.org/drawingml/2006/main" xmlns:r="http://schemas.openxmlformats.org/officeDocument/2006/relationships" xmlns:p="http://schemas.openxmlformats.org/presentationml/2006/main">
+  <p:cSld>
+    <p:spTree>
+      <p:nvGrpSpPr>
+        <p:cNvPr id="1" name=""/>
+        <p:cNvGrpSpPr/>
+        <p:nvPr/>
+      </p:nvGrpSpPr>
+      <p:grpSpPr>
+        <a:xfrm>
+          <a:off x="0" y="0"/>
+          <a:ext cx="0" cy="0"/>
+          <a:chOff x="0" y="0"/>
+          <a:chExt cx="0" cy="0"/>
+        </a:xfrm>
+      </p:grpSpPr>
+      <p:sp>
+        <p:nvSpPr>
+          <p:cNvPr id="2" name="Slide Image Placeholder 1"/>
+          <p:cNvSpPr>
+            <a:spLocks noGrp="1" noRot="1" noChangeAspect="1"/>
+          </p:cNvSpPr>
+          <p:nvPr>
+            <p:ph type="sldImg"/>
+          </p:nvPr>
+        </p:nvSpPr>
+        <p:spPr/>
+      </p:sp>
+      <p:sp>
+        <p:nvSpPr>
+          <p:cNvPr id="3" name="Notes Placeholder 2"/>
+          <p:cNvSpPr>
+            <a:spLocks noGrp="1"/>
+          </p:cNvSpPr>
+          <p:nvPr>
+            <p:ph type="body" idx="1"/>
+          </p:nvPr>
+        </p:nvSpPr>
+        <p:spPr/>
+        <p:txBody>
+          <a:bodyPr/>
+          <a:lstStyle/>
+          <a:p>
+            <a:endParaRPr lang="en-US" dirty="0"/>
+          </a:p>
+        </p:txBody>
+      </p:sp>
+      <p:sp>
+        <p:nvSpPr>
+          <p:cNvPr id="4" name="Slide Number Placeholder 3"/>
+          <p:cNvSpPr>
+            <a:spLocks noGrp="1"/>
+          </p:cNvSpPr>
+          <p:nvPr>
+            <p:ph type="sldNum" sz="quarter" idx="5"/>
+          </p:nvPr>
+        </p:nvSpPr>
+        <p:spPr/>
+        <p:txBody>
+          <a:bodyPr/>
+          <a:lstStyle/>
+          <a:p>
+            <a:fld id="{14F611FF-719B-4A57-9344-B37466B73912}" type="slidenum">
+              <a:rPr lang="en-US" smtClean="0"/>
+              <a:t>10</a:t>
+            </a:fld>
+            <a:endParaRPr lang="en-US"/>
+          </a:p>
+        </p:txBody>
+      </p:sp>
+    </p:spTree>
+    <p:extLst>
+      <p:ext uri="{BB962C8B-B14F-4D97-AF65-F5344CB8AC3E}">
+        <p14:creationId xmlns:p14="http://schemas.microsoft.com/office/powerpoint/2010/main" val="2326241570"/>
+      </p:ext>
+    </p:extLst>
+  </p:cSld>
+  <p:clrMapOvr>
+    <a:masterClrMapping/>
+  </p:clrMapOvr>
+</p:notes>
+</file>
+
+<file path=ppt/notesSlides/notesSlide5.xml><?xml version="1.0" encoding="utf-8"?>
+<p:notes xmlns:a="http://schemas.openxmlformats.org/drawingml/2006/main" xmlns:r="http://schemas.openxmlformats.org/officeDocument/2006/relationships" xmlns:p="http://schemas.openxmlformats.org/presentationml/2006/main">
+  <p:cSld>
+    <p:spTree>
+      <p:nvGrpSpPr>
+        <p:cNvPr id="1" name=""/>
+        <p:cNvGrpSpPr/>
+        <p:nvPr/>
+      </p:nvGrpSpPr>
+      <p:grpSpPr>
+        <a:xfrm>
+          <a:off x="0" y="0"/>
+          <a:ext cx="0" cy="0"/>
+          <a:chOff x="0" y="0"/>
+          <a:chExt cx="0" cy="0"/>
+        </a:xfrm>
+      </p:grpSpPr>
+      <p:sp>
+        <p:nvSpPr>
+          <p:cNvPr id="2" name="Slide Image Placeholder 1"/>
+          <p:cNvSpPr>
+            <a:spLocks noGrp="1" noRot="1" noChangeAspect="1"/>
+          </p:cNvSpPr>
+          <p:nvPr>
+            <p:ph type="sldImg"/>
+          </p:nvPr>
+        </p:nvSpPr>
+        <p:spPr/>
+      </p:sp>
+      <p:sp>
+        <p:nvSpPr>
+          <p:cNvPr id="3" name="Notes Placeholder 2"/>
+          <p:cNvSpPr>
+            <a:spLocks noGrp="1"/>
+          </p:cNvSpPr>
+          <p:nvPr>
+            <p:ph type="body" idx="1"/>
+          </p:nvPr>
+        </p:nvSpPr>
+        <p:spPr/>
+        <p:txBody>
+          <a:bodyPr/>
+          <a:lstStyle/>
+          <a:p>
+            <a:r>
+              <a:rPr lang="en-US" dirty="0"/>
+              <a:t>https://www.wired.com/2014/09/the-ultra-fast-f1-track-where-the-biggest-problem-is-slowing-down/</a:t>
+            </a:r>
+          </a:p>
+        </p:txBody>
+      </p:sp>
+      <p:sp>
+        <p:nvSpPr>
+          <p:cNvPr id="4" name="Slide Number Placeholder 3"/>
+          <p:cNvSpPr>
+            <a:spLocks noGrp="1"/>
+          </p:cNvSpPr>
+          <p:nvPr>
+            <p:ph type="sldNum" sz="quarter" idx="5"/>
+          </p:nvPr>
+        </p:nvSpPr>
+        <p:spPr/>
+        <p:txBody>
+          <a:bodyPr/>
+          <a:lstStyle/>
+          <a:p>
+            <a:fld id="{14F611FF-719B-4A57-9344-B37466B73912}" type="slidenum">
+              <a:rPr lang="en-US" smtClean="0"/>
+              <a:t>13</a:t>
+            </a:fld>
+            <a:endParaRPr lang="en-US"/>
+          </a:p>
+        </p:txBody>
+      </p:sp>
+    </p:spTree>
+    <p:extLst>
+      <p:ext uri="{BB962C8B-B14F-4D97-AF65-F5344CB8AC3E}">
+        <p14:creationId xmlns:p14="http://schemas.microsoft.com/office/powerpoint/2010/main" val="790553825"/>
       </p:ext>
     </p:extLst>
   </p:cSld>
@@ -3687,6 +3862,2152 @@
           <p:cNvPr id="2" name="Title 1">
             <a:extLst>
               <a:ext uri="{FF2B5EF4-FFF2-40B4-BE49-F238E27FC236}">
+                <a16:creationId xmlns:a16="http://schemas.microsoft.com/office/drawing/2014/main" id="{923A2E7E-7CBB-41E8-A8C7-387542B521C0}"/>
+              </a:ext>
+            </a:extLst>
+          </p:cNvPr>
+          <p:cNvSpPr>
+            <a:spLocks noGrp="1"/>
+          </p:cNvSpPr>
+          <p:nvPr>
+            <p:ph type="title"/>
+          </p:nvPr>
+        </p:nvSpPr>
+        <p:spPr/>
+        <p:txBody>
+          <a:bodyPr/>
+          <a:lstStyle/>
+          <a:p>
+            <a:r>
+              <a:rPr lang="en-US" dirty="0"/>
+              <a:t>Xbox one controller + </a:t>
+            </a:r>
+            <a:r>
+              <a:rPr lang="en-US" dirty="0" err="1"/>
+              <a:t>Cozmo</a:t>
+            </a:r>
+            <a:endParaRPr lang="en-US" dirty="0"/>
+          </a:p>
+        </p:txBody>
+      </p:sp>
+      <p:sp>
+        <p:nvSpPr>
+          <p:cNvPr id="5" name="Rectangle 1">
+            <a:extLst>
+              <a:ext uri="{FF2B5EF4-FFF2-40B4-BE49-F238E27FC236}">
+                <a16:creationId xmlns:a16="http://schemas.microsoft.com/office/drawing/2014/main" id="{C8754A96-DD78-478B-992D-3AE7ADFC140E}"/>
+              </a:ext>
+            </a:extLst>
+          </p:cNvPr>
+          <p:cNvSpPr>
+            <a:spLocks noChangeArrowheads="1"/>
+          </p:cNvSpPr>
+          <p:nvPr/>
+        </p:nvSpPr>
+        <p:spPr bwMode="auto">
+          <a:xfrm>
+            <a:off x="5254367" y="2538589"/>
+            <a:ext cx="1565295" cy="369332"/>
+          </a:xfrm>
+          <a:prstGeom prst="rect">
+            <a:avLst/>
+          </a:prstGeom>
+          <a:solidFill>
+            <a:schemeClr val="bg1"/>
+          </a:solidFill>
+          <a:ln>
+            <a:noFill/>
+          </a:ln>
+          <a:effectLst/>
+        </p:spPr>
+        <p:txBody>
+          <a:bodyPr vert="horz" wrap="square" lIns="91440" tIns="45720" rIns="91440" bIns="45720" numCol="1" anchor="ctr" anchorCtr="0" compatLnSpc="1">
+            <a:prstTxWarp prst="textNoShape">
+              <a:avLst/>
+            </a:prstTxWarp>
+            <a:spAutoFit/>
+          </a:bodyPr>
+          <a:lstStyle/>
+          <a:p>
+            <a:pPr marL="0" marR="0" lvl="0" indent="0" algn="ctr" defTabSz="914400" rtl="0" eaLnBrk="0" fontAlgn="base" latinLnBrk="0" hangingPunct="0">
+              <a:lnSpc>
+                <a:spcPct val="100000"/>
+              </a:lnSpc>
+              <a:spcBef>
+                <a:spcPct val="0"/>
+              </a:spcBef>
+              <a:spcAft>
+                <a:spcPct val="0"/>
+              </a:spcAft>
+              <a:buClrTx/>
+              <a:buSzTx/>
+              <a:buFontTx/>
+              <a:buNone/>
+              <a:tabLst/>
+            </a:pPr>
+            <a:r>
+              <a:rPr kumimoji="0" lang="en-US" altLang="en-US" sz="1800" b="0" i="0" u="none" strike="noStrike" cap="none" normalizeH="0" baseline="0" dirty="0">
+                <a:ln>
+                  <a:noFill/>
+                </a:ln>
+                <a:solidFill>
+                  <a:srgbClr val="A9B7C6"/>
+                </a:solidFill>
+                <a:effectLst/>
+                <a:latin typeface="Courier New" panose="02070309020205020404" pitchFamily="49" charset="0"/>
+                <a:cs typeface="Courier New" panose="02070309020205020404" pitchFamily="49" charset="0"/>
+              </a:rPr>
+              <a:t>(</a:t>
+            </a:r>
+            <a:r>
+              <a:rPr kumimoji="0" lang="en-US" altLang="en-US" sz="1800" b="0" i="0" u="none" strike="noStrike" cap="none" normalizeH="0" baseline="0" dirty="0">
+                <a:ln>
+                  <a:noFill/>
+                </a:ln>
+                <a:solidFill>
+                  <a:srgbClr val="6897BB"/>
+                </a:solidFill>
+                <a:effectLst/>
+                <a:latin typeface="Courier New" panose="02070309020205020404" pitchFamily="49" charset="0"/>
+                <a:cs typeface="Courier New" panose="02070309020205020404" pitchFamily="49" charset="0"/>
+              </a:rPr>
+              <a:t>100</a:t>
+            </a:r>
+            <a:r>
+              <a:rPr kumimoji="0" lang="en-US" altLang="en-US" sz="1800" b="0" i="0" u="none" strike="noStrike" cap="none" normalizeH="0" baseline="0" dirty="0">
+                <a:ln>
+                  <a:noFill/>
+                </a:ln>
+                <a:solidFill>
+                  <a:srgbClr val="CC7832"/>
+                </a:solidFill>
+                <a:effectLst/>
+                <a:latin typeface="Courier New" panose="02070309020205020404" pitchFamily="49" charset="0"/>
+                <a:cs typeface="Courier New" panose="02070309020205020404" pitchFamily="49" charset="0"/>
+              </a:rPr>
+              <a:t>, </a:t>
+            </a:r>
+            <a:r>
+              <a:rPr kumimoji="0" lang="en-US" altLang="en-US" sz="1800" b="0" i="0" u="none" strike="noStrike" cap="none" normalizeH="0" baseline="0" dirty="0">
+                <a:ln>
+                  <a:noFill/>
+                </a:ln>
+                <a:solidFill>
+                  <a:srgbClr val="6897BB"/>
+                </a:solidFill>
+                <a:effectLst/>
+                <a:latin typeface="Courier New" panose="02070309020205020404" pitchFamily="49" charset="0"/>
+                <a:cs typeface="Courier New" panose="02070309020205020404" pitchFamily="49" charset="0"/>
+              </a:rPr>
+              <a:t>100</a:t>
+            </a:r>
+            <a:r>
+              <a:rPr kumimoji="0" lang="en-US" altLang="en-US" sz="1800" b="0" i="0" u="none" strike="noStrike" cap="none" normalizeH="0" baseline="0" dirty="0">
+                <a:ln>
+                  <a:noFill/>
+                </a:ln>
+                <a:solidFill>
+                  <a:srgbClr val="A9B7C6"/>
+                </a:solidFill>
+                <a:effectLst/>
+                <a:latin typeface="Courier New" panose="02070309020205020404" pitchFamily="49" charset="0"/>
+                <a:cs typeface="Courier New" panose="02070309020205020404" pitchFamily="49" charset="0"/>
+              </a:rPr>
+              <a:t>)</a:t>
+            </a:r>
+            <a:endParaRPr kumimoji="0" lang="en-US" altLang="en-US" sz="1800" b="0" i="0" u="none" strike="noStrike" cap="none" normalizeH="0" baseline="0" dirty="0">
+              <a:ln>
+                <a:noFill/>
+              </a:ln>
+              <a:solidFill>
+                <a:schemeClr val="tx1"/>
+              </a:solidFill>
+              <a:effectLst/>
+              <a:latin typeface="Arial" panose="020B0604020202020204" pitchFamily="34" charset="0"/>
+            </a:endParaRPr>
+          </a:p>
+        </p:txBody>
+      </p:sp>
+      <p:sp>
+        <p:nvSpPr>
+          <p:cNvPr id="6" name="Rectangle 2">
+            <a:extLst>
+              <a:ext uri="{FF2B5EF4-FFF2-40B4-BE49-F238E27FC236}">
+                <a16:creationId xmlns:a16="http://schemas.microsoft.com/office/drawing/2014/main" id="{D2151A3B-25A1-43C5-A667-F9F92A1E16E4}"/>
+              </a:ext>
+            </a:extLst>
+          </p:cNvPr>
+          <p:cNvSpPr>
+            <a:spLocks noChangeArrowheads="1"/>
+          </p:cNvSpPr>
+          <p:nvPr/>
+        </p:nvSpPr>
+        <p:spPr bwMode="auto">
+          <a:xfrm>
+            <a:off x="5137609" y="5380790"/>
+            <a:ext cx="1942856" cy="369332"/>
+          </a:xfrm>
+          <a:prstGeom prst="rect">
+            <a:avLst/>
+          </a:prstGeom>
+          <a:solidFill>
+            <a:schemeClr val="bg1"/>
+          </a:solidFill>
+          <a:ln>
+            <a:noFill/>
+          </a:ln>
+          <a:effectLst/>
+        </p:spPr>
+        <p:txBody>
+          <a:bodyPr vert="horz" wrap="square" lIns="91440" tIns="45720" rIns="91440" bIns="45720" numCol="1" anchor="ctr" anchorCtr="0" compatLnSpc="1">
+            <a:prstTxWarp prst="textNoShape">
+              <a:avLst/>
+            </a:prstTxWarp>
+            <a:spAutoFit/>
+          </a:bodyPr>
+          <a:lstStyle/>
+          <a:p>
+            <a:pPr marL="0" marR="0" lvl="0" indent="0" algn="ctr" defTabSz="914400" rtl="0" eaLnBrk="0" fontAlgn="base" latinLnBrk="0" hangingPunct="0">
+              <a:lnSpc>
+                <a:spcPct val="100000"/>
+              </a:lnSpc>
+              <a:spcBef>
+                <a:spcPct val="0"/>
+              </a:spcBef>
+              <a:spcAft>
+                <a:spcPct val="0"/>
+              </a:spcAft>
+              <a:buClrTx/>
+              <a:buSzTx/>
+              <a:buFontTx/>
+              <a:buNone/>
+              <a:tabLst/>
+            </a:pPr>
+            <a:r>
+              <a:rPr kumimoji="0" lang="en-US" altLang="en-US" sz="1800" b="0" i="0" u="none" strike="noStrike" cap="none" normalizeH="0" baseline="0" dirty="0">
+                <a:ln>
+                  <a:noFill/>
+                </a:ln>
+                <a:solidFill>
+                  <a:srgbClr val="A9B7C6"/>
+                </a:solidFill>
+                <a:effectLst/>
+                <a:latin typeface="Courier New" panose="02070309020205020404" pitchFamily="49" charset="0"/>
+                <a:cs typeface="Courier New" panose="02070309020205020404" pitchFamily="49" charset="0"/>
+              </a:rPr>
+              <a:t>(-</a:t>
+            </a:r>
+            <a:r>
+              <a:rPr kumimoji="0" lang="en-US" altLang="en-US" sz="1800" b="0" i="0" u="none" strike="noStrike" cap="none" normalizeH="0" baseline="0" dirty="0">
+                <a:ln>
+                  <a:noFill/>
+                </a:ln>
+                <a:solidFill>
+                  <a:srgbClr val="6897BB"/>
+                </a:solidFill>
+                <a:effectLst/>
+                <a:latin typeface="Courier New" panose="02070309020205020404" pitchFamily="49" charset="0"/>
+                <a:cs typeface="Courier New" panose="02070309020205020404" pitchFamily="49" charset="0"/>
+              </a:rPr>
+              <a:t>100</a:t>
+            </a:r>
+            <a:r>
+              <a:rPr kumimoji="0" lang="en-US" altLang="en-US" sz="1800" b="0" i="0" u="none" strike="noStrike" cap="none" normalizeH="0" baseline="0" dirty="0">
+                <a:ln>
+                  <a:noFill/>
+                </a:ln>
+                <a:solidFill>
+                  <a:srgbClr val="CC7832"/>
+                </a:solidFill>
+                <a:effectLst/>
+                <a:latin typeface="Courier New" panose="02070309020205020404" pitchFamily="49" charset="0"/>
+                <a:cs typeface="Courier New" panose="02070309020205020404" pitchFamily="49" charset="0"/>
+              </a:rPr>
+              <a:t>, </a:t>
+            </a:r>
+            <a:r>
+              <a:rPr kumimoji="0" lang="en-US" altLang="en-US" sz="1800" b="0" i="0" u="none" strike="noStrike" cap="none" normalizeH="0" baseline="0" dirty="0">
+                <a:ln>
+                  <a:noFill/>
+                </a:ln>
+                <a:solidFill>
+                  <a:srgbClr val="A9B7C6"/>
+                </a:solidFill>
+                <a:effectLst/>
+                <a:latin typeface="Courier New" panose="02070309020205020404" pitchFamily="49" charset="0"/>
+                <a:cs typeface="Courier New" panose="02070309020205020404" pitchFamily="49" charset="0"/>
+              </a:rPr>
+              <a:t>-</a:t>
+            </a:r>
+            <a:r>
+              <a:rPr kumimoji="0" lang="en-US" altLang="en-US" sz="1800" b="0" i="0" u="none" strike="noStrike" cap="none" normalizeH="0" baseline="0" dirty="0">
+                <a:ln>
+                  <a:noFill/>
+                </a:ln>
+                <a:solidFill>
+                  <a:srgbClr val="6897BB"/>
+                </a:solidFill>
+                <a:effectLst/>
+                <a:latin typeface="Courier New" panose="02070309020205020404" pitchFamily="49" charset="0"/>
+                <a:cs typeface="Courier New" panose="02070309020205020404" pitchFamily="49" charset="0"/>
+              </a:rPr>
+              <a:t>100</a:t>
+            </a:r>
+            <a:r>
+              <a:rPr kumimoji="0" lang="en-US" altLang="en-US" sz="1800" b="0" i="0" u="none" strike="noStrike" cap="none" normalizeH="0" baseline="0" dirty="0">
+                <a:ln>
+                  <a:noFill/>
+                </a:ln>
+                <a:solidFill>
+                  <a:srgbClr val="A9B7C6"/>
+                </a:solidFill>
+                <a:effectLst/>
+                <a:latin typeface="Courier New" panose="02070309020205020404" pitchFamily="49" charset="0"/>
+                <a:cs typeface="Courier New" panose="02070309020205020404" pitchFamily="49" charset="0"/>
+              </a:rPr>
+              <a:t>)</a:t>
+            </a:r>
+            <a:endParaRPr kumimoji="0" lang="en-US" altLang="en-US" sz="1800" b="0" i="0" u="none" strike="noStrike" cap="none" normalizeH="0" baseline="0" dirty="0">
+              <a:ln>
+                <a:noFill/>
+              </a:ln>
+              <a:solidFill>
+                <a:schemeClr val="tx1"/>
+              </a:solidFill>
+              <a:effectLst/>
+              <a:latin typeface="Arial" panose="020B0604020202020204" pitchFamily="34" charset="0"/>
+            </a:endParaRPr>
+          </a:p>
+        </p:txBody>
+      </p:sp>
+      <p:sp>
+        <p:nvSpPr>
+          <p:cNvPr id="7" name="Rectangle 3">
+            <a:extLst>
+              <a:ext uri="{FF2B5EF4-FFF2-40B4-BE49-F238E27FC236}">
+                <a16:creationId xmlns:a16="http://schemas.microsoft.com/office/drawing/2014/main" id="{DA2C0909-F6B4-4FA4-980B-67F18282B987}"/>
+              </a:ext>
+            </a:extLst>
+          </p:cNvPr>
+          <p:cNvSpPr>
+            <a:spLocks noChangeArrowheads="1"/>
+          </p:cNvSpPr>
+          <p:nvPr/>
+        </p:nvSpPr>
+        <p:spPr bwMode="auto">
+          <a:xfrm>
+            <a:off x="2602113" y="3974126"/>
+            <a:ext cx="1848465" cy="369332"/>
+          </a:xfrm>
+          <a:prstGeom prst="rect">
+            <a:avLst/>
+          </a:prstGeom>
+          <a:solidFill>
+            <a:schemeClr val="bg1"/>
+          </a:solidFill>
+          <a:ln>
+            <a:noFill/>
+          </a:ln>
+          <a:effectLst/>
+        </p:spPr>
+        <p:txBody>
+          <a:bodyPr vert="horz" wrap="square" lIns="91440" tIns="45720" rIns="91440" bIns="45720" numCol="1" anchor="ctr" anchorCtr="0" compatLnSpc="1">
+            <a:prstTxWarp prst="textNoShape">
+              <a:avLst/>
+            </a:prstTxWarp>
+            <a:spAutoFit/>
+          </a:bodyPr>
+          <a:lstStyle/>
+          <a:p>
+            <a:pPr marL="0" marR="0" lvl="0" indent="0" algn="ctr" defTabSz="914400" rtl="0" eaLnBrk="0" fontAlgn="base" latinLnBrk="0" hangingPunct="0">
+              <a:lnSpc>
+                <a:spcPct val="100000"/>
+              </a:lnSpc>
+              <a:spcBef>
+                <a:spcPct val="0"/>
+              </a:spcBef>
+              <a:spcAft>
+                <a:spcPct val="0"/>
+              </a:spcAft>
+              <a:buClrTx/>
+              <a:buSzTx/>
+              <a:buFontTx/>
+              <a:buNone/>
+              <a:tabLst/>
+            </a:pPr>
+            <a:r>
+              <a:rPr kumimoji="0" lang="en-US" altLang="en-US" sz="1800" b="0" i="0" u="none" strike="noStrike" cap="none" normalizeH="0" baseline="0" dirty="0">
+                <a:ln>
+                  <a:noFill/>
+                </a:ln>
+                <a:solidFill>
+                  <a:srgbClr val="A9B7C6"/>
+                </a:solidFill>
+                <a:effectLst/>
+                <a:latin typeface="Courier New" panose="02070309020205020404" pitchFamily="49" charset="0"/>
+                <a:cs typeface="Courier New" panose="02070309020205020404" pitchFamily="49" charset="0"/>
+              </a:rPr>
+              <a:t>(-</a:t>
+            </a:r>
+            <a:r>
+              <a:rPr kumimoji="0" lang="en-US" altLang="en-US" sz="1800" b="0" i="0" u="none" strike="noStrike" cap="none" normalizeH="0" baseline="0" dirty="0">
+                <a:ln>
+                  <a:noFill/>
+                </a:ln>
+                <a:solidFill>
+                  <a:srgbClr val="6897BB"/>
+                </a:solidFill>
+                <a:effectLst/>
+                <a:latin typeface="Courier New" panose="02070309020205020404" pitchFamily="49" charset="0"/>
+                <a:cs typeface="Courier New" panose="02070309020205020404" pitchFamily="49" charset="0"/>
+              </a:rPr>
+              <a:t>100</a:t>
+            </a:r>
+            <a:r>
+              <a:rPr kumimoji="0" lang="en-US" altLang="en-US" sz="1800" b="0" i="0" u="none" strike="noStrike" cap="none" normalizeH="0" baseline="0" dirty="0">
+                <a:ln>
+                  <a:noFill/>
+                </a:ln>
+                <a:solidFill>
+                  <a:srgbClr val="CC7832"/>
+                </a:solidFill>
+                <a:effectLst/>
+                <a:latin typeface="Courier New" panose="02070309020205020404" pitchFamily="49" charset="0"/>
+                <a:cs typeface="Courier New" panose="02070309020205020404" pitchFamily="49" charset="0"/>
+              </a:rPr>
+              <a:t>, </a:t>
+            </a:r>
+            <a:r>
+              <a:rPr kumimoji="0" lang="en-US" altLang="en-US" sz="1800" b="0" i="0" u="none" strike="noStrike" cap="none" normalizeH="0" baseline="0" dirty="0">
+                <a:ln>
+                  <a:noFill/>
+                </a:ln>
+                <a:solidFill>
+                  <a:srgbClr val="6897BB"/>
+                </a:solidFill>
+                <a:effectLst/>
+                <a:latin typeface="Courier New" panose="02070309020205020404" pitchFamily="49" charset="0"/>
+                <a:cs typeface="Courier New" panose="02070309020205020404" pitchFamily="49" charset="0"/>
+              </a:rPr>
+              <a:t>100</a:t>
+            </a:r>
+            <a:r>
+              <a:rPr kumimoji="0" lang="en-US" altLang="en-US" sz="1800" b="0" i="0" u="none" strike="noStrike" cap="none" normalizeH="0" baseline="0" dirty="0">
+                <a:ln>
+                  <a:noFill/>
+                </a:ln>
+                <a:solidFill>
+                  <a:srgbClr val="A9B7C6"/>
+                </a:solidFill>
+                <a:effectLst/>
+                <a:latin typeface="Courier New" panose="02070309020205020404" pitchFamily="49" charset="0"/>
+                <a:cs typeface="Courier New" panose="02070309020205020404" pitchFamily="49" charset="0"/>
+              </a:rPr>
+              <a:t>)</a:t>
+            </a:r>
+            <a:endParaRPr kumimoji="0" lang="en-US" altLang="en-US" sz="1800" b="0" i="0" u="none" strike="noStrike" cap="none" normalizeH="0" baseline="0" dirty="0">
+              <a:ln>
+                <a:noFill/>
+              </a:ln>
+              <a:solidFill>
+                <a:schemeClr val="tx1"/>
+              </a:solidFill>
+              <a:effectLst/>
+              <a:latin typeface="Arial" panose="020B0604020202020204" pitchFamily="34" charset="0"/>
+            </a:endParaRPr>
+          </a:p>
+        </p:txBody>
+      </p:sp>
+      <p:sp>
+        <p:nvSpPr>
+          <p:cNvPr id="9" name="Rectangle 4">
+            <a:extLst>
+              <a:ext uri="{FF2B5EF4-FFF2-40B4-BE49-F238E27FC236}">
+                <a16:creationId xmlns:a16="http://schemas.microsoft.com/office/drawing/2014/main" id="{104B249F-4D68-4927-8BBB-30703AC2D7A5}"/>
+              </a:ext>
+            </a:extLst>
+          </p:cNvPr>
+          <p:cNvSpPr>
+            <a:spLocks noChangeArrowheads="1"/>
+          </p:cNvSpPr>
+          <p:nvPr/>
+        </p:nvSpPr>
+        <p:spPr bwMode="auto">
+          <a:xfrm>
+            <a:off x="7561015" y="3974126"/>
+            <a:ext cx="1730477" cy="369332"/>
+          </a:xfrm>
+          <a:prstGeom prst="rect">
+            <a:avLst/>
+          </a:prstGeom>
+          <a:solidFill>
+            <a:schemeClr val="bg1"/>
+          </a:solidFill>
+          <a:ln>
+            <a:noFill/>
+          </a:ln>
+          <a:effectLst/>
+        </p:spPr>
+        <p:txBody>
+          <a:bodyPr vert="horz" wrap="square" lIns="91440" tIns="45720" rIns="91440" bIns="45720" numCol="1" anchor="ctr" anchorCtr="0" compatLnSpc="1">
+            <a:prstTxWarp prst="textNoShape">
+              <a:avLst/>
+            </a:prstTxWarp>
+            <a:spAutoFit/>
+          </a:bodyPr>
+          <a:lstStyle/>
+          <a:p>
+            <a:pPr marL="0" marR="0" lvl="0" indent="0" algn="ctr" defTabSz="914400" rtl="0" eaLnBrk="0" fontAlgn="base" latinLnBrk="0" hangingPunct="0">
+              <a:lnSpc>
+                <a:spcPct val="100000"/>
+              </a:lnSpc>
+              <a:spcBef>
+                <a:spcPct val="0"/>
+              </a:spcBef>
+              <a:spcAft>
+                <a:spcPct val="0"/>
+              </a:spcAft>
+              <a:buClrTx/>
+              <a:buSzTx/>
+              <a:buFontTx/>
+              <a:buNone/>
+              <a:tabLst/>
+            </a:pPr>
+            <a:r>
+              <a:rPr kumimoji="0" lang="en-US" altLang="en-US" sz="1800" b="0" i="0" u="none" strike="noStrike" cap="none" normalizeH="0" baseline="0" dirty="0">
+                <a:ln>
+                  <a:noFill/>
+                </a:ln>
+                <a:solidFill>
+                  <a:srgbClr val="A9B7C6"/>
+                </a:solidFill>
+                <a:effectLst/>
+                <a:latin typeface="Courier New" panose="02070309020205020404" pitchFamily="49" charset="0"/>
+                <a:cs typeface="Courier New" panose="02070309020205020404" pitchFamily="49" charset="0"/>
+              </a:rPr>
+              <a:t>(</a:t>
+            </a:r>
+            <a:r>
+              <a:rPr kumimoji="0" lang="en-US" altLang="en-US" sz="1800" b="0" i="0" u="none" strike="noStrike" cap="none" normalizeH="0" baseline="0" dirty="0">
+                <a:ln>
+                  <a:noFill/>
+                </a:ln>
+                <a:solidFill>
+                  <a:srgbClr val="6897BB"/>
+                </a:solidFill>
+                <a:effectLst/>
+                <a:latin typeface="Courier New" panose="02070309020205020404" pitchFamily="49" charset="0"/>
+                <a:cs typeface="Courier New" panose="02070309020205020404" pitchFamily="49" charset="0"/>
+              </a:rPr>
+              <a:t>100</a:t>
+            </a:r>
+            <a:r>
+              <a:rPr kumimoji="0" lang="en-US" altLang="en-US" sz="1800" b="0" i="0" u="none" strike="noStrike" cap="none" normalizeH="0" baseline="0" dirty="0">
+                <a:ln>
+                  <a:noFill/>
+                </a:ln>
+                <a:solidFill>
+                  <a:srgbClr val="CC7832"/>
+                </a:solidFill>
+                <a:effectLst/>
+                <a:latin typeface="Courier New" panose="02070309020205020404" pitchFamily="49" charset="0"/>
+                <a:cs typeface="Courier New" panose="02070309020205020404" pitchFamily="49" charset="0"/>
+              </a:rPr>
+              <a:t>, </a:t>
+            </a:r>
+            <a:r>
+              <a:rPr kumimoji="0" lang="en-US" altLang="en-US" sz="1800" b="0" i="0" u="none" strike="noStrike" cap="none" normalizeH="0" baseline="0" dirty="0">
+                <a:ln>
+                  <a:noFill/>
+                </a:ln>
+                <a:solidFill>
+                  <a:srgbClr val="A9B7C6"/>
+                </a:solidFill>
+                <a:effectLst/>
+                <a:latin typeface="Courier New" panose="02070309020205020404" pitchFamily="49" charset="0"/>
+                <a:cs typeface="Courier New" panose="02070309020205020404" pitchFamily="49" charset="0"/>
+              </a:rPr>
+              <a:t>-</a:t>
+            </a:r>
+            <a:r>
+              <a:rPr kumimoji="0" lang="en-US" altLang="en-US" sz="1800" b="0" i="0" u="none" strike="noStrike" cap="none" normalizeH="0" baseline="0" dirty="0">
+                <a:ln>
+                  <a:noFill/>
+                </a:ln>
+                <a:solidFill>
+                  <a:srgbClr val="6897BB"/>
+                </a:solidFill>
+                <a:effectLst/>
+                <a:latin typeface="Courier New" panose="02070309020205020404" pitchFamily="49" charset="0"/>
+                <a:cs typeface="Courier New" panose="02070309020205020404" pitchFamily="49" charset="0"/>
+              </a:rPr>
+              <a:t>100</a:t>
+            </a:r>
+            <a:r>
+              <a:rPr kumimoji="0" lang="en-US" altLang="en-US" sz="1800" b="0" i="0" u="none" strike="noStrike" cap="none" normalizeH="0" baseline="0" dirty="0">
+                <a:ln>
+                  <a:noFill/>
+                </a:ln>
+                <a:solidFill>
+                  <a:srgbClr val="A9B7C6"/>
+                </a:solidFill>
+                <a:effectLst/>
+                <a:latin typeface="Courier New" panose="02070309020205020404" pitchFamily="49" charset="0"/>
+                <a:cs typeface="Courier New" panose="02070309020205020404" pitchFamily="49" charset="0"/>
+              </a:rPr>
+              <a:t>)</a:t>
+            </a:r>
+            <a:endParaRPr kumimoji="0" lang="en-US" altLang="en-US" sz="1800" b="0" i="0" u="none" strike="noStrike" cap="none" normalizeH="0" baseline="0" dirty="0">
+              <a:ln>
+                <a:noFill/>
+              </a:ln>
+              <a:solidFill>
+                <a:schemeClr val="tx1"/>
+              </a:solidFill>
+              <a:effectLst/>
+              <a:latin typeface="Arial" panose="020B0604020202020204" pitchFamily="34" charset="0"/>
+            </a:endParaRPr>
+          </a:p>
+        </p:txBody>
+      </p:sp>
+      <p:sp>
+        <p:nvSpPr>
+          <p:cNvPr id="10" name="Rectangle 5">
+            <a:extLst>
+              <a:ext uri="{FF2B5EF4-FFF2-40B4-BE49-F238E27FC236}">
+                <a16:creationId xmlns:a16="http://schemas.microsoft.com/office/drawing/2014/main" id="{E459CB46-7C31-47CA-A191-C1116844A101}"/>
+              </a:ext>
+            </a:extLst>
+          </p:cNvPr>
+          <p:cNvSpPr>
+            <a:spLocks noChangeArrowheads="1"/>
+          </p:cNvSpPr>
+          <p:nvPr/>
+        </p:nvSpPr>
+        <p:spPr bwMode="auto">
+          <a:xfrm>
+            <a:off x="3048000" y="1661876"/>
+            <a:ext cx="6096000" cy="369332"/>
+          </a:xfrm>
+          <a:prstGeom prst="rect">
+            <a:avLst/>
+          </a:prstGeom>
+          <a:solidFill>
+            <a:srgbClr val="2B2B2B"/>
+          </a:solidFill>
+          <a:ln>
+            <a:noFill/>
+          </a:ln>
+          <a:effectLst/>
+          <a:extLst>
+            <a:ext uri="{91240B29-F687-4F45-9708-019B960494DF}">
+              <a14:hiddenLine xmlns:a14="http://schemas.microsoft.com/office/drawing/2010/main" w="9525">
+                <a:solidFill>
+                  <a:schemeClr val="tx1"/>
+                </a:solidFill>
+                <a:miter lim="800000"/>
+                <a:headEnd/>
+                <a:tailEnd/>
+              </a14:hiddenLine>
+            </a:ext>
+            <a:ext uri="{AF507438-7753-43E0-B8FC-AC1667EBCBE1}">
+              <a14:hiddenEffects xmlns:a14="http://schemas.microsoft.com/office/drawing/2010/main">
+                <a:effectLst>
+                  <a:outerShdw dist="35921" dir="2700000" algn="ctr" rotWithShape="0">
+                    <a:schemeClr val="bg2"/>
+                  </a:outerShdw>
+                </a:effectLst>
+              </a14:hiddenEffects>
+            </a:ext>
+          </a:extLst>
+        </p:spPr>
+        <p:txBody>
+          <a:bodyPr vert="horz" wrap="square" lIns="91440" tIns="45720" rIns="91440" bIns="45720" numCol="1" anchor="ctr" anchorCtr="0" compatLnSpc="1">
+            <a:prstTxWarp prst="textNoShape">
+              <a:avLst/>
+            </a:prstTxWarp>
+            <a:spAutoFit/>
+          </a:bodyPr>
+          <a:lstStyle/>
+          <a:p>
+            <a:pPr marL="0" marR="0" lvl="0" indent="0" algn="l" defTabSz="914400" rtl="0" eaLnBrk="0" fontAlgn="base" latinLnBrk="0" hangingPunct="0">
+              <a:lnSpc>
+                <a:spcPct val="100000"/>
+              </a:lnSpc>
+              <a:spcBef>
+                <a:spcPct val="0"/>
+              </a:spcBef>
+              <a:spcAft>
+                <a:spcPct val="0"/>
+              </a:spcAft>
+              <a:buClrTx/>
+              <a:buSzTx/>
+              <a:buFontTx/>
+              <a:buNone/>
+              <a:tabLst/>
+            </a:pPr>
+            <a:r>
+              <a:rPr kumimoji="0" lang="en-US" altLang="en-US" sz="1800" b="0" i="0" u="none" strike="noStrike" cap="none" normalizeH="0" baseline="0" dirty="0" err="1">
+                <a:ln>
+                  <a:noFill/>
+                </a:ln>
+                <a:solidFill>
+                  <a:srgbClr val="A9B7C6"/>
+                </a:solidFill>
+                <a:effectLst/>
+                <a:latin typeface="Courier New" panose="02070309020205020404" pitchFamily="49" charset="0"/>
+                <a:cs typeface="Courier New" panose="02070309020205020404" pitchFamily="49" charset="0"/>
+              </a:rPr>
+              <a:t>robot.drive_wheels</a:t>
+            </a:r>
+            <a:r>
+              <a:rPr kumimoji="0" lang="en-US" altLang="en-US" sz="1800" b="0" i="0" u="none" strike="noStrike" cap="none" normalizeH="0" baseline="0" dirty="0">
+                <a:ln>
+                  <a:noFill/>
+                </a:ln>
+                <a:solidFill>
+                  <a:srgbClr val="A9B7C6"/>
+                </a:solidFill>
+                <a:effectLst/>
+                <a:latin typeface="Courier New" panose="02070309020205020404" pitchFamily="49" charset="0"/>
+                <a:cs typeface="Courier New" panose="02070309020205020404" pitchFamily="49" charset="0"/>
+              </a:rPr>
+              <a:t>(</a:t>
+            </a:r>
+            <a:r>
+              <a:rPr kumimoji="0" lang="en-US" altLang="en-US" sz="1800" b="0" i="0" u="none" strike="noStrike" cap="none" normalizeH="0" baseline="0" dirty="0" err="1">
+                <a:ln>
+                  <a:noFill/>
+                </a:ln>
+                <a:solidFill>
+                  <a:srgbClr val="A9B7C6"/>
+                </a:solidFill>
+                <a:effectLst/>
+                <a:latin typeface="Courier New" panose="02070309020205020404" pitchFamily="49" charset="0"/>
+                <a:cs typeface="Courier New" panose="02070309020205020404" pitchFamily="49" charset="0"/>
+              </a:rPr>
+              <a:t>left_speed</a:t>
+            </a:r>
+            <a:r>
+              <a:rPr kumimoji="0" lang="en-US" altLang="en-US" sz="1800" b="0" i="0" u="none" strike="noStrike" cap="none" normalizeH="0" baseline="0" dirty="0">
+                <a:ln>
+                  <a:noFill/>
+                </a:ln>
+                <a:solidFill>
+                  <a:srgbClr val="CC7832"/>
+                </a:solidFill>
+                <a:effectLst/>
+                <a:latin typeface="Courier New" panose="02070309020205020404" pitchFamily="49" charset="0"/>
+                <a:cs typeface="Courier New" panose="02070309020205020404" pitchFamily="49" charset="0"/>
+              </a:rPr>
+              <a:t>, </a:t>
+            </a:r>
+            <a:r>
+              <a:rPr kumimoji="0" lang="en-US" altLang="en-US" sz="1800" b="0" i="0" u="none" strike="noStrike" cap="none" normalizeH="0" baseline="0" dirty="0" err="1">
+                <a:ln>
+                  <a:noFill/>
+                </a:ln>
+                <a:solidFill>
+                  <a:srgbClr val="A9B7C6"/>
+                </a:solidFill>
+                <a:effectLst/>
+                <a:latin typeface="Courier New" panose="02070309020205020404" pitchFamily="49" charset="0"/>
+                <a:cs typeface="Courier New" panose="02070309020205020404" pitchFamily="49" charset="0"/>
+              </a:rPr>
+              <a:t>right_speed</a:t>
+            </a:r>
+            <a:r>
+              <a:rPr kumimoji="0" lang="en-US" altLang="en-US" sz="1800" b="0" i="0" u="none" strike="noStrike" cap="none" normalizeH="0" baseline="0" dirty="0">
+                <a:ln>
+                  <a:noFill/>
+                </a:ln>
+                <a:solidFill>
+                  <a:srgbClr val="A9B7C6"/>
+                </a:solidFill>
+                <a:effectLst/>
+                <a:latin typeface="Courier New" panose="02070309020205020404" pitchFamily="49" charset="0"/>
+                <a:cs typeface="Courier New" panose="02070309020205020404" pitchFamily="49" charset="0"/>
+              </a:rPr>
+              <a:t>)</a:t>
+            </a:r>
+            <a:endParaRPr kumimoji="0" lang="en-US" altLang="en-US" sz="1800" b="0" i="0" u="none" strike="noStrike" cap="none" normalizeH="0" baseline="0" dirty="0">
+              <a:ln>
+                <a:noFill/>
+              </a:ln>
+              <a:solidFill>
+                <a:schemeClr val="tx1"/>
+              </a:solidFill>
+              <a:effectLst/>
+              <a:latin typeface="Arial" panose="020B0604020202020204" pitchFamily="34" charset="0"/>
+            </a:endParaRPr>
+          </a:p>
+        </p:txBody>
+      </p:sp>
+      <p:sp>
+        <p:nvSpPr>
+          <p:cNvPr id="11" name="Rectangle 6">
+            <a:extLst>
+              <a:ext uri="{FF2B5EF4-FFF2-40B4-BE49-F238E27FC236}">
+                <a16:creationId xmlns:a16="http://schemas.microsoft.com/office/drawing/2014/main" id="{16B946B5-F22C-4C16-9B3B-BED07A288BDC}"/>
+              </a:ext>
+            </a:extLst>
+          </p:cNvPr>
+          <p:cNvSpPr>
+            <a:spLocks noChangeArrowheads="1"/>
+          </p:cNvSpPr>
+          <p:nvPr/>
+        </p:nvSpPr>
+        <p:spPr bwMode="auto">
+          <a:xfrm>
+            <a:off x="3535073" y="2996147"/>
+            <a:ext cx="1494503" cy="369332"/>
+          </a:xfrm>
+          <a:prstGeom prst="rect">
+            <a:avLst/>
+          </a:prstGeom>
+          <a:solidFill>
+            <a:schemeClr val="bg1"/>
+          </a:solidFill>
+          <a:ln>
+            <a:noFill/>
+          </a:ln>
+          <a:effectLst/>
+        </p:spPr>
+        <p:txBody>
+          <a:bodyPr vert="horz" wrap="square" lIns="91440" tIns="45720" rIns="91440" bIns="45720" numCol="1" anchor="ctr" anchorCtr="0" compatLnSpc="1">
+            <a:prstTxWarp prst="textNoShape">
+              <a:avLst/>
+            </a:prstTxWarp>
+            <a:spAutoFit/>
+          </a:bodyPr>
+          <a:lstStyle/>
+          <a:p>
+            <a:pPr marL="0" marR="0" lvl="0" indent="0" algn="ctr" defTabSz="914400" rtl="0" eaLnBrk="0" fontAlgn="base" latinLnBrk="0" hangingPunct="0">
+              <a:lnSpc>
+                <a:spcPct val="100000"/>
+              </a:lnSpc>
+              <a:spcBef>
+                <a:spcPct val="0"/>
+              </a:spcBef>
+              <a:spcAft>
+                <a:spcPct val="0"/>
+              </a:spcAft>
+              <a:buClrTx/>
+              <a:buSzTx/>
+              <a:buFontTx/>
+              <a:buNone/>
+              <a:tabLst/>
+            </a:pPr>
+            <a:r>
+              <a:rPr kumimoji="0" lang="en-US" altLang="en-US" sz="1800" b="0" i="0" u="none" strike="noStrike" cap="none" normalizeH="0" baseline="0" dirty="0">
+                <a:ln>
+                  <a:noFill/>
+                </a:ln>
+                <a:solidFill>
+                  <a:srgbClr val="A9B7C6"/>
+                </a:solidFill>
+                <a:effectLst/>
+                <a:latin typeface="Courier New" panose="02070309020205020404" pitchFamily="49" charset="0"/>
+                <a:cs typeface="Courier New" panose="02070309020205020404" pitchFamily="49" charset="0"/>
+              </a:rPr>
+              <a:t>(</a:t>
+            </a:r>
+            <a:r>
+              <a:rPr kumimoji="0" lang="en-US" altLang="en-US" sz="1800" b="0" i="0" u="none" strike="noStrike" cap="none" normalizeH="0" baseline="0" dirty="0">
+                <a:ln>
+                  <a:noFill/>
+                </a:ln>
+                <a:solidFill>
+                  <a:srgbClr val="6897BB"/>
+                </a:solidFill>
+                <a:effectLst/>
+                <a:latin typeface="Courier New" panose="02070309020205020404" pitchFamily="49" charset="0"/>
+                <a:cs typeface="Courier New" panose="02070309020205020404" pitchFamily="49" charset="0"/>
+              </a:rPr>
+              <a:t>50</a:t>
+            </a:r>
+            <a:r>
+              <a:rPr kumimoji="0" lang="en-US" altLang="en-US" sz="1800" b="0" i="0" u="none" strike="noStrike" cap="none" normalizeH="0" baseline="0" dirty="0">
+                <a:ln>
+                  <a:noFill/>
+                </a:ln>
+                <a:solidFill>
+                  <a:srgbClr val="CC7832"/>
+                </a:solidFill>
+                <a:effectLst/>
+                <a:latin typeface="Courier New" panose="02070309020205020404" pitchFamily="49" charset="0"/>
+                <a:cs typeface="Courier New" panose="02070309020205020404" pitchFamily="49" charset="0"/>
+              </a:rPr>
+              <a:t>, </a:t>
+            </a:r>
+            <a:r>
+              <a:rPr kumimoji="0" lang="en-US" altLang="en-US" sz="1800" b="0" i="0" u="none" strike="noStrike" cap="none" normalizeH="0" baseline="0" dirty="0">
+                <a:ln>
+                  <a:noFill/>
+                </a:ln>
+                <a:solidFill>
+                  <a:srgbClr val="6897BB"/>
+                </a:solidFill>
+                <a:effectLst/>
+                <a:latin typeface="Courier New" panose="02070309020205020404" pitchFamily="49" charset="0"/>
+                <a:cs typeface="Courier New" panose="02070309020205020404" pitchFamily="49" charset="0"/>
+              </a:rPr>
+              <a:t>100</a:t>
+            </a:r>
+            <a:r>
+              <a:rPr kumimoji="0" lang="en-US" altLang="en-US" sz="1800" b="0" i="0" u="none" strike="noStrike" cap="none" normalizeH="0" baseline="0" dirty="0">
+                <a:ln>
+                  <a:noFill/>
+                </a:ln>
+                <a:solidFill>
+                  <a:srgbClr val="A9B7C6"/>
+                </a:solidFill>
+                <a:effectLst/>
+                <a:latin typeface="Courier New" panose="02070309020205020404" pitchFamily="49" charset="0"/>
+                <a:cs typeface="Courier New" panose="02070309020205020404" pitchFamily="49" charset="0"/>
+              </a:rPr>
+              <a:t>)</a:t>
+            </a:r>
+            <a:endParaRPr kumimoji="0" lang="en-US" altLang="en-US" sz="1800" b="0" i="0" u="none" strike="noStrike" cap="none" normalizeH="0" baseline="0" dirty="0">
+              <a:ln>
+                <a:noFill/>
+              </a:ln>
+              <a:solidFill>
+                <a:schemeClr val="tx1"/>
+              </a:solidFill>
+              <a:effectLst/>
+              <a:latin typeface="Arial" panose="020B0604020202020204" pitchFamily="34" charset="0"/>
+            </a:endParaRPr>
+          </a:p>
+        </p:txBody>
+      </p:sp>
+      <p:sp>
+        <p:nvSpPr>
+          <p:cNvPr id="12" name="Rectangle 7">
+            <a:extLst>
+              <a:ext uri="{FF2B5EF4-FFF2-40B4-BE49-F238E27FC236}">
+                <a16:creationId xmlns:a16="http://schemas.microsoft.com/office/drawing/2014/main" id="{007628DF-D51B-4670-9125-322EA04CC1CA}"/>
+              </a:ext>
+            </a:extLst>
+          </p:cNvPr>
+          <p:cNvSpPr>
+            <a:spLocks noChangeArrowheads="1"/>
+          </p:cNvSpPr>
+          <p:nvPr/>
+        </p:nvSpPr>
+        <p:spPr bwMode="auto">
+          <a:xfrm>
+            <a:off x="7057614" y="2963778"/>
+            <a:ext cx="1412542" cy="369332"/>
+          </a:xfrm>
+          <a:prstGeom prst="rect">
+            <a:avLst/>
+          </a:prstGeom>
+          <a:solidFill>
+            <a:schemeClr val="bg1"/>
+          </a:solidFill>
+          <a:ln>
+            <a:noFill/>
+          </a:ln>
+          <a:effectLst/>
+        </p:spPr>
+        <p:txBody>
+          <a:bodyPr vert="horz" wrap="square" lIns="91440" tIns="45720" rIns="91440" bIns="45720" numCol="1" anchor="ctr" anchorCtr="0" compatLnSpc="1">
+            <a:prstTxWarp prst="textNoShape">
+              <a:avLst/>
+            </a:prstTxWarp>
+            <a:spAutoFit/>
+          </a:bodyPr>
+          <a:lstStyle/>
+          <a:p>
+            <a:pPr marL="0" marR="0" lvl="0" indent="0" algn="ctr" defTabSz="914400" rtl="0" eaLnBrk="0" fontAlgn="base" latinLnBrk="0" hangingPunct="0">
+              <a:lnSpc>
+                <a:spcPct val="100000"/>
+              </a:lnSpc>
+              <a:spcBef>
+                <a:spcPct val="0"/>
+              </a:spcBef>
+              <a:spcAft>
+                <a:spcPct val="0"/>
+              </a:spcAft>
+              <a:buClrTx/>
+              <a:buSzTx/>
+              <a:buFontTx/>
+              <a:buNone/>
+              <a:tabLst/>
+            </a:pPr>
+            <a:r>
+              <a:rPr kumimoji="0" lang="en-US" altLang="en-US" sz="1800" b="0" i="0" u="none" strike="noStrike" cap="none" normalizeH="0" baseline="0" dirty="0">
+                <a:ln>
+                  <a:noFill/>
+                </a:ln>
+                <a:solidFill>
+                  <a:srgbClr val="A9B7C6"/>
+                </a:solidFill>
+                <a:effectLst/>
+                <a:latin typeface="Courier New" panose="02070309020205020404" pitchFamily="49" charset="0"/>
+                <a:cs typeface="Courier New" panose="02070309020205020404" pitchFamily="49" charset="0"/>
+              </a:rPr>
+              <a:t>(</a:t>
+            </a:r>
+            <a:r>
+              <a:rPr kumimoji="0" lang="en-US" altLang="en-US" sz="1800" b="0" i="0" u="none" strike="noStrike" cap="none" normalizeH="0" baseline="0" dirty="0">
+                <a:ln>
+                  <a:noFill/>
+                </a:ln>
+                <a:solidFill>
+                  <a:srgbClr val="6897BB"/>
+                </a:solidFill>
+                <a:effectLst/>
+                <a:latin typeface="Courier New" panose="02070309020205020404" pitchFamily="49" charset="0"/>
+                <a:cs typeface="Courier New" panose="02070309020205020404" pitchFamily="49" charset="0"/>
+              </a:rPr>
+              <a:t>100</a:t>
+            </a:r>
+            <a:r>
+              <a:rPr kumimoji="0" lang="en-US" altLang="en-US" sz="1800" b="0" i="0" u="none" strike="noStrike" cap="none" normalizeH="0" baseline="0" dirty="0">
+                <a:ln>
+                  <a:noFill/>
+                </a:ln>
+                <a:solidFill>
+                  <a:srgbClr val="CC7832"/>
+                </a:solidFill>
+                <a:effectLst/>
+                <a:latin typeface="Courier New" panose="02070309020205020404" pitchFamily="49" charset="0"/>
+                <a:cs typeface="Courier New" panose="02070309020205020404" pitchFamily="49" charset="0"/>
+              </a:rPr>
+              <a:t>, </a:t>
+            </a:r>
+            <a:r>
+              <a:rPr kumimoji="0" lang="en-US" altLang="en-US" sz="1800" b="0" i="0" u="none" strike="noStrike" cap="none" normalizeH="0" baseline="0" dirty="0">
+                <a:ln>
+                  <a:noFill/>
+                </a:ln>
+                <a:solidFill>
+                  <a:srgbClr val="6897BB"/>
+                </a:solidFill>
+                <a:effectLst/>
+                <a:latin typeface="Courier New" panose="02070309020205020404" pitchFamily="49" charset="0"/>
+                <a:cs typeface="Courier New" panose="02070309020205020404" pitchFamily="49" charset="0"/>
+              </a:rPr>
+              <a:t>50</a:t>
+            </a:r>
+            <a:r>
+              <a:rPr kumimoji="0" lang="en-US" altLang="en-US" sz="1800" b="0" i="0" u="none" strike="noStrike" cap="none" normalizeH="0" baseline="0" dirty="0">
+                <a:ln>
+                  <a:noFill/>
+                </a:ln>
+                <a:solidFill>
+                  <a:srgbClr val="A9B7C6"/>
+                </a:solidFill>
+                <a:effectLst/>
+                <a:latin typeface="Courier New" panose="02070309020205020404" pitchFamily="49" charset="0"/>
+                <a:cs typeface="Courier New" panose="02070309020205020404" pitchFamily="49" charset="0"/>
+              </a:rPr>
+              <a:t>)</a:t>
+            </a:r>
+            <a:endParaRPr kumimoji="0" lang="en-US" altLang="en-US" sz="1800" b="0" i="0" u="none" strike="noStrike" cap="none" normalizeH="0" baseline="0" dirty="0">
+              <a:ln>
+                <a:noFill/>
+              </a:ln>
+              <a:solidFill>
+                <a:schemeClr val="tx1"/>
+              </a:solidFill>
+              <a:effectLst/>
+              <a:latin typeface="Arial" panose="020B0604020202020204" pitchFamily="34" charset="0"/>
+            </a:endParaRPr>
+          </a:p>
+        </p:txBody>
+      </p:sp>
+      <p:sp>
+        <p:nvSpPr>
+          <p:cNvPr id="13" name="Rectangle 8">
+            <a:extLst>
+              <a:ext uri="{FF2B5EF4-FFF2-40B4-BE49-F238E27FC236}">
+                <a16:creationId xmlns:a16="http://schemas.microsoft.com/office/drawing/2014/main" id="{DC39A6BB-2CBD-412A-A7DB-03D6A7A0A498}"/>
+              </a:ext>
+            </a:extLst>
+          </p:cNvPr>
+          <p:cNvSpPr>
+            <a:spLocks noChangeArrowheads="1"/>
+          </p:cNvSpPr>
+          <p:nvPr/>
+        </p:nvSpPr>
+        <p:spPr bwMode="auto">
+          <a:xfrm>
+            <a:off x="3332670" y="4952105"/>
+            <a:ext cx="1732917" cy="369332"/>
+          </a:xfrm>
+          <a:prstGeom prst="rect">
+            <a:avLst/>
+          </a:prstGeom>
+          <a:solidFill>
+            <a:schemeClr val="bg1"/>
+          </a:solidFill>
+          <a:ln>
+            <a:noFill/>
+          </a:ln>
+          <a:effectLst/>
+        </p:spPr>
+        <p:txBody>
+          <a:bodyPr vert="horz" wrap="square" lIns="91440" tIns="45720" rIns="91440" bIns="45720" numCol="1" anchor="ctr" anchorCtr="0" compatLnSpc="1">
+            <a:prstTxWarp prst="textNoShape">
+              <a:avLst/>
+            </a:prstTxWarp>
+            <a:spAutoFit/>
+          </a:bodyPr>
+          <a:lstStyle/>
+          <a:p>
+            <a:pPr marL="0" marR="0" lvl="0" indent="0" algn="ctr" defTabSz="914400" rtl="0" eaLnBrk="0" fontAlgn="base" latinLnBrk="0" hangingPunct="0">
+              <a:lnSpc>
+                <a:spcPct val="100000"/>
+              </a:lnSpc>
+              <a:spcBef>
+                <a:spcPct val="0"/>
+              </a:spcBef>
+              <a:spcAft>
+                <a:spcPct val="0"/>
+              </a:spcAft>
+              <a:buClrTx/>
+              <a:buSzTx/>
+              <a:buFontTx/>
+              <a:buNone/>
+              <a:tabLst/>
+            </a:pPr>
+            <a:r>
+              <a:rPr kumimoji="0" lang="en-US" altLang="en-US" sz="1800" b="0" i="0" u="none" strike="noStrike" cap="none" normalizeH="0" baseline="0" dirty="0">
+                <a:ln>
+                  <a:noFill/>
+                </a:ln>
+                <a:solidFill>
+                  <a:srgbClr val="A9B7C6"/>
+                </a:solidFill>
+                <a:effectLst/>
+                <a:latin typeface="Courier New" panose="02070309020205020404" pitchFamily="49" charset="0"/>
+                <a:cs typeface="Courier New" panose="02070309020205020404" pitchFamily="49" charset="0"/>
+              </a:rPr>
+              <a:t>(-</a:t>
+            </a:r>
+            <a:r>
+              <a:rPr kumimoji="0" lang="en-US" altLang="en-US" sz="1800" b="0" i="0" u="none" strike="noStrike" cap="none" normalizeH="0" baseline="0" dirty="0">
+                <a:ln>
+                  <a:noFill/>
+                </a:ln>
+                <a:solidFill>
+                  <a:srgbClr val="6897BB"/>
+                </a:solidFill>
+                <a:effectLst/>
+                <a:latin typeface="Courier New" panose="02070309020205020404" pitchFamily="49" charset="0"/>
+                <a:cs typeface="Courier New" panose="02070309020205020404" pitchFamily="49" charset="0"/>
+              </a:rPr>
+              <a:t>50</a:t>
+            </a:r>
+            <a:r>
+              <a:rPr kumimoji="0" lang="en-US" altLang="en-US" sz="1800" b="0" i="0" u="none" strike="noStrike" cap="none" normalizeH="0" baseline="0" dirty="0">
+                <a:ln>
+                  <a:noFill/>
+                </a:ln>
+                <a:solidFill>
+                  <a:srgbClr val="CC7832"/>
+                </a:solidFill>
+                <a:effectLst/>
+                <a:latin typeface="Courier New" panose="02070309020205020404" pitchFamily="49" charset="0"/>
+                <a:cs typeface="Courier New" panose="02070309020205020404" pitchFamily="49" charset="0"/>
+              </a:rPr>
+              <a:t>, </a:t>
+            </a:r>
+            <a:r>
+              <a:rPr kumimoji="0" lang="en-US" altLang="en-US" sz="1800" b="0" i="0" u="none" strike="noStrike" cap="none" normalizeH="0" baseline="0" dirty="0">
+                <a:ln>
+                  <a:noFill/>
+                </a:ln>
+                <a:solidFill>
+                  <a:srgbClr val="A9B7C6"/>
+                </a:solidFill>
+                <a:effectLst/>
+                <a:latin typeface="Courier New" panose="02070309020205020404" pitchFamily="49" charset="0"/>
+                <a:cs typeface="Courier New" panose="02070309020205020404" pitchFamily="49" charset="0"/>
+              </a:rPr>
+              <a:t>-</a:t>
+            </a:r>
+            <a:r>
+              <a:rPr kumimoji="0" lang="en-US" altLang="en-US" sz="1800" b="0" i="0" u="none" strike="noStrike" cap="none" normalizeH="0" baseline="0" dirty="0">
+                <a:ln>
+                  <a:noFill/>
+                </a:ln>
+                <a:solidFill>
+                  <a:srgbClr val="6897BB"/>
+                </a:solidFill>
+                <a:effectLst/>
+                <a:latin typeface="Courier New" panose="02070309020205020404" pitchFamily="49" charset="0"/>
+                <a:cs typeface="Courier New" panose="02070309020205020404" pitchFamily="49" charset="0"/>
+              </a:rPr>
+              <a:t>100</a:t>
+            </a:r>
+            <a:r>
+              <a:rPr kumimoji="0" lang="en-US" altLang="en-US" sz="1800" b="0" i="0" u="none" strike="noStrike" cap="none" normalizeH="0" baseline="0" dirty="0">
+                <a:ln>
+                  <a:noFill/>
+                </a:ln>
+                <a:solidFill>
+                  <a:srgbClr val="A9B7C6"/>
+                </a:solidFill>
+                <a:effectLst/>
+                <a:latin typeface="Courier New" panose="02070309020205020404" pitchFamily="49" charset="0"/>
+                <a:cs typeface="Courier New" panose="02070309020205020404" pitchFamily="49" charset="0"/>
+              </a:rPr>
+              <a:t>)</a:t>
+            </a:r>
+            <a:endParaRPr kumimoji="0" lang="en-US" altLang="en-US" sz="1800" b="0" i="0" u="none" strike="noStrike" cap="none" normalizeH="0" baseline="0" dirty="0">
+              <a:ln>
+                <a:noFill/>
+              </a:ln>
+              <a:solidFill>
+                <a:schemeClr val="tx1"/>
+              </a:solidFill>
+              <a:effectLst/>
+              <a:latin typeface="Arial" panose="020B0604020202020204" pitchFamily="34" charset="0"/>
+            </a:endParaRPr>
+          </a:p>
+        </p:txBody>
+      </p:sp>
+      <p:sp>
+        <p:nvSpPr>
+          <p:cNvPr id="14" name="Rectangle 9">
+            <a:extLst>
+              <a:ext uri="{FF2B5EF4-FFF2-40B4-BE49-F238E27FC236}">
+                <a16:creationId xmlns:a16="http://schemas.microsoft.com/office/drawing/2014/main" id="{C2A5864A-1844-4EB8-BD86-F43D75822BE2}"/>
+              </a:ext>
+            </a:extLst>
+          </p:cNvPr>
+          <p:cNvSpPr>
+            <a:spLocks noChangeArrowheads="1"/>
+          </p:cNvSpPr>
+          <p:nvPr/>
+        </p:nvSpPr>
+        <p:spPr bwMode="auto">
+          <a:xfrm>
+            <a:off x="7126415" y="4931118"/>
+            <a:ext cx="1759974" cy="369332"/>
+          </a:xfrm>
+          <a:prstGeom prst="rect">
+            <a:avLst/>
+          </a:prstGeom>
+          <a:solidFill>
+            <a:schemeClr val="bg1"/>
+          </a:solidFill>
+          <a:ln>
+            <a:noFill/>
+          </a:ln>
+          <a:effectLst/>
+        </p:spPr>
+        <p:txBody>
+          <a:bodyPr vert="horz" wrap="square" lIns="91440" tIns="45720" rIns="91440" bIns="45720" numCol="1" anchor="ctr" anchorCtr="0" compatLnSpc="1">
+            <a:prstTxWarp prst="textNoShape">
+              <a:avLst/>
+            </a:prstTxWarp>
+            <a:spAutoFit/>
+          </a:bodyPr>
+          <a:lstStyle/>
+          <a:p>
+            <a:pPr marL="0" marR="0" lvl="0" indent="0" algn="ctr" defTabSz="914400" rtl="0" eaLnBrk="0" fontAlgn="base" latinLnBrk="0" hangingPunct="0">
+              <a:lnSpc>
+                <a:spcPct val="100000"/>
+              </a:lnSpc>
+              <a:spcBef>
+                <a:spcPct val="0"/>
+              </a:spcBef>
+              <a:spcAft>
+                <a:spcPct val="0"/>
+              </a:spcAft>
+              <a:buClrTx/>
+              <a:buSzTx/>
+              <a:buFontTx/>
+              <a:buNone/>
+              <a:tabLst/>
+            </a:pPr>
+            <a:r>
+              <a:rPr kumimoji="0" lang="en-US" altLang="en-US" sz="1800" b="0" i="0" u="none" strike="noStrike" cap="none" normalizeH="0" baseline="0" dirty="0">
+                <a:ln>
+                  <a:noFill/>
+                </a:ln>
+                <a:solidFill>
+                  <a:srgbClr val="A9B7C6"/>
+                </a:solidFill>
+                <a:effectLst/>
+                <a:latin typeface="Courier New" panose="02070309020205020404" pitchFamily="49" charset="0"/>
+                <a:cs typeface="Courier New" panose="02070309020205020404" pitchFamily="49" charset="0"/>
+              </a:rPr>
+              <a:t>(-</a:t>
+            </a:r>
+            <a:r>
+              <a:rPr kumimoji="0" lang="en-US" altLang="en-US" sz="1800" b="0" i="0" u="none" strike="noStrike" cap="none" normalizeH="0" baseline="0" dirty="0">
+                <a:ln>
+                  <a:noFill/>
+                </a:ln>
+                <a:solidFill>
+                  <a:srgbClr val="6897BB"/>
+                </a:solidFill>
+                <a:effectLst/>
+                <a:latin typeface="Courier New" panose="02070309020205020404" pitchFamily="49" charset="0"/>
+                <a:cs typeface="Courier New" panose="02070309020205020404" pitchFamily="49" charset="0"/>
+              </a:rPr>
+              <a:t>100</a:t>
+            </a:r>
+            <a:r>
+              <a:rPr kumimoji="0" lang="en-US" altLang="en-US" sz="1800" b="0" i="0" u="none" strike="noStrike" cap="none" normalizeH="0" baseline="0" dirty="0">
+                <a:ln>
+                  <a:noFill/>
+                </a:ln>
+                <a:solidFill>
+                  <a:srgbClr val="CC7832"/>
+                </a:solidFill>
+                <a:effectLst/>
+                <a:latin typeface="Courier New" panose="02070309020205020404" pitchFamily="49" charset="0"/>
+                <a:cs typeface="Courier New" panose="02070309020205020404" pitchFamily="49" charset="0"/>
+              </a:rPr>
+              <a:t>, </a:t>
+            </a:r>
+            <a:r>
+              <a:rPr kumimoji="0" lang="en-US" altLang="en-US" sz="1800" b="0" i="0" u="none" strike="noStrike" cap="none" normalizeH="0" baseline="0" dirty="0">
+                <a:ln>
+                  <a:noFill/>
+                </a:ln>
+                <a:solidFill>
+                  <a:srgbClr val="A9B7C6"/>
+                </a:solidFill>
+                <a:effectLst/>
+                <a:latin typeface="Courier New" panose="02070309020205020404" pitchFamily="49" charset="0"/>
+                <a:cs typeface="Courier New" panose="02070309020205020404" pitchFamily="49" charset="0"/>
+              </a:rPr>
+              <a:t>-</a:t>
+            </a:r>
+            <a:r>
+              <a:rPr kumimoji="0" lang="en-US" altLang="en-US" sz="1800" b="0" i="0" u="none" strike="noStrike" cap="none" normalizeH="0" baseline="0" dirty="0">
+                <a:ln>
+                  <a:noFill/>
+                </a:ln>
+                <a:solidFill>
+                  <a:srgbClr val="6897BB"/>
+                </a:solidFill>
+                <a:effectLst/>
+                <a:latin typeface="Courier New" panose="02070309020205020404" pitchFamily="49" charset="0"/>
+                <a:cs typeface="Courier New" panose="02070309020205020404" pitchFamily="49" charset="0"/>
+              </a:rPr>
+              <a:t>50</a:t>
+            </a:r>
+            <a:r>
+              <a:rPr kumimoji="0" lang="en-US" altLang="en-US" sz="1800" b="0" i="0" u="none" strike="noStrike" cap="none" normalizeH="0" baseline="0" dirty="0">
+                <a:ln>
+                  <a:noFill/>
+                </a:ln>
+                <a:solidFill>
+                  <a:srgbClr val="A9B7C6"/>
+                </a:solidFill>
+                <a:effectLst/>
+                <a:latin typeface="Courier New" panose="02070309020205020404" pitchFamily="49" charset="0"/>
+                <a:cs typeface="Courier New" panose="02070309020205020404" pitchFamily="49" charset="0"/>
+              </a:rPr>
+              <a:t>)</a:t>
+            </a:r>
+            <a:endParaRPr kumimoji="0" lang="en-US" altLang="en-US" sz="1800" b="0" i="0" u="none" strike="noStrike" cap="none" normalizeH="0" baseline="0" dirty="0">
+              <a:ln>
+                <a:noFill/>
+              </a:ln>
+              <a:solidFill>
+                <a:schemeClr val="tx1"/>
+              </a:solidFill>
+              <a:effectLst/>
+              <a:latin typeface="Arial" panose="020B0604020202020204" pitchFamily="34" charset="0"/>
+            </a:endParaRPr>
+          </a:p>
+        </p:txBody>
+      </p:sp>
+      <p:pic>
+        <p:nvPicPr>
+          <p:cNvPr id="3" name="Picture 2">
+            <a:extLst>
+              <a:ext uri="{FF2B5EF4-FFF2-40B4-BE49-F238E27FC236}">
+                <a16:creationId xmlns:a16="http://schemas.microsoft.com/office/drawing/2014/main" id="{ED915992-05CD-40AD-A8BC-34D4F108494E}"/>
+              </a:ext>
+            </a:extLst>
+          </p:cNvPr>
+          <p:cNvPicPr>
+            <a:picLocks noChangeAspect="1"/>
+          </p:cNvPicPr>
+          <p:nvPr/>
+        </p:nvPicPr>
+        <p:blipFill>
+          <a:blip r:embed="rId3"/>
+          <a:stretch>
+            <a:fillRect/>
+          </a:stretch>
+        </p:blipFill>
+        <p:spPr>
+          <a:xfrm>
+            <a:off x="5208560" y="3216983"/>
+            <a:ext cx="1866667" cy="1723810"/>
+          </a:xfrm>
+          <a:prstGeom prst="rect">
+            <a:avLst/>
+          </a:prstGeom>
+        </p:spPr>
+      </p:pic>
+    </p:spTree>
+    <p:extLst>
+      <p:ext uri="{BB962C8B-B14F-4D97-AF65-F5344CB8AC3E}">
+        <p14:creationId xmlns:p14="http://schemas.microsoft.com/office/powerpoint/2010/main" val="4027415687"/>
+      </p:ext>
+    </p:extLst>
+  </p:cSld>
+  <p:clrMapOvr>
+    <a:masterClrMapping/>
+  </p:clrMapOvr>
+</p:sld>
+</file>
+
+<file path=ppt/slides/slide11.xml><?xml version="1.0" encoding="utf-8"?>
+<p:sld xmlns:a="http://schemas.openxmlformats.org/drawingml/2006/main" xmlns:r="http://schemas.openxmlformats.org/officeDocument/2006/relationships" xmlns:p="http://schemas.openxmlformats.org/presentationml/2006/main">
+  <p:cSld>
+    <p:spTree>
+      <p:nvGrpSpPr>
+        <p:cNvPr id="1" name=""/>
+        <p:cNvGrpSpPr/>
+        <p:nvPr/>
+      </p:nvGrpSpPr>
+      <p:grpSpPr>
+        <a:xfrm>
+          <a:off x="0" y="0"/>
+          <a:ext cx="0" cy="0"/>
+          <a:chOff x="0" y="0"/>
+          <a:chExt cx="0" cy="0"/>
+        </a:xfrm>
+      </p:grpSpPr>
+      <p:sp>
+        <p:nvSpPr>
+          <p:cNvPr id="2" name="Title 1">
+            <a:extLst>
+              <a:ext uri="{FF2B5EF4-FFF2-40B4-BE49-F238E27FC236}">
+                <a16:creationId xmlns:a16="http://schemas.microsoft.com/office/drawing/2014/main" id="{2A1235A0-3239-42D3-A820-3338FAF77994}"/>
+              </a:ext>
+            </a:extLst>
+          </p:cNvPr>
+          <p:cNvSpPr>
+            <a:spLocks noGrp="1"/>
+          </p:cNvSpPr>
+          <p:nvPr>
+            <p:ph type="title"/>
+          </p:nvPr>
+        </p:nvSpPr>
+        <p:spPr/>
+        <p:txBody>
+          <a:bodyPr/>
+          <a:lstStyle/>
+          <a:p>
+            <a:r>
+              <a:rPr lang="en-US" dirty="0"/>
+              <a:t>Task 1: Right and left bumper buttons</a:t>
+            </a:r>
+          </a:p>
+        </p:txBody>
+      </p:sp>
+      <p:sp>
+        <p:nvSpPr>
+          <p:cNvPr id="3" name="Content Placeholder 2">
+            <a:extLst>
+              <a:ext uri="{FF2B5EF4-FFF2-40B4-BE49-F238E27FC236}">
+                <a16:creationId xmlns:a16="http://schemas.microsoft.com/office/drawing/2014/main" id="{64A98F31-DC71-470F-979A-50065DDAFC06}"/>
+              </a:ext>
+            </a:extLst>
+          </p:cNvPr>
+          <p:cNvSpPr>
+            <a:spLocks noGrp="1"/>
+          </p:cNvSpPr>
+          <p:nvPr>
+            <p:ph idx="1"/>
+          </p:nvPr>
+        </p:nvSpPr>
+        <p:spPr/>
+        <p:txBody>
+          <a:bodyPr/>
+          <a:lstStyle/>
+          <a:p>
+            <a:r>
+              <a:rPr lang="en-US" dirty="0"/>
+              <a:t>Implement a boost feature for movement speed</a:t>
+            </a:r>
+          </a:p>
+          <a:p>
+            <a:endParaRPr lang="en-US" dirty="0"/>
+          </a:p>
+          <a:p>
+            <a:r>
+              <a:rPr lang="en-US" dirty="0"/>
+              <a:t>When the right bumper is pressed, the speed increases</a:t>
+            </a:r>
+          </a:p>
+          <a:p>
+            <a:endParaRPr lang="en-US" dirty="0"/>
+          </a:p>
+          <a:p>
+            <a:r>
+              <a:rPr lang="en-US" dirty="0"/>
+              <a:t>When the right bumper is pressed, the speed decreases</a:t>
+            </a:r>
+          </a:p>
+        </p:txBody>
+      </p:sp>
+    </p:spTree>
+    <p:extLst>
+      <p:ext uri="{BB962C8B-B14F-4D97-AF65-F5344CB8AC3E}">
+        <p14:creationId xmlns:p14="http://schemas.microsoft.com/office/powerpoint/2010/main" val="3314416028"/>
+      </p:ext>
+    </p:extLst>
+  </p:cSld>
+  <p:clrMapOvr>
+    <a:masterClrMapping/>
+  </p:clrMapOvr>
+</p:sld>
+</file>
+
+<file path=ppt/slides/slide12.xml><?xml version="1.0" encoding="utf-8"?>
+<p:sld xmlns:a="http://schemas.openxmlformats.org/drawingml/2006/main" xmlns:r="http://schemas.openxmlformats.org/officeDocument/2006/relationships" xmlns:p="http://schemas.openxmlformats.org/presentationml/2006/main">
+  <p:cSld>
+    <p:spTree>
+      <p:nvGrpSpPr>
+        <p:cNvPr id="1" name=""/>
+        <p:cNvGrpSpPr/>
+        <p:nvPr/>
+      </p:nvGrpSpPr>
+      <p:grpSpPr>
+        <a:xfrm>
+          <a:off x="0" y="0"/>
+          <a:ext cx="0" cy="0"/>
+          <a:chOff x="0" y="0"/>
+          <a:chExt cx="0" cy="0"/>
+        </a:xfrm>
+      </p:grpSpPr>
+      <p:sp>
+        <p:nvSpPr>
+          <p:cNvPr id="2" name="Title 1">
+            <a:extLst>
+              <a:ext uri="{FF2B5EF4-FFF2-40B4-BE49-F238E27FC236}">
+                <a16:creationId xmlns:a16="http://schemas.microsoft.com/office/drawing/2014/main" id="{2A1235A0-3239-42D3-A820-3338FAF77994}"/>
+              </a:ext>
+            </a:extLst>
+          </p:cNvPr>
+          <p:cNvSpPr>
+            <a:spLocks noGrp="1"/>
+          </p:cNvSpPr>
+          <p:nvPr>
+            <p:ph type="title"/>
+          </p:nvPr>
+        </p:nvSpPr>
+        <p:spPr/>
+        <p:txBody>
+          <a:bodyPr/>
+          <a:lstStyle/>
+          <a:p>
+            <a:r>
+              <a:rPr lang="en-US" dirty="0"/>
+              <a:t>Task 2: Right thumb</a:t>
+            </a:r>
+          </a:p>
+        </p:txBody>
+      </p:sp>
+      <p:sp>
+        <p:nvSpPr>
+          <p:cNvPr id="3" name="Content Placeholder 2">
+            <a:extLst>
+              <a:ext uri="{FF2B5EF4-FFF2-40B4-BE49-F238E27FC236}">
+                <a16:creationId xmlns:a16="http://schemas.microsoft.com/office/drawing/2014/main" id="{64A98F31-DC71-470F-979A-50065DDAFC06}"/>
+              </a:ext>
+            </a:extLst>
+          </p:cNvPr>
+          <p:cNvSpPr>
+            <a:spLocks noGrp="1"/>
+          </p:cNvSpPr>
+          <p:nvPr>
+            <p:ph idx="1"/>
+          </p:nvPr>
+        </p:nvSpPr>
+        <p:spPr>
+          <a:xfrm>
+            <a:off x="838200" y="1825625"/>
+            <a:ext cx="10515600" cy="4351338"/>
+          </a:xfrm>
+        </p:spPr>
+        <p:txBody>
+          <a:bodyPr/>
+          <a:lstStyle/>
+          <a:p>
+            <a:r>
+              <a:rPr lang="en-US" dirty="0"/>
+              <a:t>Move the robot in the direction of the right thumb as follows:</a:t>
+            </a:r>
+          </a:p>
+          <a:p>
+            <a:pPr marL="0" indent="0">
+              <a:buNone/>
+            </a:pPr>
+            <a:r>
+              <a:rPr lang="en-US" dirty="0"/>
+              <a:t> </a:t>
+            </a:r>
+          </a:p>
+        </p:txBody>
+      </p:sp>
+      <p:pic>
+        <p:nvPicPr>
+          <p:cNvPr id="12" name="Picture 11">
+            <a:extLst>
+              <a:ext uri="{FF2B5EF4-FFF2-40B4-BE49-F238E27FC236}">
+                <a16:creationId xmlns:a16="http://schemas.microsoft.com/office/drawing/2014/main" id="{926333EE-125B-4D04-B742-A453176BAA49}"/>
+              </a:ext>
+            </a:extLst>
+          </p:cNvPr>
+          <p:cNvPicPr>
+            <a:picLocks noChangeAspect="1"/>
+          </p:cNvPicPr>
+          <p:nvPr/>
+        </p:nvPicPr>
+        <p:blipFill>
+          <a:blip r:embed="rId2"/>
+          <a:stretch>
+            <a:fillRect/>
+          </a:stretch>
+        </p:blipFill>
+        <p:spPr>
+          <a:xfrm>
+            <a:off x="5208558" y="3637678"/>
+            <a:ext cx="1866667" cy="1723810"/>
+          </a:xfrm>
+          <a:prstGeom prst="rect">
+            <a:avLst/>
+          </a:prstGeom>
+        </p:spPr>
+      </p:pic>
+      <p:sp>
+        <p:nvSpPr>
+          <p:cNvPr id="13" name="Arrow: Right 12">
+            <a:extLst>
+              <a:ext uri="{FF2B5EF4-FFF2-40B4-BE49-F238E27FC236}">
+                <a16:creationId xmlns:a16="http://schemas.microsoft.com/office/drawing/2014/main" id="{9B834B98-459A-4BBB-B50A-156513D31A43}"/>
+              </a:ext>
+            </a:extLst>
+          </p:cNvPr>
+          <p:cNvSpPr/>
+          <p:nvPr/>
+        </p:nvSpPr>
+        <p:spPr>
+          <a:xfrm rot="16200000">
+            <a:off x="5807670" y="2641550"/>
+            <a:ext cx="576661" cy="452284"/>
+          </a:xfrm>
+          <a:prstGeom prst="rightArrow">
+            <a:avLst/>
+          </a:prstGeom>
+          <a:solidFill>
+            <a:schemeClr val="tx1"/>
+          </a:solidFill>
+        </p:spPr>
+        <p:style>
+          <a:lnRef idx="2">
+            <a:schemeClr val="accent1">
+              <a:shade val="50000"/>
+            </a:schemeClr>
+          </a:lnRef>
+          <a:fillRef idx="1">
+            <a:schemeClr val="accent1"/>
+          </a:fillRef>
+          <a:effectRef idx="0">
+            <a:schemeClr val="accent1"/>
+          </a:effectRef>
+          <a:fontRef idx="minor">
+            <a:schemeClr val="lt1"/>
+          </a:fontRef>
+        </p:style>
+        <p:txBody>
+          <a:bodyPr rtlCol="0" anchor="ctr"/>
+          <a:lstStyle/>
+          <a:p>
+            <a:pPr algn="ctr"/>
+            <a:endParaRPr lang="en-US"/>
+          </a:p>
+        </p:txBody>
+      </p:sp>
+      <p:sp>
+        <p:nvSpPr>
+          <p:cNvPr id="14" name="Arrow: Right 13">
+            <a:extLst>
+              <a:ext uri="{FF2B5EF4-FFF2-40B4-BE49-F238E27FC236}">
+                <a16:creationId xmlns:a16="http://schemas.microsoft.com/office/drawing/2014/main" id="{E36B7C10-840A-48B1-B268-C3A9FCFBB8CA}"/>
+              </a:ext>
+            </a:extLst>
+          </p:cNvPr>
+          <p:cNvSpPr/>
+          <p:nvPr/>
+        </p:nvSpPr>
+        <p:spPr>
+          <a:xfrm rot="5400000">
+            <a:off x="5853562" y="5706368"/>
+            <a:ext cx="576661" cy="452284"/>
+          </a:xfrm>
+          <a:prstGeom prst="rightArrow">
+            <a:avLst/>
+          </a:prstGeom>
+          <a:solidFill>
+            <a:schemeClr val="tx1"/>
+          </a:solidFill>
+        </p:spPr>
+        <p:style>
+          <a:lnRef idx="2">
+            <a:schemeClr val="accent1">
+              <a:shade val="50000"/>
+            </a:schemeClr>
+          </a:lnRef>
+          <a:fillRef idx="1">
+            <a:schemeClr val="accent1"/>
+          </a:fillRef>
+          <a:effectRef idx="0">
+            <a:schemeClr val="accent1"/>
+          </a:effectRef>
+          <a:fontRef idx="minor">
+            <a:schemeClr val="lt1"/>
+          </a:fontRef>
+        </p:style>
+        <p:txBody>
+          <a:bodyPr rtlCol="0" anchor="ctr"/>
+          <a:lstStyle/>
+          <a:p>
+            <a:pPr algn="ctr"/>
+            <a:endParaRPr lang="en-US"/>
+          </a:p>
+        </p:txBody>
+      </p:sp>
+      <p:sp>
+        <p:nvSpPr>
+          <p:cNvPr id="15" name="Arrow: Right 14">
+            <a:extLst>
+              <a:ext uri="{FF2B5EF4-FFF2-40B4-BE49-F238E27FC236}">
+                <a16:creationId xmlns:a16="http://schemas.microsoft.com/office/drawing/2014/main" id="{0A5265AA-4194-463A-BEFE-2FEFAAE285A0}"/>
+              </a:ext>
+            </a:extLst>
+          </p:cNvPr>
+          <p:cNvSpPr/>
+          <p:nvPr/>
+        </p:nvSpPr>
+        <p:spPr>
+          <a:xfrm>
+            <a:off x="7660811" y="4230289"/>
+            <a:ext cx="576661" cy="452284"/>
+          </a:xfrm>
+          <a:prstGeom prst="rightArrow">
+            <a:avLst/>
+          </a:prstGeom>
+          <a:solidFill>
+            <a:schemeClr val="tx1"/>
+          </a:solidFill>
+        </p:spPr>
+        <p:style>
+          <a:lnRef idx="2">
+            <a:schemeClr val="accent1">
+              <a:shade val="50000"/>
+            </a:schemeClr>
+          </a:lnRef>
+          <a:fillRef idx="1">
+            <a:schemeClr val="accent1"/>
+          </a:fillRef>
+          <a:effectRef idx="0">
+            <a:schemeClr val="accent1"/>
+          </a:effectRef>
+          <a:fontRef idx="minor">
+            <a:schemeClr val="lt1"/>
+          </a:fontRef>
+        </p:style>
+        <p:txBody>
+          <a:bodyPr rtlCol="0" anchor="ctr"/>
+          <a:lstStyle/>
+          <a:p>
+            <a:pPr algn="ctr"/>
+            <a:endParaRPr lang="en-US"/>
+          </a:p>
+        </p:txBody>
+      </p:sp>
+      <p:sp>
+        <p:nvSpPr>
+          <p:cNvPr id="16" name="Arrow: Right 15">
+            <a:extLst>
+              <a:ext uri="{FF2B5EF4-FFF2-40B4-BE49-F238E27FC236}">
+                <a16:creationId xmlns:a16="http://schemas.microsoft.com/office/drawing/2014/main" id="{A6D4B0BC-8634-48E9-A1EF-77930FB053C7}"/>
+              </a:ext>
+            </a:extLst>
+          </p:cNvPr>
+          <p:cNvSpPr/>
+          <p:nvPr/>
+        </p:nvSpPr>
+        <p:spPr>
+          <a:xfrm rot="10800000">
+            <a:off x="3872805" y="4273441"/>
+            <a:ext cx="576661" cy="452284"/>
+          </a:xfrm>
+          <a:prstGeom prst="rightArrow">
+            <a:avLst/>
+          </a:prstGeom>
+          <a:solidFill>
+            <a:schemeClr val="tx1"/>
+          </a:solidFill>
+        </p:spPr>
+        <p:style>
+          <a:lnRef idx="2">
+            <a:schemeClr val="accent1">
+              <a:shade val="50000"/>
+            </a:schemeClr>
+          </a:lnRef>
+          <a:fillRef idx="1">
+            <a:schemeClr val="accent1"/>
+          </a:fillRef>
+          <a:effectRef idx="0">
+            <a:schemeClr val="accent1"/>
+          </a:effectRef>
+          <a:fontRef idx="minor">
+            <a:schemeClr val="lt1"/>
+          </a:fontRef>
+        </p:style>
+        <p:txBody>
+          <a:bodyPr rtlCol="0" anchor="ctr"/>
+          <a:lstStyle/>
+          <a:p>
+            <a:pPr algn="ctr"/>
+            <a:endParaRPr lang="en-US"/>
+          </a:p>
+        </p:txBody>
+      </p:sp>
+      <p:sp>
+        <p:nvSpPr>
+          <p:cNvPr id="17" name="Arrow: Right 16">
+            <a:extLst>
+              <a:ext uri="{FF2B5EF4-FFF2-40B4-BE49-F238E27FC236}">
+                <a16:creationId xmlns:a16="http://schemas.microsoft.com/office/drawing/2014/main" id="{6553A4AE-6FF0-48FF-9EDF-6F1003A24B8E}"/>
+              </a:ext>
+            </a:extLst>
+          </p:cNvPr>
+          <p:cNvSpPr/>
+          <p:nvPr/>
+        </p:nvSpPr>
+        <p:spPr>
+          <a:xfrm rot="18212762">
+            <a:off x="7024670" y="3077680"/>
+            <a:ext cx="576661" cy="452284"/>
+          </a:xfrm>
+          <a:prstGeom prst="rightArrow">
+            <a:avLst/>
+          </a:prstGeom>
+          <a:solidFill>
+            <a:schemeClr val="tx1"/>
+          </a:solidFill>
+        </p:spPr>
+        <p:style>
+          <a:lnRef idx="2">
+            <a:schemeClr val="accent1">
+              <a:shade val="50000"/>
+            </a:schemeClr>
+          </a:lnRef>
+          <a:fillRef idx="1">
+            <a:schemeClr val="accent1"/>
+          </a:fillRef>
+          <a:effectRef idx="0">
+            <a:schemeClr val="accent1"/>
+          </a:effectRef>
+          <a:fontRef idx="minor">
+            <a:schemeClr val="lt1"/>
+          </a:fontRef>
+        </p:style>
+        <p:txBody>
+          <a:bodyPr rtlCol="0" anchor="ctr"/>
+          <a:lstStyle/>
+          <a:p>
+            <a:pPr algn="ctr"/>
+            <a:endParaRPr lang="en-US"/>
+          </a:p>
+        </p:txBody>
+      </p:sp>
+      <p:sp>
+        <p:nvSpPr>
+          <p:cNvPr id="18" name="Arrow: Right 17">
+            <a:extLst>
+              <a:ext uri="{FF2B5EF4-FFF2-40B4-BE49-F238E27FC236}">
+                <a16:creationId xmlns:a16="http://schemas.microsoft.com/office/drawing/2014/main" id="{ACBD45BD-E7DA-4986-A7DD-65F0ABF12BB3}"/>
+              </a:ext>
+            </a:extLst>
+          </p:cNvPr>
+          <p:cNvSpPr/>
+          <p:nvPr/>
+        </p:nvSpPr>
+        <p:spPr>
+          <a:xfrm rot="13798362">
+            <a:off x="4669304" y="3175827"/>
+            <a:ext cx="576661" cy="452284"/>
+          </a:xfrm>
+          <a:prstGeom prst="rightArrow">
+            <a:avLst/>
+          </a:prstGeom>
+          <a:solidFill>
+            <a:schemeClr val="tx1"/>
+          </a:solidFill>
+        </p:spPr>
+        <p:style>
+          <a:lnRef idx="2">
+            <a:schemeClr val="accent1">
+              <a:shade val="50000"/>
+            </a:schemeClr>
+          </a:lnRef>
+          <a:fillRef idx="1">
+            <a:schemeClr val="accent1"/>
+          </a:fillRef>
+          <a:effectRef idx="0">
+            <a:schemeClr val="accent1"/>
+          </a:effectRef>
+          <a:fontRef idx="minor">
+            <a:schemeClr val="lt1"/>
+          </a:fontRef>
+        </p:style>
+        <p:txBody>
+          <a:bodyPr rtlCol="0" anchor="ctr"/>
+          <a:lstStyle/>
+          <a:p>
+            <a:pPr algn="ctr"/>
+            <a:endParaRPr lang="en-US"/>
+          </a:p>
+        </p:txBody>
+      </p:sp>
+      <p:sp>
+        <p:nvSpPr>
+          <p:cNvPr id="19" name="Arrow: Right 18">
+            <a:extLst>
+              <a:ext uri="{FF2B5EF4-FFF2-40B4-BE49-F238E27FC236}">
+                <a16:creationId xmlns:a16="http://schemas.microsoft.com/office/drawing/2014/main" id="{4BF8299D-2BEA-4E39-ABDA-F53231BCC4CE}"/>
+              </a:ext>
+            </a:extLst>
+          </p:cNvPr>
+          <p:cNvSpPr/>
+          <p:nvPr/>
+        </p:nvSpPr>
+        <p:spPr>
+          <a:xfrm rot="8019315">
+            <a:off x="4623519" y="5371240"/>
+            <a:ext cx="576661" cy="452284"/>
+          </a:xfrm>
+          <a:prstGeom prst="rightArrow">
+            <a:avLst/>
+          </a:prstGeom>
+          <a:solidFill>
+            <a:schemeClr val="tx1"/>
+          </a:solidFill>
+        </p:spPr>
+        <p:style>
+          <a:lnRef idx="2">
+            <a:schemeClr val="accent1">
+              <a:shade val="50000"/>
+            </a:schemeClr>
+          </a:lnRef>
+          <a:fillRef idx="1">
+            <a:schemeClr val="accent1"/>
+          </a:fillRef>
+          <a:effectRef idx="0">
+            <a:schemeClr val="accent1"/>
+          </a:effectRef>
+          <a:fontRef idx="minor">
+            <a:schemeClr val="lt1"/>
+          </a:fontRef>
+        </p:style>
+        <p:txBody>
+          <a:bodyPr rtlCol="0" anchor="ctr"/>
+          <a:lstStyle/>
+          <a:p>
+            <a:pPr algn="ctr"/>
+            <a:endParaRPr lang="en-US"/>
+          </a:p>
+        </p:txBody>
+      </p:sp>
+      <p:sp>
+        <p:nvSpPr>
+          <p:cNvPr id="20" name="Arrow: Right 19">
+            <a:extLst>
+              <a:ext uri="{FF2B5EF4-FFF2-40B4-BE49-F238E27FC236}">
+                <a16:creationId xmlns:a16="http://schemas.microsoft.com/office/drawing/2014/main" id="{9C10E629-E17D-4E41-A04C-4F255996E484}"/>
+              </a:ext>
+            </a:extLst>
+          </p:cNvPr>
+          <p:cNvSpPr/>
+          <p:nvPr/>
+        </p:nvSpPr>
+        <p:spPr>
+          <a:xfrm rot="2833710">
+            <a:off x="7066338" y="5436831"/>
+            <a:ext cx="576661" cy="452284"/>
+          </a:xfrm>
+          <a:prstGeom prst="rightArrow">
+            <a:avLst/>
+          </a:prstGeom>
+          <a:solidFill>
+            <a:schemeClr val="tx1"/>
+          </a:solidFill>
+        </p:spPr>
+        <p:style>
+          <a:lnRef idx="2">
+            <a:schemeClr val="accent1">
+              <a:shade val="50000"/>
+            </a:schemeClr>
+          </a:lnRef>
+          <a:fillRef idx="1">
+            <a:schemeClr val="accent1"/>
+          </a:fillRef>
+          <a:effectRef idx="0">
+            <a:schemeClr val="accent1"/>
+          </a:effectRef>
+          <a:fontRef idx="minor">
+            <a:schemeClr val="lt1"/>
+          </a:fontRef>
+        </p:style>
+        <p:txBody>
+          <a:bodyPr rtlCol="0" anchor="ctr"/>
+          <a:lstStyle/>
+          <a:p>
+            <a:pPr algn="ctr"/>
+            <a:endParaRPr lang="en-US"/>
+          </a:p>
+        </p:txBody>
+      </p:sp>
+    </p:spTree>
+    <p:extLst>
+      <p:ext uri="{BB962C8B-B14F-4D97-AF65-F5344CB8AC3E}">
+        <p14:creationId xmlns:p14="http://schemas.microsoft.com/office/powerpoint/2010/main" val="3869044629"/>
+      </p:ext>
+    </p:extLst>
+  </p:cSld>
+  <p:clrMapOvr>
+    <a:masterClrMapping/>
+  </p:clrMapOvr>
+</p:sld>
+</file>
+
+<file path=ppt/slides/slide13.xml><?xml version="1.0" encoding="utf-8"?>
+<p:sld xmlns:a="http://schemas.openxmlformats.org/drawingml/2006/main" xmlns:r="http://schemas.openxmlformats.org/officeDocument/2006/relationships" xmlns:p="http://schemas.openxmlformats.org/presentationml/2006/main">
+  <p:cSld>
+    <p:spTree>
+      <p:nvGrpSpPr>
+        <p:cNvPr id="1" name=""/>
+        <p:cNvGrpSpPr/>
+        <p:nvPr/>
+      </p:nvGrpSpPr>
+      <p:grpSpPr>
+        <a:xfrm>
+          <a:off x="0" y="0"/>
+          <a:ext cx="0" cy="0"/>
+          <a:chOff x="0" y="0"/>
+          <a:chExt cx="0" cy="0"/>
+        </a:xfrm>
+      </p:grpSpPr>
+      <p:sp>
+        <p:nvSpPr>
+          <p:cNvPr id="2" name="Title 1">
+            <a:extLst>
+              <a:ext uri="{FF2B5EF4-FFF2-40B4-BE49-F238E27FC236}">
+                <a16:creationId xmlns:a16="http://schemas.microsoft.com/office/drawing/2014/main" id="{F118D55F-BF71-461E-8134-7E634DDE3319}"/>
+              </a:ext>
+            </a:extLst>
+          </p:cNvPr>
+          <p:cNvSpPr>
+            <a:spLocks noGrp="1"/>
+          </p:cNvSpPr>
+          <p:nvPr>
+            <p:ph type="title"/>
+          </p:nvPr>
+        </p:nvSpPr>
+        <p:spPr/>
+        <p:txBody>
+          <a:bodyPr/>
+          <a:lstStyle/>
+          <a:p>
+            <a:r>
+              <a:rPr lang="en-US" dirty="0"/>
+              <a:t>Task 3: Robot racing</a:t>
+            </a:r>
+          </a:p>
+        </p:txBody>
+      </p:sp>
+      <p:pic>
+        <p:nvPicPr>
+          <p:cNvPr id="9" name="Picture 8" descr="A picture containing grass, road, outdoor, sky&#10;&#10;Description generated with very high confidence">
+            <a:extLst>
+              <a:ext uri="{FF2B5EF4-FFF2-40B4-BE49-F238E27FC236}">
+                <a16:creationId xmlns:a16="http://schemas.microsoft.com/office/drawing/2014/main" id="{AB52CFD6-9C84-4FA4-B998-65301BEBB294}"/>
+              </a:ext>
+            </a:extLst>
+          </p:cNvPr>
+          <p:cNvPicPr>
+            <a:picLocks noChangeAspect="1"/>
+          </p:cNvPicPr>
+          <p:nvPr/>
+        </p:nvPicPr>
+        <p:blipFill>
+          <a:blip r:embed="rId3">
+            <a:extLst>
+              <a:ext uri="{28A0092B-C50C-407E-A947-70E740481C1C}">
+                <a14:useLocalDpi xmlns:a14="http://schemas.microsoft.com/office/drawing/2010/main" val="0"/>
+              </a:ext>
+            </a:extLst>
+          </a:blip>
+          <a:stretch>
+            <a:fillRect/>
+          </a:stretch>
+        </p:blipFill>
+        <p:spPr>
+          <a:xfrm>
+            <a:off x="1823852" y="1415247"/>
+            <a:ext cx="8544295" cy="5246108"/>
+          </a:xfrm>
+          <a:prstGeom prst="rect">
+            <a:avLst/>
+          </a:prstGeom>
+        </p:spPr>
+      </p:pic>
+    </p:spTree>
+    <p:extLst>
+      <p:ext uri="{BB962C8B-B14F-4D97-AF65-F5344CB8AC3E}">
+        <p14:creationId xmlns:p14="http://schemas.microsoft.com/office/powerpoint/2010/main" val="4060454085"/>
+      </p:ext>
+    </p:extLst>
+  </p:cSld>
+  <p:clrMapOvr>
+    <a:masterClrMapping/>
+  </p:clrMapOvr>
+</p:sld>
+</file>
+
+<file path=ppt/slides/slide14.xml><?xml version="1.0" encoding="utf-8"?>
+<p:sld xmlns:a="http://schemas.openxmlformats.org/drawingml/2006/main" xmlns:r="http://schemas.openxmlformats.org/officeDocument/2006/relationships" xmlns:p="http://schemas.openxmlformats.org/presentationml/2006/main">
+  <p:cSld>
+    <p:spTree>
+      <p:nvGrpSpPr>
+        <p:cNvPr id="1" name=""/>
+        <p:cNvGrpSpPr/>
+        <p:nvPr/>
+      </p:nvGrpSpPr>
+      <p:grpSpPr>
+        <a:xfrm>
+          <a:off x="0" y="0"/>
+          <a:ext cx="0" cy="0"/>
+          <a:chOff x="0" y="0"/>
+          <a:chExt cx="0" cy="0"/>
+        </a:xfrm>
+      </p:grpSpPr>
+      <p:sp>
+        <p:nvSpPr>
+          <p:cNvPr id="2" name="Title 1">
+            <a:extLst>
+              <a:ext uri="{FF2B5EF4-FFF2-40B4-BE49-F238E27FC236}">
                 <a16:creationId xmlns:a16="http://schemas.microsoft.com/office/drawing/2014/main" id="{8FB93DFB-B56E-4BDE-8F10-F0329F79F74E}"/>
               </a:ext>
             </a:extLst>
@@ -4179,6 +6500,36 @@
           </a:p>
         </p:txBody>
       </p:sp>
+      <p:pic>
+        <p:nvPicPr>
+          <p:cNvPr id="4" name="Picture 3">
+            <a:extLst>
+              <a:ext uri="{FF2B5EF4-FFF2-40B4-BE49-F238E27FC236}">
+                <a16:creationId xmlns:a16="http://schemas.microsoft.com/office/drawing/2014/main" id="{FFC2ED6C-5976-4D5E-A8B8-7AC7F8455F83}"/>
+              </a:ext>
+            </a:extLst>
+          </p:cNvPr>
+          <p:cNvPicPr>
+            <a:picLocks noChangeAspect="1"/>
+          </p:cNvPicPr>
+          <p:nvPr/>
+        </p:nvPicPr>
+        <p:blipFill>
+          <a:blip r:embed="rId2"/>
+          <a:stretch>
+            <a:fillRect/>
+          </a:stretch>
+        </p:blipFill>
+        <p:spPr>
+          <a:xfrm>
+            <a:off x="9037810" y="1690688"/>
+            <a:ext cx="1942857" cy="1942857"/>
+          </a:xfrm>
+          <a:prstGeom prst="rect">
+            <a:avLst/>
+          </a:prstGeom>
+        </p:spPr>
+      </p:pic>
     </p:spTree>
     <p:extLst>
       <p:ext uri="{BB962C8B-B14F-4D97-AF65-F5344CB8AC3E}">
@@ -7396,14 +9747,1350 @@
         </p:blipFill>
         <p:spPr>
           <a:xfrm>
-            <a:off x="2145397" y="3172927"/>
+            <a:off x="5065587" y="3172927"/>
             <a:ext cx="1942857" cy="1942857"/>
           </a:xfrm>
           <a:prstGeom prst="rect">
             <a:avLst/>
           </a:prstGeom>
+          <a:solidFill>
+            <a:schemeClr val="bg1"/>
+          </a:solidFill>
         </p:spPr>
       </p:pic>
+      <p:sp>
+        <p:nvSpPr>
+          <p:cNvPr id="5" name="Rectangle 1">
+            <a:extLst>
+              <a:ext uri="{FF2B5EF4-FFF2-40B4-BE49-F238E27FC236}">
+                <a16:creationId xmlns:a16="http://schemas.microsoft.com/office/drawing/2014/main" id="{C8754A96-DD78-478B-992D-3AE7ADFC140E}"/>
+              </a:ext>
+            </a:extLst>
+          </p:cNvPr>
+          <p:cNvSpPr>
+            <a:spLocks noChangeArrowheads="1"/>
+          </p:cNvSpPr>
+          <p:nvPr/>
+        </p:nvSpPr>
+        <p:spPr bwMode="auto">
+          <a:xfrm>
+            <a:off x="5254367" y="2538589"/>
+            <a:ext cx="1565295" cy="369332"/>
+          </a:xfrm>
+          <a:prstGeom prst="rect">
+            <a:avLst/>
+          </a:prstGeom>
+          <a:solidFill>
+            <a:schemeClr val="bg1"/>
+          </a:solidFill>
+          <a:ln>
+            <a:noFill/>
+          </a:ln>
+          <a:effectLst/>
+        </p:spPr>
+        <p:txBody>
+          <a:bodyPr vert="horz" wrap="square" lIns="91440" tIns="45720" rIns="91440" bIns="45720" numCol="1" anchor="ctr" anchorCtr="0" compatLnSpc="1">
+            <a:prstTxWarp prst="textNoShape">
+              <a:avLst/>
+            </a:prstTxWarp>
+            <a:spAutoFit/>
+          </a:bodyPr>
+          <a:lstStyle/>
+          <a:p>
+            <a:pPr marL="0" marR="0" lvl="0" indent="0" algn="ctr" defTabSz="914400" rtl="0" eaLnBrk="0" fontAlgn="base" latinLnBrk="0" hangingPunct="0">
+              <a:lnSpc>
+                <a:spcPct val="100000"/>
+              </a:lnSpc>
+              <a:spcBef>
+                <a:spcPct val="0"/>
+              </a:spcBef>
+              <a:spcAft>
+                <a:spcPct val="0"/>
+              </a:spcAft>
+              <a:buClrTx/>
+              <a:buSzTx/>
+              <a:buFontTx/>
+              <a:buNone/>
+              <a:tabLst/>
+            </a:pPr>
+            <a:r>
+              <a:rPr kumimoji="0" lang="en-US" altLang="en-US" sz="1800" b="0" i="0" u="none" strike="noStrike" cap="none" normalizeH="0" baseline="0" dirty="0">
+                <a:ln>
+                  <a:noFill/>
+                </a:ln>
+                <a:solidFill>
+                  <a:srgbClr val="A9B7C6"/>
+                </a:solidFill>
+                <a:effectLst/>
+                <a:latin typeface="Courier New" panose="02070309020205020404" pitchFamily="49" charset="0"/>
+                <a:cs typeface="Courier New" panose="02070309020205020404" pitchFamily="49" charset="0"/>
+              </a:rPr>
+              <a:t>(</a:t>
+            </a:r>
+            <a:r>
+              <a:rPr kumimoji="0" lang="en-US" altLang="en-US" sz="1800" b="0" i="0" u="none" strike="noStrike" cap="none" normalizeH="0" baseline="0" dirty="0">
+                <a:ln>
+                  <a:noFill/>
+                </a:ln>
+                <a:solidFill>
+                  <a:srgbClr val="6897BB"/>
+                </a:solidFill>
+                <a:effectLst/>
+                <a:latin typeface="Courier New" panose="02070309020205020404" pitchFamily="49" charset="0"/>
+                <a:cs typeface="Courier New" panose="02070309020205020404" pitchFamily="49" charset="0"/>
+              </a:rPr>
+              <a:t>100</a:t>
+            </a:r>
+            <a:r>
+              <a:rPr kumimoji="0" lang="en-US" altLang="en-US" sz="1800" b="0" i="0" u="none" strike="noStrike" cap="none" normalizeH="0" baseline="0" dirty="0">
+                <a:ln>
+                  <a:noFill/>
+                </a:ln>
+                <a:solidFill>
+                  <a:srgbClr val="CC7832"/>
+                </a:solidFill>
+                <a:effectLst/>
+                <a:latin typeface="Courier New" panose="02070309020205020404" pitchFamily="49" charset="0"/>
+                <a:cs typeface="Courier New" panose="02070309020205020404" pitchFamily="49" charset="0"/>
+              </a:rPr>
+              <a:t>, </a:t>
+            </a:r>
+            <a:r>
+              <a:rPr kumimoji="0" lang="en-US" altLang="en-US" sz="1800" b="0" i="0" u="none" strike="noStrike" cap="none" normalizeH="0" baseline="0" dirty="0">
+                <a:ln>
+                  <a:noFill/>
+                </a:ln>
+                <a:solidFill>
+                  <a:srgbClr val="6897BB"/>
+                </a:solidFill>
+                <a:effectLst/>
+                <a:latin typeface="Courier New" panose="02070309020205020404" pitchFamily="49" charset="0"/>
+                <a:cs typeface="Courier New" panose="02070309020205020404" pitchFamily="49" charset="0"/>
+              </a:rPr>
+              <a:t>100</a:t>
+            </a:r>
+            <a:r>
+              <a:rPr kumimoji="0" lang="en-US" altLang="en-US" sz="1800" b="0" i="0" u="none" strike="noStrike" cap="none" normalizeH="0" baseline="0" dirty="0">
+                <a:ln>
+                  <a:noFill/>
+                </a:ln>
+                <a:solidFill>
+                  <a:srgbClr val="A9B7C6"/>
+                </a:solidFill>
+                <a:effectLst/>
+                <a:latin typeface="Courier New" panose="02070309020205020404" pitchFamily="49" charset="0"/>
+                <a:cs typeface="Courier New" panose="02070309020205020404" pitchFamily="49" charset="0"/>
+              </a:rPr>
+              <a:t>)</a:t>
+            </a:r>
+            <a:endParaRPr kumimoji="0" lang="en-US" altLang="en-US" sz="1800" b="0" i="0" u="none" strike="noStrike" cap="none" normalizeH="0" baseline="0" dirty="0">
+              <a:ln>
+                <a:noFill/>
+              </a:ln>
+              <a:solidFill>
+                <a:schemeClr val="tx1"/>
+              </a:solidFill>
+              <a:effectLst/>
+              <a:latin typeface="Arial" panose="020B0604020202020204" pitchFamily="34" charset="0"/>
+            </a:endParaRPr>
+          </a:p>
+        </p:txBody>
+      </p:sp>
+      <p:sp>
+        <p:nvSpPr>
+          <p:cNvPr id="6" name="Rectangle 2">
+            <a:extLst>
+              <a:ext uri="{FF2B5EF4-FFF2-40B4-BE49-F238E27FC236}">
+                <a16:creationId xmlns:a16="http://schemas.microsoft.com/office/drawing/2014/main" id="{D2151A3B-25A1-43C5-A667-F9F92A1E16E4}"/>
+              </a:ext>
+            </a:extLst>
+          </p:cNvPr>
+          <p:cNvSpPr>
+            <a:spLocks noChangeArrowheads="1"/>
+          </p:cNvSpPr>
+          <p:nvPr/>
+        </p:nvSpPr>
+        <p:spPr bwMode="auto">
+          <a:xfrm>
+            <a:off x="5137609" y="5380790"/>
+            <a:ext cx="1942856" cy="369332"/>
+          </a:xfrm>
+          <a:prstGeom prst="rect">
+            <a:avLst/>
+          </a:prstGeom>
+          <a:solidFill>
+            <a:schemeClr val="bg1"/>
+          </a:solidFill>
+          <a:ln>
+            <a:noFill/>
+          </a:ln>
+          <a:effectLst/>
+        </p:spPr>
+        <p:txBody>
+          <a:bodyPr vert="horz" wrap="square" lIns="91440" tIns="45720" rIns="91440" bIns="45720" numCol="1" anchor="ctr" anchorCtr="0" compatLnSpc="1">
+            <a:prstTxWarp prst="textNoShape">
+              <a:avLst/>
+            </a:prstTxWarp>
+            <a:spAutoFit/>
+          </a:bodyPr>
+          <a:lstStyle/>
+          <a:p>
+            <a:pPr marL="0" marR="0" lvl="0" indent="0" algn="ctr" defTabSz="914400" rtl="0" eaLnBrk="0" fontAlgn="base" latinLnBrk="0" hangingPunct="0">
+              <a:lnSpc>
+                <a:spcPct val="100000"/>
+              </a:lnSpc>
+              <a:spcBef>
+                <a:spcPct val="0"/>
+              </a:spcBef>
+              <a:spcAft>
+                <a:spcPct val="0"/>
+              </a:spcAft>
+              <a:buClrTx/>
+              <a:buSzTx/>
+              <a:buFontTx/>
+              <a:buNone/>
+              <a:tabLst/>
+            </a:pPr>
+            <a:r>
+              <a:rPr kumimoji="0" lang="en-US" altLang="en-US" sz="1800" b="0" i="0" u="none" strike="noStrike" cap="none" normalizeH="0" baseline="0" dirty="0">
+                <a:ln>
+                  <a:noFill/>
+                </a:ln>
+                <a:solidFill>
+                  <a:srgbClr val="A9B7C6"/>
+                </a:solidFill>
+                <a:effectLst/>
+                <a:latin typeface="Courier New" panose="02070309020205020404" pitchFamily="49" charset="0"/>
+                <a:cs typeface="Courier New" panose="02070309020205020404" pitchFamily="49" charset="0"/>
+              </a:rPr>
+              <a:t>(-</a:t>
+            </a:r>
+            <a:r>
+              <a:rPr kumimoji="0" lang="en-US" altLang="en-US" sz="1800" b="0" i="0" u="none" strike="noStrike" cap="none" normalizeH="0" baseline="0" dirty="0">
+                <a:ln>
+                  <a:noFill/>
+                </a:ln>
+                <a:solidFill>
+                  <a:srgbClr val="6897BB"/>
+                </a:solidFill>
+                <a:effectLst/>
+                <a:latin typeface="Courier New" panose="02070309020205020404" pitchFamily="49" charset="0"/>
+                <a:cs typeface="Courier New" panose="02070309020205020404" pitchFamily="49" charset="0"/>
+              </a:rPr>
+              <a:t>100</a:t>
+            </a:r>
+            <a:r>
+              <a:rPr kumimoji="0" lang="en-US" altLang="en-US" sz="1800" b="0" i="0" u="none" strike="noStrike" cap="none" normalizeH="0" baseline="0" dirty="0">
+                <a:ln>
+                  <a:noFill/>
+                </a:ln>
+                <a:solidFill>
+                  <a:srgbClr val="CC7832"/>
+                </a:solidFill>
+                <a:effectLst/>
+                <a:latin typeface="Courier New" panose="02070309020205020404" pitchFamily="49" charset="0"/>
+                <a:cs typeface="Courier New" panose="02070309020205020404" pitchFamily="49" charset="0"/>
+              </a:rPr>
+              <a:t>, </a:t>
+            </a:r>
+            <a:r>
+              <a:rPr kumimoji="0" lang="en-US" altLang="en-US" sz="1800" b="0" i="0" u="none" strike="noStrike" cap="none" normalizeH="0" baseline="0" dirty="0">
+                <a:ln>
+                  <a:noFill/>
+                </a:ln>
+                <a:solidFill>
+                  <a:srgbClr val="A9B7C6"/>
+                </a:solidFill>
+                <a:effectLst/>
+                <a:latin typeface="Courier New" panose="02070309020205020404" pitchFamily="49" charset="0"/>
+                <a:cs typeface="Courier New" panose="02070309020205020404" pitchFamily="49" charset="0"/>
+              </a:rPr>
+              <a:t>-</a:t>
+            </a:r>
+            <a:r>
+              <a:rPr kumimoji="0" lang="en-US" altLang="en-US" sz="1800" b="0" i="0" u="none" strike="noStrike" cap="none" normalizeH="0" baseline="0" dirty="0">
+                <a:ln>
+                  <a:noFill/>
+                </a:ln>
+                <a:solidFill>
+                  <a:srgbClr val="6897BB"/>
+                </a:solidFill>
+                <a:effectLst/>
+                <a:latin typeface="Courier New" panose="02070309020205020404" pitchFamily="49" charset="0"/>
+                <a:cs typeface="Courier New" panose="02070309020205020404" pitchFamily="49" charset="0"/>
+              </a:rPr>
+              <a:t>100</a:t>
+            </a:r>
+            <a:r>
+              <a:rPr kumimoji="0" lang="en-US" altLang="en-US" sz="1800" b="0" i="0" u="none" strike="noStrike" cap="none" normalizeH="0" baseline="0" dirty="0">
+                <a:ln>
+                  <a:noFill/>
+                </a:ln>
+                <a:solidFill>
+                  <a:srgbClr val="A9B7C6"/>
+                </a:solidFill>
+                <a:effectLst/>
+                <a:latin typeface="Courier New" panose="02070309020205020404" pitchFamily="49" charset="0"/>
+                <a:cs typeface="Courier New" panose="02070309020205020404" pitchFamily="49" charset="0"/>
+              </a:rPr>
+              <a:t>)</a:t>
+            </a:r>
+            <a:endParaRPr kumimoji="0" lang="en-US" altLang="en-US" sz="1800" b="0" i="0" u="none" strike="noStrike" cap="none" normalizeH="0" baseline="0" dirty="0">
+              <a:ln>
+                <a:noFill/>
+              </a:ln>
+              <a:solidFill>
+                <a:schemeClr val="tx1"/>
+              </a:solidFill>
+              <a:effectLst/>
+              <a:latin typeface="Arial" panose="020B0604020202020204" pitchFamily="34" charset="0"/>
+            </a:endParaRPr>
+          </a:p>
+        </p:txBody>
+      </p:sp>
+      <p:sp>
+        <p:nvSpPr>
+          <p:cNvPr id="7" name="Rectangle 3">
+            <a:extLst>
+              <a:ext uri="{FF2B5EF4-FFF2-40B4-BE49-F238E27FC236}">
+                <a16:creationId xmlns:a16="http://schemas.microsoft.com/office/drawing/2014/main" id="{DA2C0909-F6B4-4FA4-980B-67F18282B987}"/>
+              </a:ext>
+            </a:extLst>
+          </p:cNvPr>
+          <p:cNvSpPr>
+            <a:spLocks noChangeArrowheads="1"/>
+          </p:cNvSpPr>
+          <p:nvPr/>
+        </p:nvSpPr>
+        <p:spPr bwMode="auto">
+          <a:xfrm>
+            <a:off x="2602113" y="3974126"/>
+            <a:ext cx="1848465" cy="369332"/>
+          </a:xfrm>
+          <a:prstGeom prst="rect">
+            <a:avLst/>
+          </a:prstGeom>
+          <a:solidFill>
+            <a:schemeClr val="bg1"/>
+          </a:solidFill>
+          <a:ln>
+            <a:noFill/>
+          </a:ln>
+          <a:effectLst/>
+        </p:spPr>
+        <p:txBody>
+          <a:bodyPr vert="horz" wrap="square" lIns="91440" tIns="45720" rIns="91440" bIns="45720" numCol="1" anchor="ctr" anchorCtr="0" compatLnSpc="1">
+            <a:prstTxWarp prst="textNoShape">
+              <a:avLst/>
+            </a:prstTxWarp>
+            <a:spAutoFit/>
+          </a:bodyPr>
+          <a:lstStyle/>
+          <a:p>
+            <a:pPr marL="0" marR="0" lvl="0" indent="0" algn="ctr" defTabSz="914400" rtl="0" eaLnBrk="0" fontAlgn="base" latinLnBrk="0" hangingPunct="0">
+              <a:lnSpc>
+                <a:spcPct val="100000"/>
+              </a:lnSpc>
+              <a:spcBef>
+                <a:spcPct val="0"/>
+              </a:spcBef>
+              <a:spcAft>
+                <a:spcPct val="0"/>
+              </a:spcAft>
+              <a:buClrTx/>
+              <a:buSzTx/>
+              <a:buFontTx/>
+              <a:buNone/>
+              <a:tabLst/>
+            </a:pPr>
+            <a:r>
+              <a:rPr kumimoji="0" lang="en-US" altLang="en-US" sz="1800" b="0" i="0" u="none" strike="noStrike" cap="none" normalizeH="0" baseline="0" dirty="0">
+                <a:ln>
+                  <a:noFill/>
+                </a:ln>
+                <a:solidFill>
+                  <a:srgbClr val="A9B7C6"/>
+                </a:solidFill>
+                <a:effectLst/>
+                <a:latin typeface="Courier New" panose="02070309020205020404" pitchFamily="49" charset="0"/>
+                <a:cs typeface="Courier New" panose="02070309020205020404" pitchFamily="49" charset="0"/>
+              </a:rPr>
+              <a:t>(-</a:t>
+            </a:r>
+            <a:r>
+              <a:rPr kumimoji="0" lang="en-US" altLang="en-US" sz="1800" b="0" i="0" u="none" strike="noStrike" cap="none" normalizeH="0" baseline="0" dirty="0">
+                <a:ln>
+                  <a:noFill/>
+                </a:ln>
+                <a:solidFill>
+                  <a:srgbClr val="6897BB"/>
+                </a:solidFill>
+                <a:effectLst/>
+                <a:latin typeface="Courier New" panose="02070309020205020404" pitchFamily="49" charset="0"/>
+                <a:cs typeface="Courier New" panose="02070309020205020404" pitchFamily="49" charset="0"/>
+              </a:rPr>
+              <a:t>100</a:t>
+            </a:r>
+            <a:r>
+              <a:rPr kumimoji="0" lang="en-US" altLang="en-US" sz="1800" b="0" i="0" u="none" strike="noStrike" cap="none" normalizeH="0" baseline="0" dirty="0">
+                <a:ln>
+                  <a:noFill/>
+                </a:ln>
+                <a:solidFill>
+                  <a:srgbClr val="CC7832"/>
+                </a:solidFill>
+                <a:effectLst/>
+                <a:latin typeface="Courier New" panose="02070309020205020404" pitchFamily="49" charset="0"/>
+                <a:cs typeface="Courier New" panose="02070309020205020404" pitchFamily="49" charset="0"/>
+              </a:rPr>
+              <a:t>, </a:t>
+            </a:r>
+            <a:r>
+              <a:rPr kumimoji="0" lang="en-US" altLang="en-US" sz="1800" b="0" i="0" u="none" strike="noStrike" cap="none" normalizeH="0" baseline="0" dirty="0">
+                <a:ln>
+                  <a:noFill/>
+                </a:ln>
+                <a:solidFill>
+                  <a:srgbClr val="6897BB"/>
+                </a:solidFill>
+                <a:effectLst/>
+                <a:latin typeface="Courier New" panose="02070309020205020404" pitchFamily="49" charset="0"/>
+                <a:cs typeface="Courier New" panose="02070309020205020404" pitchFamily="49" charset="0"/>
+              </a:rPr>
+              <a:t>100</a:t>
+            </a:r>
+            <a:r>
+              <a:rPr kumimoji="0" lang="en-US" altLang="en-US" sz="1800" b="0" i="0" u="none" strike="noStrike" cap="none" normalizeH="0" baseline="0" dirty="0">
+                <a:ln>
+                  <a:noFill/>
+                </a:ln>
+                <a:solidFill>
+                  <a:srgbClr val="A9B7C6"/>
+                </a:solidFill>
+                <a:effectLst/>
+                <a:latin typeface="Courier New" panose="02070309020205020404" pitchFamily="49" charset="0"/>
+                <a:cs typeface="Courier New" panose="02070309020205020404" pitchFamily="49" charset="0"/>
+              </a:rPr>
+              <a:t>)</a:t>
+            </a:r>
+            <a:endParaRPr kumimoji="0" lang="en-US" altLang="en-US" sz="1800" b="0" i="0" u="none" strike="noStrike" cap="none" normalizeH="0" baseline="0" dirty="0">
+              <a:ln>
+                <a:noFill/>
+              </a:ln>
+              <a:solidFill>
+                <a:schemeClr val="tx1"/>
+              </a:solidFill>
+              <a:effectLst/>
+              <a:latin typeface="Arial" panose="020B0604020202020204" pitchFamily="34" charset="0"/>
+            </a:endParaRPr>
+          </a:p>
+        </p:txBody>
+      </p:sp>
+      <p:sp>
+        <p:nvSpPr>
+          <p:cNvPr id="9" name="Rectangle 4">
+            <a:extLst>
+              <a:ext uri="{FF2B5EF4-FFF2-40B4-BE49-F238E27FC236}">
+                <a16:creationId xmlns:a16="http://schemas.microsoft.com/office/drawing/2014/main" id="{104B249F-4D68-4927-8BBB-30703AC2D7A5}"/>
+              </a:ext>
+            </a:extLst>
+          </p:cNvPr>
+          <p:cNvSpPr>
+            <a:spLocks noChangeArrowheads="1"/>
+          </p:cNvSpPr>
+          <p:nvPr/>
+        </p:nvSpPr>
+        <p:spPr bwMode="auto">
+          <a:xfrm>
+            <a:off x="7561015" y="3974126"/>
+            <a:ext cx="1730477" cy="369332"/>
+          </a:xfrm>
+          <a:prstGeom prst="rect">
+            <a:avLst/>
+          </a:prstGeom>
+          <a:solidFill>
+            <a:schemeClr val="bg1"/>
+          </a:solidFill>
+          <a:ln>
+            <a:noFill/>
+          </a:ln>
+          <a:effectLst/>
+        </p:spPr>
+        <p:txBody>
+          <a:bodyPr vert="horz" wrap="square" lIns="91440" tIns="45720" rIns="91440" bIns="45720" numCol="1" anchor="ctr" anchorCtr="0" compatLnSpc="1">
+            <a:prstTxWarp prst="textNoShape">
+              <a:avLst/>
+            </a:prstTxWarp>
+            <a:spAutoFit/>
+          </a:bodyPr>
+          <a:lstStyle/>
+          <a:p>
+            <a:pPr marL="0" marR="0" lvl="0" indent="0" algn="ctr" defTabSz="914400" rtl="0" eaLnBrk="0" fontAlgn="base" latinLnBrk="0" hangingPunct="0">
+              <a:lnSpc>
+                <a:spcPct val="100000"/>
+              </a:lnSpc>
+              <a:spcBef>
+                <a:spcPct val="0"/>
+              </a:spcBef>
+              <a:spcAft>
+                <a:spcPct val="0"/>
+              </a:spcAft>
+              <a:buClrTx/>
+              <a:buSzTx/>
+              <a:buFontTx/>
+              <a:buNone/>
+              <a:tabLst/>
+            </a:pPr>
+            <a:r>
+              <a:rPr kumimoji="0" lang="en-US" altLang="en-US" sz="1800" b="0" i="0" u="none" strike="noStrike" cap="none" normalizeH="0" baseline="0" dirty="0">
+                <a:ln>
+                  <a:noFill/>
+                </a:ln>
+                <a:solidFill>
+                  <a:srgbClr val="A9B7C6"/>
+                </a:solidFill>
+                <a:effectLst/>
+                <a:latin typeface="Courier New" panose="02070309020205020404" pitchFamily="49" charset="0"/>
+                <a:cs typeface="Courier New" panose="02070309020205020404" pitchFamily="49" charset="0"/>
+              </a:rPr>
+              <a:t>(</a:t>
+            </a:r>
+            <a:r>
+              <a:rPr kumimoji="0" lang="en-US" altLang="en-US" sz="1800" b="0" i="0" u="none" strike="noStrike" cap="none" normalizeH="0" baseline="0" dirty="0">
+                <a:ln>
+                  <a:noFill/>
+                </a:ln>
+                <a:solidFill>
+                  <a:srgbClr val="6897BB"/>
+                </a:solidFill>
+                <a:effectLst/>
+                <a:latin typeface="Courier New" panose="02070309020205020404" pitchFamily="49" charset="0"/>
+                <a:cs typeface="Courier New" panose="02070309020205020404" pitchFamily="49" charset="0"/>
+              </a:rPr>
+              <a:t>100</a:t>
+            </a:r>
+            <a:r>
+              <a:rPr kumimoji="0" lang="en-US" altLang="en-US" sz="1800" b="0" i="0" u="none" strike="noStrike" cap="none" normalizeH="0" baseline="0" dirty="0">
+                <a:ln>
+                  <a:noFill/>
+                </a:ln>
+                <a:solidFill>
+                  <a:srgbClr val="CC7832"/>
+                </a:solidFill>
+                <a:effectLst/>
+                <a:latin typeface="Courier New" panose="02070309020205020404" pitchFamily="49" charset="0"/>
+                <a:cs typeface="Courier New" panose="02070309020205020404" pitchFamily="49" charset="0"/>
+              </a:rPr>
+              <a:t>, </a:t>
+            </a:r>
+            <a:r>
+              <a:rPr kumimoji="0" lang="en-US" altLang="en-US" sz="1800" b="0" i="0" u="none" strike="noStrike" cap="none" normalizeH="0" baseline="0" dirty="0">
+                <a:ln>
+                  <a:noFill/>
+                </a:ln>
+                <a:solidFill>
+                  <a:srgbClr val="A9B7C6"/>
+                </a:solidFill>
+                <a:effectLst/>
+                <a:latin typeface="Courier New" panose="02070309020205020404" pitchFamily="49" charset="0"/>
+                <a:cs typeface="Courier New" panose="02070309020205020404" pitchFamily="49" charset="0"/>
+              </a:rPr>
+              <a:t>-</a:t>
+            </a:r>
+            <a:r>
+              <a:rPr kumimoji="0" lang="en-US" altLang="en-US" sz="1800" b="0" i="0" u="none" strike="noStrike" cap="none" normalizeH="0" baseline="0" dirty="0">
+                <a:ln>
+                  <a:noFill/>
+                </a:ln>
+                <a:solidFill>
+                  <a:srgbClr val="6897BB"/>
+                </a:solidFill>
+                <a:effectLst/>
+                <a:latin typeface="Courier New" panose="02070309020205020404" pitchFamily="49" charset="0"/>
+                <a:cs typeface="Courier New" panose="02070309020205020404" pitchFamily="49" charset="0"/>
+              </a:rPr>
+              <a:t>100</a:t>
+            </a:r>
+            <a:r>
+              <a:rPr kumimoji="0" lang="en-US" altLang="en-US" sz="1800" b="0" i="0" u="none" strike="noStrike" cap="none" normalizeH="0" baseline="0" dirty="0">
+                <a:ln>
+                  <a:noFill/>
+                </a:ln>
+                <a:solidFill>
+                  <a:srgbClr val="A9B7C6"/>
+                </a:solidFill>
+                <a:effectLst/>
+                <a:latin typeface="Courier New" panose="02070309020205020404" pitchFamily="49" charset="0"/>
+                <a:cs typeface="Courier New" panose="02070309020205020404" pitchFamily="49" charset="0"/>
+              </a:rPr>
+              <a:t>)</a:t>
+            </a:r>
+            <a:endParaRPr kumimoji="0" lang="en-US" altLang="en-US" sz="1800" b="0" i="0" u="none" strike="noStrike" cap="none" normalizeH="0" baseline="0" dirty="0">
+              <a:ln>
+                <a:noFill/>
+              </a:ln>
+              <a:solidFill>
+                <a:schemeClr val="tx1"/>
+              </a:solidFill>
+              <a:effectLst/>
+              <a:latin typeface="Arial" panose="020B0604020202020204" pitchFamily="34" charset="0"/>
+            </a:endParaRPr>
+          </a:p>
+        </p:txBody>
+      </p:sp>
+      <p:sp>
+        <p:nvSpPr>
+          <p:cNvPr id="10" name="Rectangle 5">
+            <a:extLst>
+              <a:ext uri="{FF2B5EF4-FFF2-40B4-BE49-F238E27FC236}">
+                <a16:creationId xmlns:a16="http://schemas.microsoft.com/office/drawing/2014/main" id="{E459CB46-7C31-47CA-A191-C1116844A101}"/>
+              </a:ext>
+            </a:extLst>
+          </p:cNvPr>
+          <p:cNvSpPr>
+            <a:spLocks noChangeArrowheads="1"/>
+          </p:cNvSpPr>
+          <p:nvPr/>
+        </p:nvSpPr>
+        <p:spPr bwMode="auto">
+          <a:xfrm>
+            <a:off x="3048000" y="1661876"/>
+            <a:ext cx="6096000" cy="369332"/>
+          </a:xfrm>
+          <a:prstGeom prst="rect">
+            <a:avLst/>
+          </a:prstGeom>
+          <a:solidFill>
+            <a:srgbClr val="2B2B2B"/>
+          </a:solidFill>
+          <a:ln>
+            <a:noFill/>
+          </a:ln>
+          <a:effectLst/>
+          <a:extLst>
+            <a:ext uri="{91240B29-F687-4F45-9708-019B960494DF}">
+              <a14:hiddenLine xmlns:a14="http://schemas.microsoft.com/office/drawing/2010/main" w="9525">
+                <a:solidFill>
+                  <a:schemeClr val="tx1"/>
+                </a:solidFill>
+                <a:miter lim="800000"/>
+                <a:headEnd/>
+                <a:tailEnd/>
+              </a14:hiddenLine>
+            </a:ext>
+            <a:ext uri="{AF507438-7753-43E0-B8FC-AC1667EBCBE1}">
+              <a14:hiddenEffects xmlns:a14="http://schemas.microsoft.com/office/drawing/2010/main">
+                <a:effectLst>
+                  <a:outerShdw dist="35921" dir="2700000" algn="ctr" rotWithShape="0">
+                    <a:schemeClr val="bg2"/>
+                  </a:outerShdw>
+                </a:effectLst>
+              </a14:hiddenEffects>
+            </a:ext>
+          </a:extLst>
+        </p:spPr>
+        <p:txBody>
+          <a:bodyPr vert="horz" wrap="square" lIns="91440" tIns="45720" rIns="91440" bIns="45720" numCol="1" anchor="ctr" anchorCtr="0" compatLnSpc="1">
+            <a:prstTxWarp prst="textNoShape">
+              <a:avLst/>
+            </a:prstTxWarp>
+            <a:spAutoFit/>
+          </a:bodyPr>
+          <a:lstStyle/>
+          <a:p>
+            <a:pPr marL="0" marR="0" lvl="0" indent="0" algn="l" defTabSz="914400" rtl="0" eaLnBrk="0" fontAlgn="base" latinLnBrk="0" hangingPunct="0">
+              <a:lnSpc>
+                <a:spcPct val="100000"/>
+              </a:lnSpc>
+              <a:spcBef>
+                <a:spcPct val="0"/>
+              </a:spcBef>
+              <a:spcAft>
+                <a:spcPct val="0"/>
+              </a:spcAft>
+              <a:buClrTx/>
+              <a:buSzTx/>
+              <a:buFontTx/>
+              <a:buNone/>
+              <a:tabLst/>
+            </a:pPr>
+            <a:r>
+              <a:rPr kumimoji="0" lang="en-US" altLang="en-US" sz="1800" b="0" i="0" u="none" strike="noStrike" cap="none" normalizeH="0" baseline="0" dirty="0" err="1">
+                <a:ln>
+                  <a:noFill/>
+                </a:ln>
+                <a:solidFill>
+                  <a:srgbClr val="A9B7C6"/>
+                </a:solidFill>
+                <a:effectLst/>
+                <a:latin typeface="Courier New" panose="02070309020205020404" pitchFamily="49" charset="0"/>
+                <a:cs typeface="Courier New" panose="02070309020205020404" pitchFamily="49" charset="0"/>
+              </a:rPr>
+              <a:t>robot.drive_wheels</a:t>
+            </a:r>
+            <a:r>
+              <a:rPr kumimoji="0" lang="en-US" altLang="en-US" sz="1800" b="0" i="0" u="none" strike="noStrike" cap="none" normalizeH="0" baseline="0" dirty="0">
+                <a:ln>
+                  <a:noFill/>
+                </a:ln>
+                <a:solidFill>
+                  <a:srgbClr val="A9B7C6"/>
+                </a:solidFill>
+                <a:effectLst/>
+                <a:latin typeface="Courier New" panose="02070309020205020404" pitchFamily="49" charset="0"/>
+                <a:cs typeface="Courier New" panose="02070309020205020404" pitchFamily="49" charset="0"/>
+              </a:rPr>
+              <a:t>(</a:t>
+            </a:r>
+            <a:r>
+              <a:rPr kumimoji="0" lang="en-US" altLang="en-US" sz="1800" b="0" i="0" u="none" strike="noStrike" cap="none" normalizeH="0" baseline="0" dirty="0" err="1">
+                <a:ln>
+                  <a:noFill/>
+                </a:ln>
+                <a:solidFill>
+                  <a:srgbClr val="A9B7C6"/>
+                </a:solidFill>
+                <a:effectLst/>
+                <a:latin typeface="Courier New" panose="02070309020205020404" pitchFamily="49" charset="0"/>
+                <a:cs typeface="Courier New" panose="02070309020205020404" pitchFamily="49" charset="0"/>
+              </a:rPr>
+              <a:t>left_speed</a:t>
+            </a:r>
+            <a:r>
+              <a:rPr kumimoji="0" lang="en-US" altLang="en-US" sz="1800" b="0" i="0" u="none" strike="noStrike" cap="none" normalizeH="0" baseline="0" dirty="0">
+                <a:ln>
+                  <a:noFill/>
+                </a:ln>
+                <a:solidFill>
+                  <a:srgbClr val="CC7832"/>
+                </a:solidFill>
+                <a:effectLst/>
+                <a:latin typeface="Courier New" panose="02070309020205020404" pitchFamily="49" charset="0"/>
+                <a:cs typeface="Courier New" panose="02070309020205020404" pitchFamily="49" charset="0"/>
+              </a:rPr>
+              <a:t>, </a:t>
+            </a:r>
+            <a:r>
+              <a:rPr kumimoji="0" lang="en-US" altLang="en-US" sz="1800" b="0" i="0" u="none" strike="noStrike" cap="none" normalizeH="0" baseline="0" dirty="0" err="1">
+                <a:ln>
+                  <a:noFill/>
+                </a:ln>
+                <a:solidFill>
+                  <a:srgbClr val="A9B7C6"/>
+                </a:solidFill>
+                <a:effectLst/>
+                <a:latin typeface="Courier New" panose="02070309020205020404" pitchFamily="49" charset="0"/>
+                <a:cs typeface="Courier New" panose="02070309020205020404" pitchFamily="49" charset="0"/>
+              </a:rPr>
+              <a:t>right_speed</a:t>
+            </a:r>
+            <a:r>
+              <a:rPr kumimoji="0" lang="en-US" altLang="en-US" sz="1800" b="0" i="0" u="none" strike="noStrike" cap="none" normalizeH="0" baseline="0" dirty="0">
+                <a:ln>
+                  <a:noFill/>
+                </a:ln>
+                <a:solidFill>
+                  <a:srgbClr val="A9B7C6"/>
+                </a:solidFill>
+                <a:effectLst/>
+                <a:latin typeface="Courier New" panose="02070309020205020404" pitchFamily="49" charset="0"/>
+                <a:cs typeface="Courier New" panose="02070309020205020404" pitchFamily="49" charset="0"/>
+              </a:rPr>
+              <a:t>)</a:t>
+            </a:r>
+            <a:endParaRPr kumimoji="0" lang="en-US" altLang="en-US" sz="1800" b="0" i="0" u="none" strike="noStrike" cap="none" normalizeH="0" baseline="0" dirty="0">
+              <a:ln>
+                <a:noFill/>
+              </a:ln>
+              <a:solidFill>
+                <a:schemeClr val="tx1"/>
+              </a:solidFill>
+              <a:effectLst/>
+              <a:latin typeface="Arial" panose="020B0604020202020204" pitchFamily="34" charset="0"/>
+            </a:endParaRPr>
+          </a:p>
+        </p:txBody>
+      </p:sp>
+      <p:sp>
+        <p:nvSpPr>
+          <p:cNvPr id="11" name="Rectangle 6">
+            <a:extLst>
+              <a:ext uri="{FF2B5EF4-FFF2-40B4-BE49-F238E27FC236}">
+                <a16:creationId xmlns:a16="http://schemas.microsoft.com/office/drawing/2014/main" id="{16B946B5-F22C-4C16-9B3B-BED07A288BDC}"/>
+              </a:ext>
+            </a:extLst>
+          </p:cNvPr>
+          <p:cNvSpPr>
+            <a:spLocks noChangeArrowheads="1"/>
+          </p:cNvSpPr>
+          <p:nvPr/>
+        </p:nvSpPr>
+        <p:spPr bwMode="auto">
+          <a:xfrm>
+            <a:off x="3535073" y="2996147"/>
+            <a:ext cx="1494503" cy="369332"/>
+          </a:xfrm>
+          <a:prstGeom prst="rect">
+            <a:avLst/>
+          </a:prstGeom>
+          <a:solidFill>
+            <a:schemeClr val="bg1"/>
+          </a:solidFill>
+          <a:ln>
+            <a:noFill/>
+          </a:ln>
+          <a:effectLst/>
+        </p:spPr>
+        <p:txBody>
+          <a:bodyPr vert="horz" wrap="square" lIns="91440" tIns="45720" rIns="91440" bIns="45720" numCol="1" anchor="ctr" anchorCtr="0" compatLnSpc="1">
+            <a:prstTxWarp prst="textNoShape">
+              <a:avLst/>
+            </a:prstTxWarp>
+            <a:spAutoFit/>
+          </a:bodyPr>
+          <a:lstStyle/>
+          <a:p>
+            <a:pPr marL="0" marR="0" lvl="0" indent="0" algn="ctr" defTabSz="914400" rtl="0" eaLnBrk="0" fontAlgn="base" latinLnBrk="0" hangingPunct="0">
+              <a:lnSpc>
+                <a:spcPct val="100000"/>
+              </a:lnSpc>
+              <a:spcBef>
+                <a:spcPct val="0"/>
+              </a:spcBef>
+              <a:spcAft>
+                <a:spcPct val="0"/>
+              </a:spcAft>
+              <a:buClrTx/>
+              <a:buSzTx/>
+              <a:buFontTx/>
+              <a:buNone/>
+              <a:tabLst/>
+            </a:pPr>
+            <a:r>
+              <a:rPr kumimoji="0" lang="en-US" altLang="en-US" sz="1800" b="0" i="0" u="none" strike="noStrike" cap="none" normalizeH="0" baseline="0" dirty="0">
+                <a:ln>
+                  <a:noFill/>
+                </a:ln>
+                <a:solidFill>
+                  <a:srgbClr val="A9B7C6"/>
+                </a:solidFill>
+                <a:effectLst/>
+                <a:latin typeface="Courier New" panose="02070309020205020404" pitchFamily="49" charset="0"/>
+                <a:cs typeface="Courier New" panose="02070309020205020404" pitchFamily="49" charset="0"/>
+              </a:rPr>
+              <a:t>(</a:t>
+            </a:r>
+            <a:r>
+              <a:rPr kumimoji="0" lang="en-US" altLang="en-US" sz="1800" b="0" i="0" u="none" strike="noStrike" cap="none" normalizeH="0" baseline="0" dirty="0">
+                <a:ln>
+                  <a:noFill/>
+                </a:ln>
+                <a:solidFill>
+                  <a:srgbClr val="6897BB"/>
+                </a:solidFill>
+                <a:effectLst/>
+                <a:latin typeface="Courier New" panose="02070309020205020404" pitchFamily="49" charset="0"/>
+                <a:cs typeface="Courier New" panose="02070309020205020404" pitchFamily="49" charset="0"/>
+              </a:rPr>
+              <a:t>50</a:t>
+            </a:r>
+            <a:r>
+              <a:rPr kumimoji="0" lang="en-US" altLang="en-US" sz="1800" b="0" i="0" u="none" strike="noStrike" cap="none" normalizeH="0" baseline="0" dirty="0">
+                <a:ln>
+                  <a:noFill/>
+                </a:ln>
+                <a:solidFill>
+                  <a:srgbClr val="CC7832"/>
+                </a:solidFill>
+                <a:effectLst/>
+                <a:latin typeface="Courier New" panose="02070309020205020404" pitchFamily="49" charset="0"/>
+                <a:cs typeface="Courier New" panose="02070309020205020404" pitchFamily="49" charset="0"/>
+              </a:rPr>
+              <a:t>, </a:t>
+            </a:r>
+            <a:r>
+              <a:rPr kumimoji="0" lang="en-US" altLang="en-US" sz="1800" b="0" i="0" u="none" strike="noStrike" cap="none" normalizeH="0" baseline="0" dirty="0">
+                <a:ln>
+                  <a:noFill/>
+                </a:ln>
+                <a:solidFill>
+                  <a:srgbClr val="6897BB"/>
+                </a:solidFill>
+                <a:effectLst/>
+                <a:latin typeface="Courier New" panose="02070309020205020404" pitchFamily="49" charset="0"/>
+                <a:cs typeface="Courier New" panose="02070309020205020404" pitchFamily="49" charset="0"/>
+              </a:rPr>
+              <a:t>100</a:t>
+            </a:r>
+            <a:r>
+              <a:rPr kumimoji="0" lang="en-US" altLang="en-US" sz="1800" b="0" i="0" u="none" strike="noStrike" cap="none" normalizeH="0" baseline="0" dirty="0">
+                <a:ln>
+                  <a:noFill/>
+                </a:ln>
+                <a:solidFill>
+                  <a:srgbClr val="A9B7C6"/>
+                </a:solidFill>
+                <a:effectLst/>
+                <a:latin typeface="Courier New" panose="02070309020205020404" pitchFamily="49" charset="0"/>
+                <a:cs typeface="Courier New" panose="02070309020205020404" pitchFamily="49" charset="0"/>
+              </a:rPr>
+              <a:t>)</a:t>
+            </a:r>
+            <a:endParaRPr kumimoji="0" lang="en-US" altLang="en-US" sz="1800" b="0" i="0" u="none" strike="noStrike" cap="none" normalizeH="0" baseline="0" dirty="0">
+              <a:ln>
+                <a:noFill/>
+              </a:ln>
+              <a:solidFill>
+                <a:schemeClr val="tx1"/>
+              </a:solidFill>
+              <a:effectLst/>
+              <a:latin typeface="Arial" panose="020B0604020202020204" pitchFamily="34" charset="0"/>
+            </a:endParaRPr>
+          </a:p>
+        </p:txBody>
+      </p:sp>
+      <p:sp>
+        <p:nvSpPr>
+          <p:cNvPr id="12" name="Rectangle 7">
+            <a:extLst>
+              <a:ext uri="{FF2B5EF4-FFF2-40B4-BE49-F238E27FC236}">
+                <a16:creationId xmlns:a16="http://schemas.microsoft.com/office/drawing/2014/main" id="{007628DF-D51B-4670-9125-322EA04CC1CA}"/>
+              </a:ext>
+            </a:extLst>
+          </p:cNvPr>
+          <p:cNvSpPr>
+            <a:spLocks noChangeArrowheads="1"/>
+          </p:cNvSpPr>
+          <p:nvPr/>
+        </p:nvSpPr>
+        <p:spPr bwMode="auto">
+          <a:xfrm>
+            <a:off x="7057614" y="2963778"/>
+            <a:ext cx="1412542" cy="369332"/>
+          </a:xfrm>
+          <a:prstGeom prst="rect">
+            <a:avLst/>
+          </a:prstGeom>
+          <a:solidFill>
+            <a:schemeClr val="bg1"/>
+          </a:solidFill>
+          <a:ln>
+            <a:noFill/>
+          </a:ln>
+          <a:effectLst/>
+        </p:spPr>
+        <p:txBody>
+          <a:bodyPr vert="horz" wrap="square" lIns="91440" tIns="45720" rIns="91440" bIns="45720" numCol="1" anchor="ctr" anchorCtr="0" compatLnSpc="1">
+            <a:prstTxWarp prst="textNoShape">
+              <a:avLst/>
+            </a:prstTxWarp>
+            <a:spAutoFit/>
+          </a:bodyPr>
+          <a:lstStyle/>
+          <a:p>
+            <a:pPr marL="0" marR="0" lvl="0" indent="0" algn="ctr" defTabSz="914400" rtl="0" eaLnBrk="0" fontAlgn="base" latinLnBrk="0" hangingPunct="0">
+              <a:lnSpc>
+                <a:spcPct val="100000"/>
+              </a:lnSpc>
+              <a:spcBef>
+                <a:spcPct val="0"/>
+              </a:spcBef>
+              <a:spcAft>
+                <a:spcPct val="0"/>
+              </a:spcAft>
+              <a:buClrTx/>
+              <a:buSzTx/>
+              <a:buFontTx/>
+              <a:buNone/>
+              <a:tabLst/>
+            </a:pPr>
+            <a:r>
+              <a:rPr kumimoji="0" lang="en-US" altLang="en-US" sz="1800" b="0" i="0" u="none" strike="noStrike" cap="none" normalizeH="0" baseline="0" dirty="0">
+                <a:ln>
+                  <a:noFill/>
+                </a:ln>
+                <a:solidFill>
+                  <a:srgbClr val="A9B7C6"/>
+                </a:solidFill>
+                <a:effectLst/>
+                <a:latin typeface="Courier New" panose="02070309020205020404" pitchFamily="49" charset="0"/>
+                <a:cs typeface="Courier New" panose="02070309020205020404" pitchFamily="49" charset="0"/>
+              </a:rPr>
+              <a:t>(</a:t>
+            </a:r>
+            <a:r>
+              <a:rPr kumimoji="0" lang="en-US" altLang="en-US" sz="1800" b="0" i="0" u="none" strike="noStrike" cap="none" normalizeH="0" baseline="0" dirty="0">
+                <a:ln>
+                  <a:noFill/>
+                </a:ln>
+                <a:solidFill>
+                  <a:srgbClr val="6897BB"/>
+                </a:solidFill>
+                <a:effectLst/>
+                <a:latin typeface="Courier New" panose="02070309020205020404" pitchFamily="49" charset="0"/>
+                <a:cs typeface="Courier New" panose="02070309020205020404" pitchFamily="49" charset="0"/>
+              </a:rPr>
+              <a:t>100</a:t>
+            </a:r>
+            <a:r>
+              <a:rPr kumimoji="0" lang="en-US" altLang="en-US" sz="1800" b="0" i="0" u="none" strike="noStrike" cap="none" normalizeH="0" baseline="0" dirty="0">
+                <a:ln>
+                  <a:noFill/>
+                </a:ln>
+                <a:solidFill>
+                  <a:srgbClr val="CC7832"/>
+                </a:solidFill>
+                <a:effectLst/>
+                <a:latin typeface="Courier New" panose="02070309020205020404" pitchFamily="49" charset="0"/>
+                <a:cs typeface="Courier New" panose="02070309020205020404" pitchFamily="49" charset="0"/>
+              </a:rPr>
+              <a:t>, </a:t>
+            </a:r>
+            <a:r>
+              <a:rPr kumimoji="0" lang="en-US" altLang="en-US" sz="1800" b="0" i="0" u="none" strike="noStrike" cap="none" normalizeH="0" baseline="0" dirty="0">
+                <a:ln>
+                  <a:noFill/>
+                </a:ln>
+                <a:solidFill>
+                  <a:srgbClr val="6897BB"/>
+                </a:solidFill>
+                <a:effectLst/>
+                <a:latin typeface="Courier New" panose="02070309020205020404" pitchFamily="49" charset="0"/>
+                <a:cs typeface="Courier New" panose="02070309020205020404" pitchFamily="49" charset="0"/>
+              </a:rPr>
+              <a:t>50</a:t>
+            </a:r>
+            <a:r>
+              <a:rPr kumimoji="0" lang="en-US" altLang="en-US" sz="1800" b="0" i="0" u="none" strike="noStrike" cap="none" normalizeH="0" baseline="0" dirty="0">
+                <a:ln>
+                  <a:noFill/>
+                </a:ln>
+                <a:solidFill>
+                  <a:srgbClr val="A9B7C6"/>
+                </a:solidFill>
+                <a:effectLst/>
+                <a:latin typeface="Courier New" panose="02070309020205020404" pitchFamily="49" charset="0"/>
+                <a:cs typeface="Courier New" panose="02070309020205020404" pitchFamily="49" charset="0"/>
+              </a:rPr>
+              <a:t>)</a:t>
+            </a:r>
+            <a:endParaRPr kumimoji="0" lang="en-US" altLang="en-US" sz="1800" b="0" i="0" u="none" strike="noStrike" cap="none" normalizeH="0" baseline="0" dirty="0">
+              <a:ln>
+                <a:noFill/>
+              </a:ln>
+              <a:solidFill>
+                <a:schemeClr val="tx1"/>
+              </a:solidFill>
+              <a:effectLst/>
+              <a:latin typeface="Arial" panose="020B0604020202020204" pitchFamily="34" charset="0"/>
+            </a:endParaRPr>
+          </a:p>
+        </p:txBody>
+      </p:sp>
+      <p:sp>
+        <p:nvSpPr>
+          <p:cNvPr id="13" name="Rectangle 8">
+            <a:extLst>
+              <a:ext uri="{FF2B5EF4-FFF2-40B4-BE49-F238E27FC236}">
+                <a16:creationId xmlns:a16="http://schemas.microsoft.com/office/drawing/2014/main" id="{DC39A6BB-2CBD-412A-A7DB-03D6A7A0A498}"/>
+              </a:ext>
+            </a:extLst>
+          </p:cNvPr>
+          <p:cNvSpPr>
+            <a:spLocks noChangeArrowheads="1"/>
+          </p:cNvSpPr>
+          <p:nvPr/>
+        </p:nvSpPr>
+        <p:spPr bwMode="auto">
+          <a:xfrm>
+            <a:off x="3332670" y="4952105"/>
+            <a:ext cx="1732917" cy="369332"/>
+          </a:xfrm>
+          <a:prstGeom prst="rect">
+            <a:avLst/>
+          </a:prstGeom>
+          <a:solidFill>
+            <a:schemeClr val="bg1"/>
+          </a:solidFill>
+          <a:ln>
+            <a:noFill/>
+          </a:ln>
+          <a:effectLst/>
+        </p:spPr>
+        <p:txBody>
+          <a:bodyPr vert="horz" wrap="square" lIns="91440" tIns="45720" rIns="91440" bIns="45720" numCol="1" anchor="ctr" anchorCtr="0" compatLnSpc="1">
+            <a:prstTxWarp prst="textNoShape">
+              <a:avLst/>
+            </a:prstTxWarp>
+            <a:spAutoFit/>
+          </a:bodyPr>
+          <a:lstStyle/>
+          <a:p>
+            <a:pPr marL="0" marR="0" lvl="0" indent="0" algn="ctr" defTabSz="914400" rtl="0" eaLnBrk="0" fontAlgn="base" latinLnBrk="0" hangingPunct="0">
+              <a:lnSpc>
+                <a:spcPct val="100000"/>
+              </a:lnSpc>
+              <a:spcBef>
+                <a:spcPct val="0"/>
+              </a:spcBef>
+              <a:spcAft>
+                <a:spcPct val="0"/>
+              </a:spcAft>
+              <a:buClrTx/>
+              <a:buSzTx/>
+              <a:buFontTx/>
+              <a:buNone/>
+              <a:tabLst/>
+            </a:pPr>
+            <a:r>
+              <a:rPr kumimoji="0" lang="en-US" altLang="en-US" sz="1800" b="0" i="0" u="none" strike="noStrike" cap="none" normalizeH="0" baseline="0" dirty="0">
+                <a:ln>
+                  <a:noFill/>
+                </a:ln>
+                <a:solidFill>
+                  <a:srgbClr val="A9B7C6"/>
+                </a:solidFill>
+                <a:effectLst/>
+                <a:latin typeface="Courier New" panose="02070309020205020404" pitchFamily="49" charset="0"/>
+                <a:cs typeface="Courier New" panose="02070309020205020404" pitchFamily="49" charset="0"/>
+              </a:rPr>
+              <a:t>(-</a:t>
+            </a:r>
+            <a:r>
+              <a:rPr kumimoji="0" lang="en-US" altLang="en-US" sz="1800" b="0" i="0" u="none" strike="noStrike" cap="none" normalizeH="0" baseline="0" dirty="0">
+                <a:ln>
+                  <a:noFill/>
+                </a:ln>
+                <a:solidFill>
+                  <a:srgbClr val="6897BB"/>
+                </a:solidFill>
+                <a:effectLst/>
+                <a:latin typeface="Courier New" panose="02070309020205020404" pitchFamily="49" charset="0"/>
+                <a:cs typeface="Courier New" panose="02070309020205020404" pitchFamily="49" charset="0"/>
+              </a:rPr>
+              <a:t>50</a:t>
+            </a:r>
+            <a:r>
+              <a:rPr kumimoji="0" lang="en-US" altLang="en-US" sz="1800" b="0" i="0" u="none" strike="noStrike" cap="none" normalizeH="0" baseline="0" dirty="0">
+                <a:ln>
+                  <a:noFill/>
+                </a:ln>
+                <a:solidFill>
+                  <a:srgbClr val="CC7832"/>
+                </a:solidFill>
+                <a:effectLst/>
+                <a:latin typeface="Courier New" panose="02070309020205020404" pitchFamily="49" charset="0"/>
+                <a:cs typeface="Courier New" panose="02070309020205020404" pitchFamily="49" charset="0"/>
+              </a:rPr>
+              <a:t>, </a:t>
+            </a:r>
+            <a:r>
+              <a:rPr kumimoji="0" lang="en-US" altLang="en-US" sz="1800" b="0" i="0" u="none" strike="noStrike" cap="none" normalizeH="0" baseline="0" dirty="0">
+                <a:ln>
+                  <a:noFill/>
+                </a:ln>
+                <a:solidFill>
+                  <a:srgbClr val="A9B7C6"/>
+                </a:solidFill>
+                <a:effectLst/>
+                <a:latin typeface="Courier New" panose="02070309020205020404" pitchFamily="49" charset="0"/>
+                <a:cs typeface="Courier New" panose="02070309020205020404" pitchFamily="49" charset="0"/>
+              </a:rPr>
+              <a:t>-</a:t>
+            </a:r>
+            <a:r>
+              <a:rPr kumimoji="0" lang="en-US" altLang="en-US" sz="1800" b="0" i="0" u="none" strike="noStrike" cap="none" normalizeH="0" baseline="0" dirty="0">
+                <a:ln>
+                  <a:noFill/>
+                </a:ln>
+                <a:solidFill>
+                  <a:srgbClr val="6897BB"/>
+                </a:solidFill>
+                <a:effectLst/>
+                <a:latin typeface="Courier New" panose="02070309020205020404" pitchFamily="49" charset="0"/>
+                <a:cs typeface="Courier New" panose="02070309020205020404" pitchFamily="49" charset="0"/>
+              </a:rPr>
+              <a:t>100</a:t>
+            </a:r>
+            <a:r>
+              <a:rPr kumimoji="0" lang="en-US" altLang="en-US" sz="1800" b="0" i="0" u="none" strike="noStrike" cap="none" normalizeH="0" baseline="0" dirty="0">
+                <a:ln>
+                  <a:noFill/>
+                </a:ln>
+                <a:solidFill>
+                  <a:srgbClr val="A9B7C6"/>
+                </a:solidFill>
+                <a:effectLst/>
+                <a:latin typeface="Courier New" panose="02070309020205020404" pitchFamily="49" charset="0"/>
+                <a:cs typeface="Courier New" panose="02070309020205020404" pitchFamily="49" charset="0"/>
+              </a:rPr>
+              <a:t>)</a:t>
+            </a:r>
+            <a:endParaRPr kumimoji="0" lang="en-US" altLang="en-US" sz="1800" b="0" i="0" u="none" strike="noStrike" cap="none" normalizeH="0" baseline="0" dirty="0">
+              <a:ln>
+                <a:noFill/>
+              </a:ln>
+              <a:solidFill>
+                <a:schemeClr val="tx1"/>
+              </a:solidFill>
+              <a:effectLst/>
+              <a:latin typeface="Arial" panose="020B0604020202020204" pitchFamily="34" charset="0"/>
+            </a:endParaRPr>
+          </a:p>
+        </p:txBody>
+      </p:sp>
+      <p:sp>
+        <p:nvSpPr>
+          <p:cNvPr id="14" name="Rectangle 9">
+            <a:extLst>
+              <a:ext uri="{FF2B5EF4-FFF2-40B4-BE49-F238E27FC236}">
+                <a16:creationId xmlns:a16="http://schemas.microsoft.com/office/drawing/2014/main" id="{C2A5864A-1844-4EB8-BD86-F43D75822BE2}"/>
+              </a:ext>
+            </a:extLst>
+          </p:cNvPr>
+          <p:cNvSpPr>
+            <a:spLocks noChangeArrowheads="1"/>
+          </p:cNvSpPr>
+          <p:nvPr/>
+        </p:nvSpPr>
+        <p:spPr bwMode="auto">
+          <a:xfrm>
+            <a:off x="7126415" y="4931118"/>
+            <a:ext cx="1759974" cy="369332"/>
+          </a:xfrm>
+          <a:prstGeom prst="rect">
+            <a:avLst/>
+          </a:prstGeom>
+          <a:solidFill>
+            <a:schemeClr val="bg1"/>
+          </a:solidFill>
+          <a:ln>
+            <a:noFill/>
+          </a:ln>
+          <a:effectLst/>
+        </p:spPr>
+        <p:txBody>
+          <a:bodyPr vert="horz" wrap="square" lIns="91440" tIns="45720" rIns="91440" bIns="45720" numCol="1" anchor="ctr" anchorCtr="0" compatLnSpc="1">
+            <a:prstTxWarp prst="textNoShape">
+              <a:avLst/>
+            </a:prstTxWarp>
+            <a:spAutoFit/>
+          </a:bodyPr>
+          <a:lstStyle/>
+          <a:p>
+            <a:pPr marL="0" marR="0" lvl="0" indent="0" algn="ctr" defTabSz="914400" rtl="0" eaLnBrk="0" fontAlgn="base" latinLnBrk="0" hangingPunct="0">
+              <a:lnSpc>
+                <a:spcPct val="100000"/>
+              </a:lnSpc>
+              <a:spcBef>
+                <a:spcPct val="0"/>
+              </a:spcBef>
+              <a:spcAft>
+                <a:spcPct val="0"/>
+              </a:spcAft>
+              <a:buClrTx/>
+              <a:buSzTx/>
+              <a:buFontTx/>
+              <a:buNone/>
+              <a:tabLst/>
+            </a:pPr>
+            <a:r>
+              <a:rPr kumimoji="0" lang="en-US" altLang="en-US" sz="1800" b="0" i="0" u="none" strike="noStrike" cap="none" normalizeH="0" baseline="0" dirty="0">
+                <a:ln>
+                  <a:noFill/>
+                </a:ln>
+                <a:solidFill>
+                  <a:srgbClr val="A9B7C6"/>
+                </a:solidFill>
+                <a:effectLst/>
+                <a:latin typeface="Courier New" panose="02070309020205020404" pitchFamily="49" charset="0"/>
+                <a:cs typeface="Courier New" panose="02070309020205020404" pitchFamily="49" charset="0"/>
+              </a:rPr>
+              <a:t>(-</a:t>
+            </a:r>
+            <a:r>
+              <a:rPr kumimoji="0" lang="en-US" altLang="en-US" sz="1800" b="0" i="0" u="none" strike="noStrike" cap="none" normalizeH="0" baseline="0" dirty="0">
+                <a:ln>
+                  <a:noFill/>
+                </a:ln>
+                <a:solidFill>
+                  <a:srgbClr val="6897BB"/>
+                </a:solidFill>
+                <a:effectLst/>
+                <a:latin typeface="Courier New" panose="02070309020205020404" pitchFamily="49" charset="0"/>
+                <a:cs typeface="Courier New" panose="02070309020205020404" pitchFamily="49" charset="0"/>
+              </a:rPr>
+              <a:t>100</a:t>
+            </a:r>
+            <a:r>
+              <a:rPr kumimoji="0" lang="en-US" altLang="en-US" sz="1800" b="0" i="0" u="none" strike="noStrike" cap="none" normalizeH="0" baseline="0" dirty="0">
+                <a:ln>
+                  <a:noFill/>
+                </a:ln>
+                <a:solidFill>
+                  <a:srgbClr val="CC7832"/>
+                </a:solidFill>
+                <a:effectLst/>
+                <a:latin typeface="Courier New" panose="02070309020205020404" pitchFamily="49" charset="0"/>
+                <a:cs typeface="Courier New" panose="02070309020205020404" pitchFamily="49" charset="0"/>
+              </a:rPr>
+              <a:t>, </a:t>
+            </a:r>
+            <a:r>
+              <a:rPr kumimoji="0" lang="en-US" altLang="en-US" sz="1800" b="0" i="0" u="none" strike="noStrike" cap="none" normalizeH="0" baseline="0" dirty="0">
+                <a:ln>
+                  <a:noFill/>
+                </a:ln>
+                <a:solidFill>
+                  <a:srgbClr val="A9B7C6"/>
+                </a:solidFill>
+                <a:effectLst/>
+                <a:latin typeface="Courier New" panose="02070309020205020404" pitchFamily="49" charset="0"/>
+                <a:cs typeface="Courier New" panose="02070309020205020404" pitchFamily="49" charset="0"/>
+              </a:rPr>
+              <a:t>-</a:t>
+            </a:r>
+            <a:r>
+              <a:rPr kumimoji="0" lang="en-US" altLang="en-US" sz="1800" b="0" i="0" u="none" strike="noStrike" cap="none" normalizeH="0" baseline="0" dirty="0">
+                <a:ln>
+                  <a:noFill/>
+                </a:ln>
+                <a:solidFill>
+                  <a:srgbClr val="6897BB"/>
+                </a:solidFill>
+                <a:effectLst/>
+                <a:latin typeface="Courier New" panose="02070309020205020404" pitchFamily="49" charset="0"/>
+                <a:cs typeface="Courier New" panose="02070309020205020404" pitchFamily="49" charset="0"/>
+              </a:rPr>
+              <a:t>50</a:t>
+            </a:r>
+            <a:r>
+              <a:rPr kumimoji="0" lang="en-US" altLang="en-US" sz="1800" b="0" i="0" u="none" strike="noStrike" cap="none" normalizeH="0" baseline="0" dirty="0">
+                <a:ln>
+                  <a:noFill/>
+                </a:ln>
+                <a:solidFill>
+                  <a:srgbClr val="A9B7C6"/>
+                </a:solidFill>
+                <a:effectLst/>
+                <a:latin typeface="Courier New" panose="02070309020205020404" pitchFamily="49" charset="0"/>
+                <a:cs typeface="Courier New" panose="02070309020205020404" pitchFamily="49" charset="0"/>
+              </a:rPr>
+              <a:t>)</a:t>
+            </a:r>
+            <a:endParaRPr kumimoji="0" lang="en-US" altLang="en-US" sz="1800" b="0" i="0" u="none" strike="noStrike" cap="none" normalizeH="0" baseline="0" dirty="0">
+              <a:ln>
+                <a:noFill/>
+              </a:ln>
+              <a:solidFill>
+                <a:schemeClr val="tx1"/>
+              </a:solidFill>
+              <a:effectLst/>
+              <a:latin typeface="Arial" panose="020B0604020202020204" pitchFamily="34" charset="0"/>
+            </a:endParaRPr>
+          </a:p>
+        </p:txBody>
+      </p:sp>
     </p:spTree>
     <p:extLst>
       <p:ext uri="{BB962C8B-B14F-4D97-AF65-F5344CB8AC3E}">

--- a/Xbox One Controller.pptx
+++ b/Xbox One Controller.pptx
@@ -6425,81 +6425,300 @@
           </a:p>
         </p:txBody>
       </p:sp>
-      <p:sp>
-        <p:nvSpPr>
-          <p:cNvPr id="3" name="Content Placeholder 2">
-            <a:extLst>
-              <a:ext uri="{FF2B5EF4-FFF2-40B4-BE49-F238E27FC236}">
-                <a16:creationId xmlns:a16="http://schemas.microsoft.com/office/drawing/2014/main" id="{69BB7EBA-3F57-4513-9B6E-03545F30BABE}"/>
-              </a:ext>
-            </a:extLst>
-          </p:cNvPr>
-          <p:cNvSpPr>
-            <a:spLocks noGrp="1"/>
-          </p:cNvSpPr>
-          <p:nvPr>
-            <p:ph idx="1"/>
-          </p:nvPr>
-        </p:nvSpPr>
-        <p:spPr/>
-        <p:txBody>
-          <a:bodyPr>
-            <a:normAutofit lnSpcReduction="10000"/>
-          </a:bodyPr>
-          <a:lstStyle/>
-          <a:p>
-            <a:r>
-              <a:rPr lang="en-US" dirty="0"/>
-              <a:t>GAMEPAD_DPAD_UP          = 0x0001</a:t>
-            </a:r>
-          </a:p>
-          <a:p>
-            <a:r>
-              <a:rPr lang="en-US" dirty="0"/>
-              <a:t>GAMEPAD_DPAD_DOWN   = 0x0002</a:t>
-            </a:r>
-          </a:p>
-          <a:p>
-            <a:r>
-              <a:rPr lang="en-US" dirty="0"/>
-              <a:t>GAMEPAD_DPAD_LEFT       = 0x0004</a:t>
-            </a:r>
-          </a:p>
-          <a:p>
-            <a:r>
-              <a:rPr lang="en-US" dirty="0"/>
-              <a:t>GAMEPAD_DPAD_RIGHT    = 0x0008</a:t>
-            </a:r>
-          </a:p>
-          <a:p>
-            <a:endParaRPr lang="en-US" dirty="0"/>
-          </a:p>
-          <a:p>
-            <a:r>
-              <a:rPr lang="en-US" dirty="0"/>
-              <a:t>GAMEPAD_DPAD_UP | GAMEPAD_DPAD_LEFT           = 0x1 | 0x4 = 05</a:t>
-            </a:r>
-          </a:p>
-          <a:p>
-            <a:r>
-              <a:rPr lang="en-US" dirty="0"/>
-              <a:t>GAMEPAD_DPAD_UP | GAMEPAD_DPAD_RIGHT        = 0x1 | 0x8 = 09</a:t>
-            </a:r>
-          </a:p>
-          <a:p>
-            <a:r>
-              <a:rPr lang="en-US" dirty="0"/>
-              <a:t>GAMEPAD_DPAD_DOWN | GAMEPAD_DPAD_LEFT    = 0x2 | 0x4 = 06</a:t>
-            </a:r>
-          </a:p>
-          <a:p>
-            <a:r>
-              <a:rPr lang="en-US" dirty="0"/>
-              <a:t>GAMEPAD_DPAD_DOWN | GAMEPAD_DPAD_RIGHT = 0x2 | 0x8 = 10 </a:t>
-            </a:r>
-          </a:p>
-        </p:txBody>
-      </p:sp>
+      <mc:AlternateContent xmlns:mc="http://schemas.openxmlformats.org/markup-compatibility/2006">
+        <mc:Choice xmlns:a14="http://schemas.microsoft.com/office/drawing/2010/main" Requires="a14">
+          <p:sp>
+            <p:nvSpPr>
+              <p:cNvPr id="3" name="Content Placeholder 2">
+                <a:extLst>
+                  <a:ext uri="{FF2B5EF4-FFF2-40B4-BE49-F238E27FC236}">
+                    <a16:creationId xmlns:a16="http://schemas.microsoft.com/office/drawing/2014/main" id="{69BB7EBA-3F57-4513-9B6E-03545F30BABE}"/>
+                  </a:ext>
+                </a:extLst>
+              </p:cNvPr>
+              <p:cNvSpPr>
+                <a:spLocks noGrp="1"/>
+              </p:cNvSpPr>
+              <p:nvPr>
+                <p:ph idx="1"/>
+              </p:nvPr>
+            </p:nvSpPr>
+            <p:spPr/>
+            <p:txBody>
+              <a:bodyPr>
+                <a:normAutofit fontScale="92500"/>
+              </a:bodyPr>
+              <a:lstStyle/>
+              <a:p>
+                <a:r>
+                  <a:rPr lang="en-US" dirty="0"/>
+                  <a:t>GAMEPAD_DPAD_UP          = 0x0001</a:t>
+                </a:r>
+              </a:p>
+              <a:p>
+                <a:r>
+                  <a:rPr lang="en-US" dirty="0"/>
+                  <a:t>GAMEPAD_DPAD_DOWN   = 0x0002</a:t>
+                </a:r>
+              </a:p>
+              <a:p>
+                <a:r>
+                  <a:rPr lang="en-US" dirty="0"/>
+                  <a:t>GAMEPAD_DPAD_LEFT       = 0x0004</a:t>
+                </a:r>
+              </a:p>
+              <a:p>
+                <a:r>
+                  <a:rPr lang="en-US" dirty="0"/>
+                  <a:t>GAMEPAD_DPAD_RIGHT    = 0x0008</a:t>
+                </a:r>
+              </a:p>
+              <a:p>
+                <a:endParaRPr lang="en-US" dirty="0"/>
+              </a:p>
+              <a:p>
+                <a:r>
+                  <a:rPr lang="en-US" dirty="0"/>
+                  <a:t>GAMEPAD_DPAD_UP | GAMEPAD_DPAD_LEFT           = 0x1 | 0x4 = </a:t>
+                </a:r>
+                <a14:m>
+                  <m:oMath xmlns:m="http://schemas.openxmlformats.org/officeDocument/2006/math">
+                    <m:sSub>
+                      <m:sSubPr>
+                        <m:ctrlPr>
+                          <a:rPr lang="en-US" i="1" smtClean="0">
+                            <a:latin typeface="Cambria Math" panose="02040503050406030204" pitchFamily="18" charset="0"/>
+                          </a:rPr>
+                        </m:ctrlPr>
+                      </m:sSubPr>
+                      <m:e>
+                        <m:d>
+                          <m:dPr>
+                            <m:ctrlPr>
+                              <a:rPr lang="en-US" i="1" smtClean="0">
+                                <a:latin typeface="Cambria Math" panose="02040503050406030204" pitchFamily="18" charset="0"/>
+                              </a:rPr>
+                            </m:ctrlPr>
+                          </m:dPr>
+                          <m:e>
+                            <m:r>
+                              <a:rPr lang="en-US" b="0" i="1" smtClean="0">
+                                <a:latin typeface="Cambria Math" panose="02040503050406030204" pitchFamily="18" charset="0"/>
+                              </a:rPr>
+                              <m:t>05</m:t>
+                            </m:r>
+                          </m:e>
+                        </m:d>
+                      </m:e>
+                      <m:sub>
+                        <m:r>
+                          <a:rPr lang="en-US" b="0" i="1" smtClean="0">
+                            <a:latin typeface="Cambria Math" panose="02040503050406030204" pitchFamily="18" charset="0"/>
+                          </a:rPr>
+                          <m:t>10</m:t>
+                        </m:r>
+                      </m:sub>
+                    </m:sSub>
+                  </m:oMath>
+                </a14:m>
+                <a:endParaRPr lang="en-US" dirty="0"/>
+              </a:p>
+              <a:p>
+                <a:r>
+                  <a:rPr lang="en-US" dirty="0"/>
+                  <a:t>GAMEPAD_DPAD_UP | GAMEPAD_DPAD_RIGHT        = 0x1 | 0x8 = </a:t>
+                </a:r>
+                <a14:m>
+                  <m:oMath xmlns:m="http://schemas.openxmlformats.org/officeDocument/2006/math">
+                    <m:sSub>
+                      <m:sSubPr>
+                        <m:ctrlPr>
+                          <a:rPr lang="en-US" i="1">
+                            <a:latin typeface="Cambria Math" panose="02040503050406030204" pitchFamily="18" charset="0"/>
+                          </a:rPr>
+                        </m:ctrlPr>
+                      </m:sSubPr>
+                      <m:e>
+                        <m:d>
+                          <m:dPr>
+                            <m:ctrlPr>
+                              <a:rPr lang="en-US" i="1">
+                                <a:latin typeface="Cambria Math" panose="02040503050406030204" pitchFamily="18" charset="0"/>
+                              </a:rPr>
+                            </m:ctrlPr>
+                          </m:dPr>
+                          <m:e>
+                            <m:r>
+                              <a:rPr lang="en-US" i="1">
+                                <a:latin typeface="Cambria Math" panose="02040503050406030204" pitchFamily="18" charset="0"/>
+                              </a:rPr>
+                              <m:t>0</m:t>
+                            </m:r>
+                            <m:r>
+                              <a:rPr lang="en-US" b="0" i="1" smtClean="0">
+                                <a:latin typeface="Cambria Math" panose="02040503050406030204" pitchFamily="18" charset="0"/>
+                              </a:rPr>
+                              <m:t>9</m:t>
+                            </m:r>
+                          </m:e>
+                        </m:d>
+                      </m:e>
+                      <m:sub>
+                        <m:r>
+                          <a:rPr lang="en-US" i="1">
+                            <a:latin typeface="Cambria Math" panose="02040503050406030204" pitchFamily="18" charset="0"/>
+                          </a:rPr>
+                          <m:t>10</m:t>
+                        </m:r>
+                      </m:sub>
+                    </m:sSub>
+                  </m:oMath>
+                </a14:m>
+                <a:endParaRPr lang="en-US" dirty="0"/>
+              </a:p>
+              <a:p>
+                <a:r>
+                  <a:rPr lang="en-US" dirty="0"/>
+                  <a:t>GAMEPAD_DPAD_DOWN | GAMEPAD_DPAD_LEFT    = 0x2 | 0x4 = </a:t>
+                </a:r>
+                <a14:m>
+                  <m:oMath xmlns:m="http://schemas.openxmlformats.org/officeDocument/2006/math">
+                    <m:sSub>
+                      <m:sSubPr>
+                        <m:ctrlPr>
+                          <a:rPr lang="en-US" i="1">
+                            <a:latin typeface="Cambria Math" panose="02040503050406030204" pitchFamily="18" charset="0"/>
+                          </a:rPr>
+                        </m:ctrlPr>
+                      </m:sSubPr>
+                      <m:e>
+                        <m:d>
+                          <m:dPr>
+                            <m:ctrlPr>
+                              <a:rPr lang="en-US" i="1">
+                                <a:latin typeface="Cambria Math" panose="02040503050406030204" pitchFamily="18" charset="0"/>
+                              </a:rPr>
+                            </m:ctrlPr>
+                          </m:dPr>
+                          <m:e>
+                            <m:r>
+                              <a:rPr lang="en-US" i="1">
+                                <a:latin typeface="Cambria Math" panose="02040503050406030204" pitchFamily="18" charset="0"/>
+                              </a:rPr>
+                              <m:t>0</m:t>
+                            </m:r>
+                            <m:r>
+                              <a:rPr lang="en-US" b="0" i="1" smtClean="0">
+                                <a:latin typeface="Cambria Math" panose="02040503050406030204" pitchFamily="18" charset="0"/>
+                              </a:rPr>
+                              <m:t>6</m:t>
+                            </m:r>
+                          </m:e>
+                        </m:d>
+                      </m:e>
+                      <m:sub>
+                        <m:r>
+                          <a:rPr lang="en-US" i="1">
+                            <a:latin typeface="Cambria Math" panose="02040503050406030204" pitchFamily="18" charset="0"/>
+                          </a:rPr>
+                          <m:t>10</m:t>
+                        </m:r>
+                      </m:sub>
+                    </m:sSub>
+                  </m:oMath>
+                </a14:m>
+                <a:endParaRPr lang="en-US" dirty="0"/>
+              </a:p>
+              <a:p>
+                <a:r>
+                  <a:rPr lang="en-US" dirty="0"/>
+                  <a:t>GAMEPAD_DPAD_DOWN | GAMEPAD_DPAD_RIGHT = 0x2 | 0x8 = </a:t>
+                </a:r>
+                <a14:m>
+                  <m:oMath xmlns:m="http://schemas.openxmlformats.org/officeDocument/2006/math">
+                    <m:sSub>
+                      <m:sSubPr>
+                        <m:ctrlPr>
+                          <a:rPr lang="en-US" i="1">
+                            <a:latin typeface="Cambria Math" panose="02040503050406030204" pitchFamily="18" charset="0"/>
+                          </a:rPr>
+                        </m:ctrlPr>
+                      </m:sSubPr>
+                      <m:e>
+                        <m:d>
+                          <m:dPr>
+                            <m:ctrlPr>
+                              <a:rPr lang="en-US" i="1">
+                                <a:latin typeface="Cambria Math" panose="02040503050406030204" pitchFamily="18" charset="0"/>
+                              </a:rPr>
+                            </m:ctrlPr>
+                          </m:dPr>
+                          <m:e>
+                            <m:r>
+                              <a:rPr lang="en-US" b="0" i="1" smtClean="0">
+                                <a:latin typeface="Cambria Math" panose="02040503050406030204" pitchFamily="18" charset="0"/>
+                              </a:rPr>
+                              <m:t>10</m:t>
+                            </m:r>
+                          </m:e>
+                        </m:d>
+                      </m:e>
+                      <m:sub>
+                        <m:r>
+                          <a:rPr lang="en-US" i="1">
+                            <a:latin typeface="Cambria Math" panose="02040503050406030204" pitchFamily="18" charset="0"/>
+                          </a:rPr>
+                          <m:t>10</m:t>
+                        </m:r>
+                      </m:sub>
+                    </m:sSub>
+                  </m:oMath>
+                </a14:m>
+                <a:endParaRPr lang="en-US" dirty="0"/>
+              </a:p>
+            </p:txBody>
+          </p:sp>
+        </mc:Choice>
+        <mc:Fallback>
+          <p:sp>
+            <p:nvSpPr>
+              <p:cNvPr id="3" name="Content Placeholder 2">
+                <a:extLst>
+                  <a:ext uri="{FF2B5EF4-FFF2-40B4-BE49-F238E27FC236}">
+                    <a16:creationId xmlns:a16="http://schemas.microsoft.com/office/drawing/2014/main" id="{69BB7EBA-3F57-4513-9B6E-03545F30BABE}"/>
+                  </a:ext>
+                </a:extLst>
+              </p:cNvPr>
+              <p:cNvSpPr>
+                <a:spLocks noGrp="1" noRot="1" noChangeAspect="1" noMove="1" noResize="1" noEditPoints="1" noAdjustHandles="1" noChangeArrowheads="1" noChangeShapeType="1" noTextEdit="1"/>
+              </p:cNvSpPr>
+              <p:nvPr>
+                <p:ph idx="1"/>
+              </p:nvPr>
+            </p:nvSpPr>
+            <p:spPr>
+              <a:blipFill>
+                <a:blip r:embed="rId2"/>
+                <a:stretch>
+                  <a:fillRect l="-928" t="-2101" b="-2941"/>
+                </a:stretch>
+              </a:blipFill>
+            </p:spPr>
+            <p:txBody>
+              <a:bodyPr/>
+              <a:lstStyle/>
+              <a:p>
+                <a:r>
+                  <a:rPr lang="en-US">
+                    <a:noFill/>
+                  </a:rPr>
+                  <a:t> </a:t>
+                </a:r>
+              </a:p>
+            </p:txBody>
+          </p:sp>
+        </mc:Fallback>
+      </mc:AlternateContent>
       <p:pic>
         <p:nvPicPr>
           <p:cNvPr id="4" name="Picture 3">
@@ -6515,7 +6734,7 @@
           <p:nvPr/>
         </p:nvPicPr>
         <p:blipFill>
-          <a:blip r:embed="rId2"/>
+          <a:blip r:embed="rId3"/>
           <a:stretch>
             <a:fillRect/>
           </a:stretch>
@@ -6759,8 +6978,8 @@
           </a:prstGeom>
         </p:spPr>
       </p:pic>
-      <mc:AlternateContent xmlns:mc="http://schemas.openxmlformats.org/markup-compatibility/2006" xmlns:a14="http://schemas.microsoft.com/office/drawing/2010/main">
-        <mc:Choice Requires="a14">
+      <mc:AlternateContent xmlns:mc="http://schemas.openxmlformats.org/markup-compatibility/2006">
+        <mc:Choice xmlns:a14="http://schemas.microsoft.com/office/drawing/2010/main" Requires="a14">
           <p:sp>
             <p:nvSpPr>
               <p:cNvPr id="7" name="TextBox 6">
@@ -6776,7 +6995,7 @@
             <p:spPr>
               <a:xfrm>
                 <a:off x="576683" y="1690688"/>
-                <a:ext cx="6704976" cy="819904"/>
+                <a:ext cx="4867551" cy="596382"/>
               </a:xfrm>
               <a:prstGeom prst="rect">
                 <a:avLst/>
@@ -6797,19 +7016,19 @@
                     </m:oMathParaPr>
                     <m:oMath xmlns:m="http://schemas.openxmlformats.org/officeDocument/2006/math">
                       <m:r>
-                        <a:rPr lang="en-US" sz="4400" i="1" smtClean="0">
+                        <a:rPr lang="en-US" sz="3200" i="1" smtClean="0">
                           <a:latin typeface="Cambria Math" panose="02040503050406030204" pitchFamily="18" charset="0"/>
                         </a:rPr>
                         <m:t>𝑚𝑎𝑔𝑛𝑖𝑡𝑢𝑑𝑒</m:t>
                       </m:r>
                       <m:r>
-                        <a:rPr lang="en-US" sz="4400" i="1" smtClean="0">
+                        <a:rPr lang="en-US" sz="3200" i="1" smtClean="0">
                           <a:latin typeface="Cambria Math" panose="02040503050406030204" pitchFamily="18" charset="0"/>
                         </a:rPr>
                         <m:t> </m:t>
                       </m:r>
                       <m:r>
-                        <a:rPr lang="en-US" sz="4400" b="0" i="0" smtClean="0">
+                        <a:rPr lang="en-US" sz="3200" b="0" i="0" smtClean="0">
                           <a:latin typeface="Cambria Math" panose="02040503050406030204" pitchFamily="18" charset="0"/>
                         </a:rPr>
                         <m:t>     =</m:t>
@@ -6818,7 +7037,7 @@
                         <m:radPr>
                           <m:degHide m:val="on"/>
                           <m:ctrlPr>
-                            <a:rPr lang="pt-BR" sz="4400" i="1" smtClean="0">
+                            <a:rPr lang="pt-BR" sz="3200" i="1" smtClean="0">
                               <a:latin typeface="Cambria Math" panose="02040503050406030204" pitchFamily="18" charset="0"/>
                             </a:rPr>
                           </m:ctrlPr>
@@ -6828,14 +7047,14 @@
                           <m:sSup>
                             <m:sSupPr>
                               <m:ctrlPr>
-                                <a:rPr lang="pt-BR" sz="4400" i="1">
+                                <a:rPr lang="pt-BR" sz="3200" i="1">
                                   <a:latin typeface="Cambria Math" panose="02040503050406030204" pitchFamily="18" charset="0"/>
                                 </a:rPr>
                               </m:ctrlPr>
                             </m:sSupPr>
                             <m:e>
                               <m:r>
-                                <a:rPr lang="en-US" sz="4400" i="1">
+                                <a:rPr lang="en-US" sz="3200" i="1">
                                   <a:latin typeface="Cambria Math" panose="02040503050406030204" pitchFamily="18" charset="0"/>
                                 </a:rPr>
                                 <m:t>𝑥</m:t>
@@ -6843,7 +7062,7 @@
                             </m:e>
                             <m:sup>
                               <m:r>
-                                <a:rPr lang="en-US" sz="4400" i="1">
+                                <a:rPr lang="en-US" sz="3200" i="1">
                                   <a:latin typeface="Cambria Math" panose="02040503050406030204" pitchFamily="18" charset="0"/>
                                 </a:rPr>
                                 <m:t>2</m:t>
@@ -6851,7 +7070,7 @@
                             </m:sup>
                           </m:sSup>
                           <m:r>
-                            <a:rPr lang="pt-BR" sz="4400" i="1">
+                            <a:rPr lang="pt-BR" sz="3200" i="1">
                               <a:latin typeface="Cambria Math" panose="02040503050406030204" pitchFamily="18" charset="0"/>
                             </a:rPr>
                             <m:t>+</m:t>
@@ -6859,14 +7078,14 @@
                           <m:sSup>
                             <m:sSupPr>
                               <m:ctrlPr>
-                                <a:rPr lang="pt-BR" sz="4400" i="1">
+                                <a:rPr lang="pt-BR" sz="3200" i="1">
                                   <a:latin typeface="Cambria Math" panose="02040503050406030204" pitchFamily="18" charset="0"/>
                                 </a:rPr>
                               </m:ctrlPr>
                             </m:sSupPr>
                             <m:e>
                               <m:r>
-                                <a:rPr lang="en-US" sz="4400" i="1">
+                                <a:rPr lang="en-US" sz="3200" i="1">
                                   <a:latin typeface="Cambria Math" panose="02040503050406030204" pitchFamily="18" charset="0"/>
                                 </a:rPr>
                                 <m:t>𝑦</m:t>
@@ -6874,7 +7093,7 @@
                             </m:e>
                             <m:sup>
                               <m:r>
-                                <a:rPr lang="en-US" sz="4400" i="1">
+                                <a:rPr lang="en-US" sz="3200" i="1">
                                   <a:latin typeface="Cambria Math" panose="02040503050406030204" pitchFamily="18" charset="0"/>
                                 </a:rPr>
                                 <m:t>2</m:t>
@@ -6886,12 +7105,12 @@
                     </m:oMath>
                   </m:oMathPara>
                 </a14:m>
-                <a:endParaRPr lang="en-US" dirty="0"/>
+                <a:endParaRPr lang="en-US" sz="1200" dirty="0"/>
               </a:p>
             </p:txBody>
           </p:sp>
         </mc:Choice>
-        <mc:Fallback xmlns="">
+        <mc:Fallback>
           <p:sp>
             <p:nvSpPr>
               <p:cNvPr id="7" name="TextBox 6">
@@ -6909,7 +7128,7 @@
             <p:spPr>
               <a:xfrm>
                 <a:off x="576683" y="1690688"/>
-                <a:ext cx="6704976" cy="819904"/>
+                <a:ext cx="4867551" cy="596382"/>
               </a:xfrm>
               <a:prstGeom prst="rect">
                 <a:avLst/>
@@ -6936,14 +7155,14 @@
           </p:sp>
         </mc:Fallback>
       </mc:AlternateContent>
-      <mc:AlternateContent xmlns:mc="http://schemas.openxmlformats.org/markup-compatibility/2006" xmlns:a14="http://schemas.microsoft.com/office/drawing/2010/main">
-        <mc:Choice Requires="a14">
+      <mc:AlternateContent xmlns:mc="http://schemas.openxmlformats.org/markup-compatibility/2006">
+        <mc:Choice xmlns:a14="http://schemas.microsoft.com/office/drawing/2010/main" Requires="a14">
           <p:sp>
             <p:nvSpPr>
-              <p:cNvPr id="8" name="TextBox 7">
+              <p:cNvPr id="9" name="TextBox 8">
                 <a:extLst>
                   <a:ext uri="{FF2B5EF4-FFF2-40B4-BE49-F238E27FC236}">
-                    <a16:creationId xmlns:a16="http://schemas.microsoft.com/office/drawing/2014/main" id="{7C2F5B16-4BA6-4E7B-B3CF-38D761B23A81}"/>
+                    <a16:creationId xmlns:a16="http://schemas.microsoft.com/office/drawing/2014/main" id="{574F5687-1D59-4C92-92BA-1640F77176BA}"/>
                   </a:ext>
                 </a:extLst>
               </p:cNvPr>
@@ -6952,8 +7171,8 @@
             </p:nvSpPr>
             <p:spPr>
               <a:xfrm>
-                <a:off x="576683" y="2735542"/>
-                <a:ext cx="7250446" cy="1278427"/>
+                <a:off x="570912" y="5124122"/>
+                <a:ext cx="5279266" cy="929613"/>
               </a:xfrm>
               <a:prstGeom prst="rect">
                 <a:avLst/>
@@ -6974,31 +7193,31 @@
                     </m:oMathParaPr>
                     <m:oMath xmlns:m="http://schemas.openxmlformats.org/officeDocument/2006/math">
                       <m:r>
-                        <a:rPr lang="en-US" sz="4400" b="0" i="1" smtClean="0">
+                        <a:rPr lang="en-US" sz="3200" b="0" i="1" smtClean="0">
                           <a:latin typeface="Cambria Math" panose="02040503050406030204" pitchFamily="18" charset="0"/>
                         </a:rPr>
                         <m:t>𝑛𝑜𝑟𝑚𝑎𝑙𝑖𝑧𝑒𝑑</m:t>
                       </m:r>
                       <m:r>
-                        <a:rPr lang="en-US" sz="4400" b="0" i="1" smtClean="0">
+                        <a:rPr lang="en-US" sz="3200" b="0" i="1" smtClean="0">
                           <a:latin typeface="Cambria Math" panose="02040503050406030204" pitchFamily="18" charset="0"/>
                         </a:rPr>
                         <m:t>_</m:t>
                       </m:r>
                       <m:r>
-                        <a:rPr lang="en-US" sz="4400" b="0" i="1" smtClean="0">
+                        <a:rPr lang="en-US" sz="3200" b="0" i="1" smtClean="0">
                           <a:latin typeface="Cambria Math" panose="02040503050406030204" pitchFamily="18" charset="0"/>
                         </a:rPr>
-                        <m:t>𝑥</m:t>
+                        <m:t>𝑦</m:t>
                       </m:r>
                       <m:r>
-                        <a:rPr lang="en-US" sz="4400" i="1">
+                        <a:rPr lang="en-US" sz="3200" i="1">
                           <a:latin typeface="Cambria Math" panose="02040503050406030204" pitchFamily="18" charset="0"/>
                         </a:rPr>
                         <m:t> </m:t>
                       </m:r>
                       <m:r>
-                        <a:rPr lang="en-US" sz="4400" b="0" i="0" smtClean="0">
+                        <a:rPr lang="en-US" sz="3200" b="0" i="0" smtClean="0">
                           <a:latin typeface="Cambria Math" panose="02040503050406030204" pitchFamily="18" charset="0"/>
                         </a:rPr>
                         <m:t>=</m:t>
@@ -7006,22 +7225,22 @@
                       <m:f>
                         <m:fPr>
                           <m:ctrlPr>
-                            <a:rPr lang="en-US" sz="4400" b="0" i="1" smtClean="0">
+                            <a:rPr lang="en-US" sz="3200" b="0" i="1" smtClean="0">
                               <a:latin typeface="Cambria Math" panose="02040503050406030204" pitchFamily="18" charset="0"/>
                             </a:rPr>
                           </m:ctrlPr>
                         </m:fPr>
                         <m:num>
                           <m:r>
-                            <a:rPr lang="en-US" sz="4400" b="0" i="1" smtClean="0">
+                            <a:rPr lang="en-US" sz="3200" b="0" i="1" smtClean="0">
                               <a:latin typeface="Cambria Math" panose="02040503050406030204" pitchFamily="18" charset="0"/>
                             </a:rPr>
-                            <m:t>𝑥</m:t>
+                            <m:t>𝑦</m:t>
                           </m:r>
                         </m:num>
                         <m:den>
                           <m:r>
-                            <a:rPr lang="en-US" sz="4400" b="0" i="1" smtClean="0">
+                            <a:rPr lang="en-US" sz="3200" b="0" i="1" smtClean="0">
                               <a:latin typeface="Cambria Math" panose="02040503050406030204" pitchFamily="18" charset="0"/>
                             </a:rPr>
                             <m:t>𝑚𝑎𝑔𝑛𝑖𝑡𝑢𝑑𝑒</m:t>
@@ -7031,18 +7250,18 @@
                     </m:oMath>
                   </m:oMathPara>
                 </a14:m>
-                <a:endParaRPr lang="en-US" dirty="0"/>
+                <a:endParaRPr lang="en-US" sz="1200" dirty="0"/>
               </a:p>
             </p:txBody>
           </p:sp>
         </mc:Choice>
-        <mc:Fallback xmlns="">
+        <mc:Fallback>
           <p:sp>
             <p:nvSpPr>
-              <p:cNvPr id="8" name="TextBox 7">
+              <p:cNvPr id="9" name="TextBox 8">
                 <a:extLst>
                   <a:ext uri="{FF2B5EF4-FFF2-40B4-BE49-F238E27FC236}">
-                    <a16:creationId xmlns:a16="http://schemas.microsoft.com/office/drawing/2014/main" id="{7C2F5B16-4BA6-4E7B-B3CF-38D761B23A81}"/>
+                    <a16:creationId xmlns:a16="http://schemas.microsoft.com/office/drawing/2014/main" id="{574F5687-1D59-4C92-92BA-1640F77176BA}"/>
                   </a:ext>
                 </a:extLst>
               </p:cNvPr>
@@ -7053,8 +7272,8 @@
             </p:nvSpPr>
             <p:spPr>
               <a:xfrm>
-                <a:off x="576683" y="2735542"/>
-                <a:ext cx="7250446" cy="1278427"/>
+                <a:off x="570912" y="5124122"/>
+                <a:ext cx="5279266" cy="929613"/>
               </a:xfrm>
               <a:prstGeom prst="rect">
                 <a:avLst/>
@@ -7081,14 +7300,14 @@
           </p:sp>
         </mc:Fallback>
       </mc:AlternateContent>
-      <mc:AlternateContent xmlns:mc="http://schemas.openxmlformats.org/markup-compatibility/2006" xmlns:a14="http://schemas.microsoft.com/office/drawing/2010/main">
-        <mc:Choice Requires="a14">
+      <mc:AlternateContent xmlns:mc="http://schemas.openxmlformats.org/markup-compatibility/2006">
+        <mc:Choice xmlns:a14="http://schemas.microsoft.com/office/drawing/2010/main" Requires="a14">
           <p:sp>
             <p:nvSpPr>
-              <p:cNvPr id="9" name="TextBox 8">
+              <p:cNvPr id="10" name="TextBox 9">
                 <a:extLst>
                   <a:ext uri="{FF2B5EF4-FFF2-40B4-BE49-F238E27FC236}">
-                    <a16:creationId xmlns:a16="http://schemas.microsoft.com/office/drawing/2014/main" id="{574F5687-1D59-4C92-92BA-1640F77176BA}"/>
+                    <a16:creationId xmlns:a16="http://schemas.microsoft.com/office/drawing/2014/main" id="{ABAEA42E-B339-4A41-BF67-D71EA1936172}"/>
                   </a:ext>
                 </a:extLst>
               </p:cNvPr>
@@ -7097,8 +7316,8 @@
             </p:nvSpPr>
             <p:spPr>
               <a:xfrm>
-                <a:off x="576683" y="4419609"/>
-                <a:ext cx="7259038" cy="1278170"/>
+                <a:off x="570912" y="3966414"/>
+                <a:ext cx="5279266" cy="929613"/>
               </a:xfrm>
               <a:prstGeom prst="rect">
                 <a:avLst/>
@@ -7119,31 +7338,31 @@
                     </m:oMathParaPr>
                     <m:oMath xmlns:m="http://schemas.openxmlformats.org/officeDocument/2006/math">
                       <m:r>
-                        <a:rPr lang="en-US" sz="4400" b="0" i="1" smtClean="0">
+                        <a:rPr lang="en-US" sz="3200" b="0" i="1" smtClean="0">
                           <a:latin typeface="Cambria Math" panose="02040503050406030204" pitchFamily="18" charset="0"/>
                         </a:rPr>
                         <m:t>𝑛𝑜𝑟𝑚𝑎𝑙𝑖𝑧𝑒𝑑</m:t>
                       </m:r>
                       <m:r>
-                        <a:rPr lang="en-US" sz="4400" b="0" i="1" smtClean="0">
+                        <a:rPr lang="en-US" sz="3200" b="0" i="1" smtClean="0">
                           <a:latin typeface="Cambria Math" panose="02040503050406030204" pitchFamily="18" charset="0"/>
                         </a:rPr>
                         <m:t>_</m:t>
                       </m:r>
                       <m:r>
-                        <a:rPr lang="en-US" sz="4400" b="0" i="1" smtClean="0">
+                        <a:rPr lang="en-US" sz="3200" b="0" i="1" smtClean="0">
                           <a:latin typeface="Cambria Math" panose="02040503050406030204" pitchFamily="18" charset="0"/>
                         </a:rPr>
                         <m:t>𝑦</m:t>
                       </m:r>
                       <m:r>
-                        <a:rPr lang="en-US" sz="4400" i="1">
+                        <a:rPr lang="en-US" sz="3200" i="1">
                           <a:latin typeface="Cambria Math" panose="02040503050406030204" pitchFamily="18" charset="0"/>
                         </a:rPr>
                         <m:t> </m:t>
                       </m:r>
                       <m:r>
-                        <a:rPr lang="en-US" sz="4400" b="0" i="0" smtClean="0">
+                        <a:rPr lang="en-US" sz="3200" b="0" i="0" smtClean="0">
                           <a:latin typeface="Cambria Math" panose="02040503050406030204" pitchFamily="18" charset="0"/>
                         </a:rPr>
                         <m:t>=</m:t>
@@ -7151,14 +7370,14 @@
                       <m:f>
                         <m:fPr>
                           <m:ctrlPr>
-                            <a:rPr lang="en-US" sz="4400" b="0" i="1" smtClean="0">
+                            <a:rPr lang="en-US" sz="3200" b="0" i="1" smtClean="0">
                               <a:latin typeface="Cambria Math" panose="02040503050406030204" pitchFamily="18" charset="0"/>
                             </a:rPr>
                           </m:ctrlPr>
                         </m:fPr>
                         <m:num>
                           <m:r>
-                            <a:rPr lang="en-US" sz="4400" b="0" i="1" smtClean="0">
+                            <a:rPr lang="en-US" sz="3200" b="0" i="1" smtClean="0">
                               <a:latin typeface="Cambria Math" panose="02040503050406030204" pitchFamily="18" charset="0"/>
                             </a:rPr>
                             <m:t>𝑦</m:t>
@@ -7166,7 +7385,7 @@
                         </m:num>
                         <m:den>
                           <m:r>
-                            <a:rPr lang="en-US" sz="4400" b="0" i="1" smtClean="0">
+                            <a:rPr lang="en-US" sz="3200" b="0" i="1" smtClean="0">
                               <a:latin typeface="Cambria Math" panose="02040503050406030204" pitchFamily="18" charset="0"/>
                             </a:rPr>
                             <m:t>𝑚𝑎𝑔𝑛𝑖𝑡𝑢𝑑𝑒</m:t>
@@ -7176,18 +7395,18 @@
                     </m:oMath>
                   </m:oMathPara>
                 </a14:m>
-                <a:endParaRPr lang="en-US" dirty="0"/>
+                <a:endParaRPr lang="en-US" sz="1200" dirty="0"/>
               </a:p>
             </p:txBody>
           </p:sp>
         </mc:Choice>
-        <mc:Fallback xmlns="">
+        <mc:Fallback>
           <p:sp>
             <p:nvSpPr>
-              <p:cNvPr id="9" name="TextBox 8">
+              <p:cNvPr id="10" name="TextBox 9">
                 <a:extLst>
                   <a:ext uri="{FF2B5EF4-FFF2-40B4-BE49-F238E27FC236}">
-                    <a16:creationId xmlns:a16="http://schemas.microsoft.com/office/drawing/2014/main" id="{574F5687-1D59-4C92-92BA-1640F77176BA}"/>
+                    <a16:creationId xmlns:a16="http://schemas.microsoft.com/office/drawing/2014/main" id="{ABAEA42E-B339-4A41-BF67-D71EA1936172}"/>
                   </a:ext>
                 </a:extLst>
               </p:cNvPr>
@@ -7198,8 +7417,8 @@
             </p:nvSpPr>
             <p:spPr>
               <a:xfrm>
-                <a:off x="576683" y="4419609"/>
-                <a:ext cx="7259038" cy="1278170"/>
+                <a:off x="570912" y="3966414"/>
+                <a:ext cx="5279266" cy="929613"/>
               </a:xfrm>
               <a:prstGeom prst="rect">
                 <a:avLst/>
@@ -7226,6 +7445,232 @@
           </p:sp>
         </mc:Fallback>
       </mc:AlternateContent>
+      <p:sp>
+        <p:nvSpPr>
+          <p:cNvPr id="3" name="Rectangle 1">
+            <a:extLst>
+              <a:ext uri="{FF2B5EF4-FFF2-40B4-BE49-F238E27FC236}">
+                <a16:creationId xmlns:a16="http://schemas.microsoft.com/office/drawing/2014/main" id="{9B42B1D8-F9EA-40BD-813C-4BAA9A10559E}"/>
+              </a:ext>
+            </a:extLst>
+          </p:cNvPr>
+          <p:cNvSpPr>
+            <a:spLocks noChangeArrowheads="1"/>
+          </p:cNvSpPr>
+          <p:nvPr/>
+        </p:nvSpPr>
+        <p:spPr bwMode="auto">
+          <a:xfrm>
+            <a:off x="613808" y="2341912"/>
+            <a:ext cx="4793300" cy="1569660"/>
+          </a:xfrm>
+          <a:prstGeom prst="rect">
+            <a:avLst/>
+          </a:prstGeom>
+          <a:solidFill>
+            <a:schemeClr val="bg1"/>
+          </a:solidFill>
+          <a:ln>
+            <a:noFill/>
+          </a:ln>
+          <a:effectLst/>
+        </p:spPr>
+        <p:txBody>
+          <a:bodyPr vert="horz" wrap="none" lIns="91440" tIns="45720" rIns="91440" bIns="45720" numCol="1" anchor="ctr" anchorCtr="0" compatLnSpc="1">
+            <a:prstTxWarp prst="textNoShape">
+              <a:avLst/>
+            </a:prstTxWarp>
+            <a:spAutoFit/>
+          </a:bodyPr>
+          <a:lstStyle/>
+          <a:p>
+            <a:pPr marL="0" marR="0" lvl="0" indent="0" algn="l" defTabSz="914400" rtl="0" eaLnBrk="0" fontAlgn="base" latinLnBrk="0" hangingPunct="0">
+              <a:lnSpc>
+                <a:spcPct val="100000"/>
+              </a:lnSpc>
+              <a:spcBef>
+                <a:spcPct val="0"/>
+              </a:spcBef>
+              <a:spcAft>
+                <a:spcPct val="0"/>
+              </a:spcAft>
+              <a:buClrTx/>
+              <a:buSzTx/>
+              <a:buFontTx/>
+              <a:buNone/>
+              <a:tabLst/>
+            </a:pPr>
+            <a:r>
+              <a:rPr kumimoji="0" lang="en-US" altLang="en-US" sz="2400" i="0" u="none" strike="noStrike" cap="none" normalizeH="0" baseline="0" dirty="0">
+                <a:ln>
+                  <a:noFill/>
+                </a:ln>
+                <a:solidFill>
+                  <a:srgbClr val="CC7832"/>
+                </a:solidFill>
+                <a:effectLst/>
+                <a:latin typeface="Courier New" panose="02070309020205020404" pitchFamily="49" charset="0"/>
+                <a:cs typeface="Courier New" panose="02070309020205020404" pitchFamily="49" charset="0"/>
+              </a:rPr>
+              <a:t>if </a:t>
+            </a:r>
+            <a:r>
+              <a:rPr kumimoji="0" lang="en-US" altLang="en-US" sz="2400" i="0" u="none" strike="noStrike" cap="none" normalizeH="0" baseline="0" dirty="0">
+                <a:ln>
+                  <a:noFill/>
+                </a:ln>
+                <a:solidFill>
+                  <a:srgbClr val="A9B7C6"/>
+                </a:solidFill>
+                <a:effectLst/>
+                <a:latin typeface="Courier New" panose="02070309020205020404" pitchFamily="49" charset="0"/>
+                <a:cs typeface="Courier New" panose="02070309020205020404" pitchFamily="49" charset="0"/>
+              </a:rPr>
+              <a:t>magnitude &gt; DEAD_ZONE:</a:t>
+            </a:r>
+            <a:br>
+              <a:rPr kumimoji="0" lang="en-US" altLang="en-US" sz="2400" i="0" u="none" strike="noStrike" cap="none" normalizeH="0" baseline="0" dirty="0">
+                <a:ln>
+                  <a:noFill/>
+                </a:ln>
+                <a:solidFill>
+                  <a:srgbClr val="A9B7C6"/>
+                </a:solidFill>
+                <a:effectLst/>
+                <a:latin typeface="Courier New" panose="02070309020205020404" pitchFamily="49" charset="0"/>
+                <a:cs typeface="Courier New" panose="02070309020205020404" pitchFamily="49" charset="0"/>
+              </a:rPr>
+            </a:br>
+            <a:r>
+              <a:rPr kumimoji="0" lang="en-US" altLang="en-US" sz="2400" i="0" u="none" strike="noStrike" cap="none" normalizeH="0" baseline="0" dirty="0">
+                <a:ln>
+                  <a:noFill/>
+                </a:ln>
+                <a:solidFill>
+                  <a:srgbClr val="A9B7C6"/>
+                </a:solidFill>
+                <a:effectLst/>
+                <a:latin typeface="Courier New" panose="02070309020205020404" pitchFamily="49" charset="0"/>
+                <a:cs typeface="Courier New" panose="02070309020205020404" pitchFamily="49" charset="0"/>
+              </a:rPr>
+              <a:t>    </a:t>
+            </a:r>
+            <a:r>
+              <a:rPr kumimoji="0" lang="en-US" altLang="en-US" sz="2400" i="0" u="none" strike="noStrike" cap="none" normalizeH="0" baseline="0" dirty="0" err="1">
+                <a:ln>
+                  <a:noFill/>
+                </a:ln>
+                <a:solidFill>
+                  <a:srgbClr val="A9B7C6"/>
+                </a:solidFill>
+                <a:effectLst/>
+                <a:latin typeface="Courier New" panose="02070309020205020404" pitchFamily="49" charset="0"/>
+                <a:cs typeface="Courier New" panose="02070309020205020404" pitchFamily="49" charset="0"/>
+              </a:rPr>
+              <a:t>do_some_action</a:t>
+            </a:r>
+            <a:r>
+              <a:rPr kumimoji="0" lang="en-US" altLang="en-US" sz="2400" i="0" u="none" strike="noStrike" cap="none" normalizeH="0" baseline="0" dirty="0">
+                <a:ln>
+                  <a:noFill/>
+                </a:ln>
+                <a:solidFill>
+                  <a:srgbClr val="A9B7C6"/>
+                </a:solidFill>
+                <a:effectLst/>
+                <a:latin typeface="Courier New" panose="02070309020205020404" pitchFamily="49" charset="0"/>
+                <a:cs typeface="Courier New" panose="02070309020205020404" pitchFamily="49" charset="0"/>
+              </a:rPr>
+              <a:t>()</a:t>
+            </a:r>
+          </a:p>
+          <a:p>
+            <a:pPr lvl="0" defTabSz="914400" eaLnBrk="0" fontAlgn="base" hangingPunct="0">
+              <a:spcBef>
+                <a:spcPct val="0"/>
+              </a:spcBef>
+              <a:spcAft>
+                <a:spcPct val="0"/>
+              </a:spcAft>
+            </a:pPr>
+            <a:r>
+              <a:rPr kumimoji="0" lang="en-US" altLang="en-US" sz="2400" i="0" u="none" strike="noStrike" cap="none" normalizeH="0" baseline="0" dirty="0">
+                <a:ln>
+                  <a:noFill/>
+                </a:ln>
+                <a:solidFill>
+                  <a:srgbClr val="CC7832"/>
+                </a:solidFill>
+                <a:effectLst/>
+                <a:latin typeface="Courier New" panose="02070309020205020404" pitchFamily="49" charset="0"/>
+                <a:cs typeface="Courier New" panose="02070309020205020404" pitchFamily="49" charset="0"/>
+              </a:rPr>
+              <a:t>else</a:t>
+            </a:r>
+            <a:r>
+              <a:rPr kumimoji="0" lang="en-US" altLang="en-US" sz="2400" i="0" u="none" strike="noStrike" cap="none" normalizeH="0" baseline="0" dirty="0">
+                <a:ln>
+                  <a:noFill/>
+                </a:ln>
+                <a:solidFill>
+                  <a:srgbClr val="A9B7C6"/>
+                </a:solidFill>
+                <a:effectLst/>
+                <a:latin typeface="Courier New" panose="02070309020205020404" pitchFamily="49" charset="0"/>
+                <a:cs typeface="Courier New" panose="02070309020205020404" pitchFamily="49" charset="0"/>
+              </a:rPr>
+              <a:t>:</a:t>
+            </a:r>
+            <a:br>
+              <a:rPr kumimoji="0" lang="en-US" altLang="en-US" sz="2400" i="0" u="none" strike="noStrike" cap="none" normalizeH="0" baseline="0" dirty="0">
+                <a:ln>
+                  <a:noFill/>
+                </a:ln>
+                <a:solidFill>
+                  <a:srgbClr val="A9B7C6"/>
+                </a:solidFill>
+                <a:effectLst/>
+                <a:latin typeface="Courier New" panose="02070309020205020404" pitchFamily="49" charset="0"/>
+                <a:cs typeface="Courier New" panose="02070309020205020404" pitchFamily="49" charset="0"/>
+              </a:rPr>
+            </a:br>
+            <a:r>
+              <a:rPr kumimoji="0" lang="en-US" altLang="en-US" sz="2400" i="0" u="none" strike="noStrike" cap="none" normalizeH="0" baseline="0" dirty="0">
+                <a:ln>
+                  <a:noFill/>
+                </a:ln>
+                <a:solidFill>
+                  <a:srgbClr val="A9B7C6"/>
+                </a:solidFill>
+                <a:effectLst/>
+                <a:latin typeface="Courier New" panose="02070309020205020404" pitchFamily="49" charset="0"/>
+                <a:cs typeface="Courier New" panose="02070309020205020404" pitchFamily="49" charset="0"/>
+              </a:rPr>
+              <a:t>    </a:t>
+            </a:r>
+            <a:r>
+              <a:rPr lang="en-US" altLang="en-US" sz="2400" dirty="0">
+                <a:solidFill>
+                  <a:srgbClr val="CC7832"/>
+                </a:solidFill>
+                <a:latin typeface="Courier New" panose="02070309020205020404" pitchFamily="49" charset="0"/>
+                <a:cs typeface="Courier New" panose="02070309020205020404" pitchFamily="49" charset="0"/>
+              </a:rPr>
+              <a:t>pass</a:t>
+            </a:r>
+            <a:endParaRPr kumimoji="0" lang="en-US" altLang="en-US" sz="2400" i="0" u="none" strike="noStrike" cap="none" normalizeH="0" baseline="0" dirty="0">
+              <a:ln>
+                <a:noFill/>
+              </a:ln>
+              <a:solidFill>
+                <a:schemeClr val="tx1"/>
+              </a:solidFill>
+              <a:effectLst/>
+              <a:latin typeface="Arial" panose="020B0604020202020204" pitchFamily="34" charset="0"/>
+            </a:endParaRPr>
+          </a:p>
+        </p:txBody>
+      </p:sp>
     </p:spTree>
     <p:extLst>
       <p:ext uri="{BB962C8B-B14F-4D97-AF65-F5344CB8AC3E}">
@@ -7548,14 +7993,24 @@
               <a:t>(</a:t>
             </a:r>
             <a:r>
-              <a:rPr lang="en-US" altLang="en-US" sz="2000" dirty="0">
+              <a:rPr lang="en-US" altLang="en-US" sz="2000" b="1" dirty="0">
+                <a:solidFill>
+                  <a:srgbClr val="CC7832"/>
+                </a:solidFill>
+                <a:latin typeface="Courier New" panose="02070309020205020404" pitchFamily="49" charset="0"/>
+                <a:cs typeface="Courier New" panose="02070309020205020404" pitchFamily="49" charset="0"/>
+              </a:rPr>
+              <a:t>unsigned long</a:t>
+            </a:r>
+            <a:r>
+              <a:rPr lang="en-US" altLang="en-US" sz="2000" b="1" dirty="0">
                 <a:solidFill>
                   <a:srgbClr val="B9BCD1"/>
                 </a:solidFill>
                 <a:latin typeface="Courier New" panose="02070309020205020404" pitchFamily="49" charset="0"/>
                 <a:cs typeface="Courier New" panose="02070309020205020404" pitchFamily="49" charset="0"/>
               </a:rPr>
-              <a:t>DWORD</a:t>
+              <a:t> </a:t>
             </a:r>
             <a:r>
               <a:rPr lang="en-US" altLang="en-US" sz="2000" dirty="0">

--- a/Xbox One Controller.pptx
+++ b/Xbox One Controller.pptx
@@ -5341,18 +5341,24 @@
             <a:endParaRPr lang="en-US" dirty="0"/>
           </a:p>
           <a:p>
+            <a:pPr marL="457200" lvl="1" indent="0">
+              <a:buNone/>
+            </a:pPr>
             <a:r>
               <a:rPr lang="en-US" dirty="0"/>
-              <a:t>When the right bumper is pressed, the speed increases</a:t>
+              <a:t>- When the right bumper is pressed, the speed increases</a:t>
             </a:r>
           </a:p>
           <a:p>
             <a:endParaRPr lang="en-US" dirty="0"/>
           </a:p>
           <a:p>
+            <a:pPr marL="457200" lvl="1" indent="0">
+              <a:buNone/>
+            </a:pPr>
             <a:r>
               <a:rPr lang="en-US" dirty="0"/>
-              <a:t>When the right bumper is pressed, the speed decreases</a:t>
+              <a:t>- When the left bumper is pressed, the speed decreases</a:t>
             </a:r>
           </a:p>
         </p:txBody>
@@ -6425,8 +6431,8 @@
           </a:p>
         </p:txBody>
       </p:sp>
-      <mc:AlternateContent xmlns:mc="http://schemas.openxmlformats.org/markup-compatibility/2006">
-        <mc:Choice xmlns:a14="http://schemas.microsoft.com/office/drawing/2010/main" Requires="a14">
+      <mc:AlternateContent xmlns:mc="http://schemas.openxmlformats.org/markup-compatibility/2006" xmlns:a14="http://schemas.microsoft.com/office/drawing/2010/main">
+        <mc:Choice Requires="a14">
           <p:sp>
             <p:nvSpPr>
               <p:cNvPr id="3" name="Content Placeholder 2">
@@ -6679,7 +6685,7 @@
             </p:txBody>
           </p:sp>
         </mc:Choice>
-        <mc:Fallback>
+        <mc:Fallback xmlns="">
           <p:sp>
             <p:nvSpPr>
               <p:cNvPr id="3" name="Content Placeholder 2">
@@ -6978,8 +6984,8 @@
           </a:prstGeom>
         </p:spPr>
       </p:pic>
-      <mc:AlternateContent xmlns:mc="http://schemas.openxmlformats.org/markup-compatibility/2006">
-        <mc:Choice xmlns:a14="http://schemas.microsoft.com/office/drawing/2010/main" Requires="a14">
+      <mc:AlternateContent xmlns:mc="http://schemas.openxmlformats.org/markup-compatibility/2006" xmlns:a14="http://schemas.microsoft.com/office/drawing/2010/main">
+        <mc:Choice Requires="a14">
           <p:sp>
             <p:nvSpPr>
               <p:cNvPr id="7" name="TextBox 6">
@@ -7110,7 +7116,7 @@
             </p:txBody>
           </p:sp>
         </mc:Choice>
-        <mc:Fallback>
+        <mc:Fallback xmlns="">
           <p:sp>
             <p:nvSpPr>
               <p:cNvPr id="7" name="TextBox 6">
@@ -7155,8 +7161,8 @@
           </p:sp>
         </mc:Fallback>
       </mc:AlternateContent>
-      <mc:AlternateContent xmlns:mc="http://schemas.openxmlformats.org/markup-compatibility/2006">
-        <mc:Choice xmlns:a14="http://schemas.microsoft.com/office/drawing/2010/main" Requires="a14">
+      <mc:AlternateContent xmlns:mc="http://schemas.openxmlformats.org/markup-compatibility/2006" xmlns:a14="http://schemas.microsoft.com/office/drawing/2010/main">
+        <mc:Choice Requires="a14">
           <p:sp>
             <p:nvSpPr>
               <p:cNvPr id="9" name="TextBox 8">
@@ -7255,7 +7261,7 @@
             </p:txBody>
           </p:sp>
         </mc:Choice>
-        <mc:Fallback>
+        <mc:Fallback xmlns="">
           <p:sp>
             <p:nvSpPr>
               <p:cNvPr id="9" name="TextBox 8">
@@ -7317,7 +7323,7 @@
             <p:spPr>
               <a:xfrm>
                 <a:off x="570912" y="3966414"/>
-                <a:ext cx="5279266" cy="929613"/>
+                <a:ext cx="5273495" cy="929806"/>
               </a:xfrm>
               <a:prstGeom prst="rect">
                 <a:avLst/>
@@ -7353,7 +7359,7 @@
                         <a:rPr lang="en-US" sz="3200" b="0" i="1" smtClean="0">
                           <a:latin typeface="Cambria Math" panose="02040503050406030204" pitchFamily="18" charset="0"/>
                         </a:rPr>
-                        <m:t>𝑦</m:t>
+                        <m:t>𝑥</m:t>
                       </m:r>
                       <m:r>
                         <a:rPr lang="en-US" sz="3200" i="1">
@@ -7380,7 +7386,7 @@
                             <a:rPr lang="en-US" sz="3200" b="0" i="1" smtClean="0">
                               <a:latin typeface="Cambria Math" panose="02040503050406030204" pitchFamily="18" charset="0"/>
                             </a:rPr>
-                            <m:t>𝑦</m:t>
+                            <m:t>𝑥</m:t>
                           </m:r>
                         </m:num>
                         <m:den>
@@ -7418,7 +7424,7 @@
             <p:spPr>
               <a:xfrm>
                 <a:off x="570912" y="3966414"/>
-                <a:ext cx="5279266" cy="929613"/>
+                <a:ext cx="5273495" cy="929806"/>
               </a:xfrm>
               <a:prstGeom prst="rect">
                 <a:avLst/>
@@ -8245,47 +8251,7 @@
                 <a:latin typeface="Courier New" panose="02070309020205020404" pitchFamily="49" charset="0"/>
                 <a:cs typeface="Courier New" panose="02070309020205020404" pitchFamily="49" charset="0"/>
               </a:rPr>
-              <a:t>} </a:t>
-            </a:r>
-            <a:r>
-              <a:rPr lang="en-US" altLang="en-US" sz="2000" dirty="0">
-                <a:solidFill>
-                  <a:srgbClr val="B9BCD1"/>
-                </a:solidFill>
-                <a:latin typeface="Courier New" panose="02070309020205020404" pitchFamily="49" charset="0"/>
-                <a:cs typeface="Courier New" panose="02070309020205020404" pitchFamily="49" charset="0"/>
-              </a:rPr>
-              <a:t>XINPUT_STATE</a:t>
-            </a:r>
-            <a:r>
-              <a:rPr lang="en-US" altLang="en-US" sz="2000" dirty="0">
-                <a:solidFill>
-                  <a:srgbClr val="CC7832"/>
-                </a:solidFill>
-                <a:latin typeface="Courier New" panose="02070309020205020404" pitchFamily="49" charset="0"/>
-                <a:cs typeface="Courier New" panose="02070309020205020404" pitchFamily="49" charset="0"/>
-              </a:rPr>
-              <a:t>, </a:t>
-            </a:r>
-            <a:r>
-              <a:rPr lang="en-US" altLang="en-US" sz="2000" dirty="0">
-                <a:solidFill>
-                  <a:srgbClr val="A9B7C6"/>
-                </a:solidFill>
-                <a:latin typeface="Courier New" panose="02070309020205020404" pitchFamily="49" charset="0"/>
-                <a:cs typeface="Courier New" panose="02070309020205020404" pitchFamily="49" charset="0"/>
-              </a:rPr>
-              <a:t>*</a:t>
-            </a:r>
-            <a:r>
-              <a:rPr lang="en-US" altLang="en-US" sz="2000" dirty="0">
-                <a:solidFill>
-                  <a:srgbClr val="B9BCD1"/>
-                </a:solidFill>
-                <a:latin typeface="Courier New" panose="02070309020205020404" pitchFamily="49" charset="0"/>
-                <a:cs typeface="Courier New" panose="02070309020205020404" pitchFamily="49" charset="0"/>
-              </a:rPr>
-              <a:t>PXINPUT_STATE</a:t>
+              <a:t>}</a:t>
             </a:r>
             <a:r>
               <a:rPr lang="en-US" altLang="en-US" sz="2000" dirty="0">
@@ -8939,63 +8905,7 @@
                 <a:latin typeface="Courier New" panose="02070309020205020404" pitchFamily="49" charset="0"/>
                 <a:cs typeface="Courier New" panose="02070309020205020404" pitchFamily="49" charset="0"/>
               </a:rPr>
-              <a:t>} </a:t>
-            </a:r>
-            <a:r>
-              <a:rPr kumimoji="0" lang="en-US" altLang="en-US" sz="2000" b="0" i="0" u="none" strike="noStrike" cap="none" normalizeH="0" baseline="0" dirty="0">
-                <a:ln>
-                  <a:noFill/>
-                </a:ln>
-                <a:solidFill>
-                  <a:srgbClr val="B9BCD1"/>
-                </a:solidFill>
-                <a:effectLst/>
-                <a:latin typeface="Courier New" panose="02070309020205020404" pitchFamily="49" charset="0"/>
-                <a:cs typeface="Courier New" panose="02070309020205020404" pitchFamily="49" charset="0"/>
-              </a:rPr>
-              <a:t>XINPUT_GAMEPAD</a:t>
-            </a:r>
-            <a:r>
-              <a:rPr kumimoji="0" lang="en-US" altLang="en-US" sz="2000" b="0" i="0" u="none" strike="noStrike" cap="none" normalizeH="0" baseline="0" dirty="0">
-                <a:ln>
-                  <a:noFill/>
-                </a:ln>
-                <a:solidFill>
-                  <a:srgbClr val="CC7832"/>
-                </a:solidFill>
-                <a:effectLst/>
-                <a:latin typeface="Courier New" panose="02070309020205020404" pitchFamily="49" charset="0"/>
-                <a:cs typeface="Courier New" panose="02070309020205020404" pitchFamily="49" charset="0"/>
-              </a:rPr>
-              <a:t>, </a:t>
-            </a:r>
-            <a:r>
-              <a:rPr kumimoji="0" lang="en-US" altLang="en-US" sz="2000" b="0" i="0" u="none" strike="noStrike" cap="none" normalizeH="0" baseline="0" dirty="0">
-                <a:ln>
-                  <a:noFill/>
-                </a:ln>
-                <a:solidFill>
-                  <a:srgbClr val="A9B7C6"/>
-                </a:solidFill>
-                <a:effectLst/>
-                <a:latin typeface="Courier New" panose="02070309020205020404" pitchFamily="49" charset="0"/>
-                <a:cs typeface="Courier New" panose="02070309020205020404" pitchFamily="49" charset="0"/>
-              </a:rPr>
-              <a:t>*</a:t>
-            </a:r>
-            <a:r>
-              <a:rPr kumimoji="0" lang="en-US" altLang="en-US" sz="2000" b="0" i="0" u="none" strike="noStrike" cap="none" normalizeH="0" baseline="0" dirty="0">
-                <a:ln>
-                  <a:noFill/>
-                </a:ln>
-                <a:solidFill>
-                  <a:srgbClr val="B9BCD1"/>
-                </a:solidFill>
-                <a:effectLst/>
-                <a:latin typeface="Courier New" panose="02070309020205020404" pitchFamily="49" charset="0"/>
-                <a:cs typeface="Courier New" panose="02070309020205020404" pitchFamily="49" charset="0"/>
-              </a:rPr>
-              <a:t>PXINPUT_GAMEPAD</a:t>
+              <a:t>}</a:t>
             </a:r>
             <a:r>
               <a:rPr kumimoji="0" lang="en-US" altLang="en-US" sz="2000" b="0" i="0" u="none" strike="noStrike" cap="none" normalizeH="0" baseline="0" dirty="0">

--- a/Xbox One Controller.pptx
+++ b/Xbox One Controller.pptx
@@ -210,7 +210,7 @@
           <a:p>
             <a:fld id="{266C366B-CABA-4157-958F-ACCE20E689C9}" type="datetimeFigureOut">
               <a:rPr lang="en-US" smtClean="0"/>
-              <a:t>3/12/2019</a:t>
+              <a:t>3/13/2019</a:t>
             </a:fld>
             <a:endParaRPr lang="en-US"/>
           </a:p>
@@ -1037,7 +1037,7 @@
           <a:p>
             <a:fld id="{348D0D86-AC39-466B-97A8-CCA3A4063A70}" type="datetimeFigureOut">
               <a:rPr lang="en-US" smtClean="0"/>
-              <a:t>3/12/2019</a:t>
+              <a:t>3/13/2019</a:t>
             </a:fld>
             <a:endParaRPr lang="en-US"/>
           </a:p>
@@ -1207,7 +1207,7 @@
           <a:p>
             <a:fld id="{348D0D86-AC39-466B-97A8-CCA3A4063A70}" type="datetimeFigureOut">
               <a:rPr lang="en-US" smtClean="0"/>
-              <a:t>3/12/2019</a:t>
+              <a:t>3/13/2019</a:t>
             </a:fld>
             <a:endParaRPr lang="en-US"/>
           </a:p>
@@ -1387,7 +1387,7 @@
           <a:p>
             <a:fld id="{348D0D86-AC39-466B-97A8-CCA3A4063A70}" type="datetimeFigureOut">
               <a:rPr lang="en-US" smtClean="0"/>
-              <a:t>3/12/2019</a:t>
+              <a:t>3/13/2019</a:t>
             </a:fld>
             <a:endParaRPr lang="en-US"/>
           </a:p>
@@ -1557,7 +1557,7 @@
           <a:p>
             <a:fld id="{348D0D86-AC39-466B-97A8-CCA3A4063A70}" type="datetimeFigureOut">
               <a:rPr lang="en-US" smtClean="0"/>
-              <a:t>3/12/2019</a:t>
+              <a:t>3/13/2019</a:t>
             </a:fld>
             <a:endParaRPr lang="en-US"/>
           </a:p>
@@ -1803,7 +1803,7 @@
           <a:p>
             <a:fld id="{348D0D86-AC39-466B-97A8-CCA3A4063A70}" type="datetimeFigureOut">
               <a:rPr lang="en-US" smtClean="0"/>
-              <a:t>3/12/2019</a:t>
+              <a:t>3/13/2019</a:t>
             </a:fld>
             <a:endParaRPr lang="en-US"/>
           </a:p>
@@ -2035,7 +2035,7 @@
           <a:p>
             <a:fld id="{348D0D86-AC39-466B-97A8-CCA3A4063A70}" type="datetimeFigureOut">
               <a:rPr lang="en-US" smtClean="0"/>
-              <a:t>3/12/2019</a:t>
+              <a:t>3/13/2019</a:t>
             </a:fld>
             <a:endParaRPr lang="en-US"/>
           </a:p>
@@ -2402,7 +2402,7 @@
           <a:p>
             <a:fld id="{348D0D86-AC39-466B-97A8-CCA3A4063A70}" type="datetimeFigureOut">
               <a:rPr lang="en-US" smtClean="0"/>
-              <a:t>3/12/2019</a:t>
+              <a:t>3/13/2019</a:t>
             </a:fld>
             <a:endParaRPr lang="en-US"/>
           </a:p>
@@ -2520,7 +2520,7 @@
           <a:p>
             <a:fld id="{348D0D86-AC39-466B-97A8-CCA3A4063A70}" type="datetimeFigureOut">
               <a:rPr lang="en-US" smtClean="0"/>
-              <a:t>3/12/2019</a:t>
+              <a:t>3/13/2019</a:t>
             </a:fld>
             <a:endParaRPr lang="en-US"/>
           </a:p>
@@ -2615,7 +2615,7 @@
           <a:p>
             <a:fld id="{348D0D86-AC39-466B-97A8-CCA3A4063A70}" type="datetimeFigureOut">
               <a:rPr lang="en-US" smtClean="0"/>
-              <a:t>3/12/2019</a:t>
+              <a:t>3/13/2019</a:t>
             </a:fld>
             <a:endParaRPr lang="en-US"/>
           </a:p>
@@ -2892,7 +2892,7 @@
           <a:p>
             <a:fld id="{348D0D86-AC39-466B-97A8-CCA3A4063A70}" type="datetimeFigureOut">
               <a:rPr lang="en-US" smtClean="0"/>
-              <a:t>3/12/2019</a:t>
+              <a:t>3/13/2019</a:t>
             </a:fld>
             <a:endParaRPr lang="en-US"/>
           </a:p>
@@ -3149,7 +3149,7 @@
           <a:p>
             <a:fld id="{348D0D86-AC39-466B-97A8-CCA3A4063A70}" type="datetimeFigureOut">
               <a:rPr lang="en-US" smtClean="0"/>
-              <a:t>3/12/2019</a:t>
+              <a:t>3/13/2019</a:t>
             </a:fld>
             <a:endParaRPr lang="en-US"/>
           </a:p>
@@ -3362,7 +3362,7 @@
           <a:p>
             <a:fld id="{348D0D86-AC39-466B-97A8-CCA3A4063A70}" type="datetimeFigureOut">
               <a:rPr lang="en-US" smtClean="0"/>
-              <a:t>3/12/2019</a:t>
+              <a:t>3/13/2019</a:t>
             </a:fld>
             <a:endParaRPr lang="en-US"/>
           </a:p>
@@ -5346,20 +5346,43 @@
             </a:pPr>
             <a:r>
               <a:rPr lang="en-US" dirty="0"/>
-              <a:t>- When the right bumper is pressed, the speed increases</a:t>
+              <a:t>- While the right bumper is pressed, the speed increases</a:t>
             </a:r>
           </a:p>
           <a:p>
             <a:endParaRPr lang="en-US" dirty="0"/>
           </a:p>
           <a:p>
-            <a:pPr marL="457200" lvl="1" indent="0">
-              <a:buNone/>
+            <a:pPr lvl="1">
+              <a:buFontTx/>
+              <a:buChar char="-"/>
             </a:pPr>
             <a:r>
               <a:rPr lang="en-US" dirty="0"/>
-              <a:t>- When the left bumper is pressed, the speed decreases</a:t>
-            </a:r>
+              <a:t>While the left bumper is pressed, the speed decreases</a:t>
+            </a:r>
+          </a:p>
+          <a:p>
+            <a:pPr lvl="1">
+              <a:buFontTx/>
+              <a:buChar char="-"/>
+            </a:pPr>
+            <a:endParaRPr lang="en-US" dirty="0"/>
+          </a:p>
+          <a:p>
+            <a:pPr lvl="1">
+              <a:buFontTx/>
+              <a:buChar char="-"/>
+            </a:pPr>
+            <a:r>
+              <a:rPr lang="en-US" dirty="0"/>
+              <a:t>Otherwise the </a:t>
+            </a:r>
+            <a:r>
+              <a:rPr lang="en-US"/>
+              <a:t>default speed is used</a:t>
+            </a:r>
+            <a:endParaRPr lang="en-US" dirty="0"/>
           </a:p>
         </p:txBody>
       </p:sp>
@@ -7306,8 +7329,8 @@
           </p:sp>
         </mc:Fallback>
       </mc:AlternateContent>
-      <mc:AlternateContent xmlns:mc="http://schemas.openxmlformats.org/markup-compatibility/2006">
-        <mc:Choice xmlns:a14="http://schemas.microsoft.com/office/drawing/2010/main" Requires="a14">
+      <mc:AlternateContent xmlns:mc="http://schemas.openxmlformats.org/markup-compatibility/2006" xmlns:a14="http://schemas.microsoft.com/office/drawing/2010/main">
+        <mc:Choice Requires="a14">
           <p:sp>
             <p:nvSpPr>
               <p:cNvPr id="10" name="TextBox 9">
@@ -7406,7 +7429,7 @@
             </p:txBody>
           </p:sp>
         </mc:Choice>
-        <mc:Fallback>
+        <mc:Fallback xmlns="">
           <p:sp>
             <p:nvSpPr>
               <p:cNvPr id="10" name="TextBox 9">

--- a/Xbox One Controller.pptx
+++ b/Xbox One Controller.pptx
@@ -210,7 +210,7 @@
           <a:p>
             <a:fld id="{266C366B-CABA-4157-958F-ACCE20E689C9}" type="datetimeFigureOut">
               <a:rPr lang="en-US" smtClean="0"/>
-              <a:t>3/13/2019</a:t>
+              <a:t>3/14/2019</a:t>
             </a:fld>
             <a:endParaRPr lang="en-US"/>
           </a:p>
@@ -608,10 +608,7 @@
           <a:bodyPr/>
           <a:lstStyle/>
           <a:p>
-            <a:r>
-              <a:rPr lang="en-US" dirty="0"/>
-              <a:t>https://bell0bytes.eu/xinput-and-gamepads/</a:t>
-            </a:r>
+            <a:endParaRPr lang="en-US" dirty="0"/>
           </a:p>
         </p:txBody>
       </p:sp>
@@ -632,7 +629,7 @@
           <a:p>
             <a:fld id="{14F611FF-719B-4A57-9344-B37466B73912}" type="slidenum">
               <a:rPr lang="en-US" smtClean="0"/>
-              <a:t>5</a:t>
+              <a:t>4</a:t>
             </a:fld>
             <a:endParaRPr lang="en-US"/>
           </a:p>
@@ -641,7 +638,7 @@
     </p:spTree>
     <p:extLst>
       <p:ext uri="{BB962C8B-B14F-4D97-AF65-F5344CB8AC3E}">
-        <p14:creationId xmlns:p14="http://schemas.microsoft.com/office/powerpoint/2010/main" val="3985702194"/>
+        <p14:creationId xmlns:p14="http://schemas.microsoft.com/office/powerpoint/2010/main" val="2989617985"/>
       </p:ext>
     </p:extLst>
   </p:cSld>
@@ -695,7 +692,10 @@
           <a:bodyPr/>
           <a:lstStyle/>
           <a:p>
-            <a:endParaRPr lang="en-US" dirty="0"/>
+            <a:r>
+              <a:rPr lang="en-US" dirty="0"/>
+              <a:t>https://bell0bytes.eu/xinput-and-gamepads/</a:t>
+            </a:r>
           </a:p>
         </p:txBody>
       </p:sp>
@@ -716,7 +716,7 @@
           <a:p>
             <a:fld id="{14F611FF-719B-4A57-9344-B37466B73912}" type="slidenum">
               <a:rPr lang="en-US" smtClean="0"/>
-              <a:t>9</a:t>
+              <a:t>5</a:t>
             </a:fld>
             <a:endParaRPr lang="en-US"/>
           </a:p>
@@ -725,7 +725,7 @@
     </p:spTree>
     <p:extLst>
       <p:ext uri="{BB962C8B-B14F-4D97-AF65-F5344CB8AC3E}">
-        <p14:creationId xmlns:p14="http://schemas.microsoft.com/office/powerpoint/2010/main" val="259857480"/>
+        <p14:creationId xmlns:p14="http://schemas.microsoft.com/office/powerpoint/2010/main" val="3985702194"/>
       </p:ext>
     </p:extLst>
   </p:cSld>
@@ -800,6 +800,90 @@
           <a:p>
             <a:fld id="{14F611FF-719B-4A57-9344-B37466B73912}" type="slidenum">
               <a:rPr lang="en-US" smtClean="0"/>
+              <a:t>9</a:t>
+            </a:fld>
+            <a:endParaRPr lang="en-US"/>
+          </a:p>
+        </p:txBody>
+      </p:sp>
+    </p:spTree>
+    <p:extLst>
+      <p:ext uri="{BB962C8B-B14F-4D97-AF65-F5344CB8AC3E}">
+        <p14:creationId xmlns:p14="http://schemas.microsoft.com/office/powerpoint/2010/main" val="259857480"/>
+      </p:ext>
+    </p:extLst>
+  </p:cSld>
+  <p:clrMapOvr>
+    <a:masterClrMapping/>
+  </p:clrMapOvr>
+</p:notes>
+</file>
+
+<file path=ppt/notesSlides/notesSlide5.xml><?xml version="1.0" encoding="utf-8"?>
+<p:notes xmlns:a="http://schemas.openxmlformats.org/drawingml/2006/main" xmlns:r="http://schemas.openxmlformats.org/officeDocument/2006/relationships" xmlns:p="http://schemas.openxmlformats.org/presentationml/2006/main">
+  <p:cSld>
+    <p:spTree>
+      <p:nvGrpSpPr>
+        <p:cNvPr id="1" name=""/>
+        <p:cNvGrpSpPr/>
+        <p:nvPr/>
+      </p:nvGrpSpPr>
+      <p:grpSpPr>
+        <a:xfrm>
+          <a:off x="0" y="0"/>
+          <a:ext cx="0" cy="0"/>
+          <a:chOff x="0" y="0"/>
+          <a:chExt cx="0" cy="0"/>
+        </a:xfrm>
+      </p:grpSpPr>
+      <p:sp>
+        <p:nvSpPr>
+          <p:cNvPr id="2" name="Slide Image Placeholder 1"/>
+          <p:cNvSpPr>
+            <a:spLocks noGrp="1" noRot="1" noChangeAspect="1"/>
+          </p:cNvSpPr>
+          <p:nvPr>
+            <p:ph type="sldImg"/>
+          </p:nvPr>
+        </p:nvSpPr>
+        <p:spPr/>
+      </p:sp>
+      <p:sp>
+        <p:nvSpPr>
+          <p:cNvPr id="3" name="Notes Placeholder 2"/>
+          <p:cNvSpPr>
+            <a:spLocks noGrp="1"/>
+          </p:cNvSpPr>
+          <p:nvPr>
+            <p:ph type="body" idx="1"/>
+          </p:nvPr>
+        </p:nvSpPr>
+        <p:spPr/>
+        <p:txBody>
+          <a:bodyPr/>
+          <a:lstStyle/>
+          <a:p>
+            <a:endParaRPr lang="en-US" dirty="0"/>
+          </a:p>
+        </p:txBody>
+      </p:sp>
+      <p:sp>
+        <p:nvSpPr>
+          <p:cNvPr id="4" name="Slide Number Placeholder 3"/>
+          <p:cNvSpPr>
+            <a:spLocks noGrp="1"/>
+          </p:cNvSpPr>
+          <p:nvPr>
+            <p:ph type="sldNum" sz="quarter" idx="5"/>
+          </p:nvPr>
+        </p:nvSpPr>
+        <p:spPr/>
+        <p:txBody>
+          <a:bodyPr/>
+          <a:lstStyle/>
+          <a:p>
+            <a:fld id="{14F611FF-719B-4A57-9344-B37466B73912}" type="slidenum">
+              <a:rPr lang="en-US" smtClean="0"/>
               <a:t>10</a:t>
             </a:fld>
             <a:endParaRPr lang="en-US"/>
@@ -819,7 +903,7 @@
 </p:notes>
 </file>
 
-<file path=ppt/notesSlides/notesSlide5.xml><?xml version="1.0" encoding="utf-8"?>
+<file path=ppt/notesSlides/notesSlide6.xml><?xml version="1.0" encoding="utf-8"?>
 <p:notes xmlns:a="http://schemas.openxmlformats.org/drawingml/2006/main" xmlns:r="http://schemas.openxmlformats.org/officeDocument/2006/relationships" xmlns:p="http://schemas.openxmlformats.org/presentationml/2006/main">
   <p:cSld>
     <p:spTree>
@@ -1037,7 +1121,7 @@
           <a:p>
             <a:fld id="{348D0D86-AC39-466B-97A8-CCA3A4063A70}" type="datetimeFigureOut">
               <a:rPr lang="en-US" smtClean="0"/>
-              <a:t>3/13/2019</a:t>
+              <a:t>3/14/2019</a:t>
             </a:fld>
             <a:endParaRPr lang="en-US"/>
           </a:p>
@@ -1207,7 +1291,7 @@
           <a:p>
             <a:fld id="{348D0D86-AC39-466B-97A8-CCA3A4063A70}" type="datetimeFigureOut">
               <a:rPr lang="en-US" smtClean="0"/>
-              <a:t>3/13/2019</a:t>
+              <a:t>3/14/2019</a:t>
             </a:fld>
             <a:endParaRPr lang="en-US"/>
           </a:p>
@@ -1387,7 +1471,7 @@
           <a:p>
             <a:fld id="{348D0D86-AC39-466B-97A8-CCA3A4063A70}" type="datetimeFigureOut">
               <a:rPr lang="en-US" smtClean="0"/>
-              <a:t>3/13/2019</a:t>
+              <a:t>3/14/2019</a:t>
             </a:fld>
             <a:endParaRPr lang="en-US"/>
           </a:p>
@@ -1557,7 +1641,7 @@
           <a:p>
             <a:fld id="{348D0D86-AC39-466B-97A8-CCA3A4063A70}" type="datetimeFigureOut">
               <a:rPr lang="en-US" smtClean="0"/>
-              <a:t>3/13/2019</a:t>
+              <a:t>3/14/2019</a:t>
             </a:fld>
             <a:endParaRPr lang="en-US"/>
           </a:p>
@@ -1803,7 +1887,7 @@
           <a:p>
             <a:fld id="{348D0D86-AC39-466B-97A8-CCA3A4063A70}" type="datetimeFigureOut">
               <a:rPr lang="en-US" smtClean="0"/>
-              <a:t>3/13/2019</a:t>
+              <a:t>3/14/2019</a:t>
             </a:fld>
             <a:endParaRPr lang="en-US"/>
           </a:p>
@@ -2035,7 +2119,7 @@
           <a:p>
             <a:fld id="{348D0D86-AC39-466B-97A8-CCA3A4063A70}" type="datetimeFigureOut">
               <a:rPr lang="en-US" smtClean="0"/>
-              <a:t>3/13/2019</a:t>
+              <a:t>3/14/2019</a:t>
             </a:fld>
             <a:endParaRPr lang="en-US"/>
           </a:p>
@@ -2402,7 +2486,7 @@
           <a:p>
             <a:fld id="{348D0D86-AC39-466B-97A8-CCA3A4063A70}" type="datetimeFigureOut">
               <a:rPr lang="en-US" smtClean="0"/>
-              <a:t>3/13/2019</a:t>
+              <a:t>3/14/2019</a:t>
             </a:fld>
             <a:endParaRPr lang="en-US"/>
           </a:p>
@@ -2520,7 +2604,7 @@
           <a:p>
             <a:fld id="{348D0D86-AC39-466B-97A8-CCA3A4063A70}" type="datetimeFigureOut">
               <a:rPr lang="en-US" smtClean="0"/>
-              <a:t>3/13/2019</a:t>
+              <a:t>3/14/2019</a:t>
             </a:fld>
             <a:endParaRPr lang="en-US"/>
           </a:p>
@@ -2615,7 +2699,7 @@
           <a:p>
             <a:fld id="{348D0D86-AC39-466B-97A8-CCA3A4063A70}" type="datetimeFigureOut">
               <a:rPr lang="en-US" smtClean="0"/>
-              <a:t>3/13/2019</a:t>
+              <a:t>3/14/2019</a:t>
             </a:fld>
             <a:endParaRPr lang="en-US"/>
           </a:p>
@@ -2892,7 +2976,7 @@
           <a:p>
             <a:fld id="{348D0D86-AC39-466B-97A8-CCA3A4063A70}" type="datetimeFigureOut">
               <a:rPr lang="en-US" smtClean="0"/>
-              <a:t>3/13/2019</a:t>
+              <a:t>3/14/2019</a:t>
             </a:fld>
             <a:endParaRPr lang="en-US"/>
           </a:p>
@@ -3149,7 +3233,7 @@
           <a:p>
             <a:fld id="{348D0D86-AC39-466B-97A8-CCA3A4063A70}" type="datetimeFigureOut">
               <a:rPr lang="en-US" smtClean="0"/>
-              <a:t>3/13/2019</a:t>
+              <a:t>3/14/2019</a:t>
             </a:fld>
             <a:endParaRPr lang="en-US"/>
           </a:p>
@@ -3362,7 +3446,7 @@
           <a:p>
             <a:fld id="{348D0D86-AC39-466B-97A8-CCA3A4063A70}" type="datetimeFigureOut">
               <a:rPr lang="en-US" smtClean="0"/>
-              <a:t>3/13/2019</a:t>
+              <a:t>3/14/2019</a:t>
             </a:fld>
             <a:endParaRPr lang="en-US"/>
           </a:p>
@@ -6836,78 +6920,158 @@
           </a:p>
         </p:txBody>
       </p:sp>
-      <p:sp>
-        <p:nvSpPr>
-          <p:cNvPr id="3" name="Content Placeholder 2">
-            <a:extLst>
-              <a:ext uri="{FF2B5EF4-FFF2-40B4-BE49-F238E27FC236}">
-                <a16:creationId xmlns:a16="http://schemas.microsoft.com/office/drawing/2014/main" id="{18DC3E9F-1408-4BB5-B5E6-9C93EC782BFE}"/>
-              </a:ext>
-            </a:extLst>
-          </p:cNvPr>
-          <p:cNvSpPr>
-            <a:spLocks noGrp="1"/>
-          </p:cNvSpPr>
-          <p:nvPr>
-            <p:ph idx="1"/>
-          </p:nvPr>
-        </p:nvSpPr>
-        <p:spPr/>
-        <p:txBody>
-          <a:bodyPr/>
-          <a:lstStyle/>
-          <a:p>
-            <a:r>
-              <a:rPr lang="en-US" dirty="0"/>
-              <a:t>Left trigger and right trigger:</a:t>
-            </a:r>
-          </a:p>
-          <a:p>
-            <a:pPr lvl="1"/>
-            <a:r>
-              <a:rPr lang="en-US" dirty="0"/>
-              <a:t>Min value: 0</a:t>
-            </a:r>
-          </a:p>
-          <a:p>
-            <a:pPr lvl="1"/>
-            <a:r>
-              <a:rPr lang="en-US" dirty="0"/>
-              <a:t>Max value: 255</a:t>
-            </a:r>
-          </a:p>
-          <a:p>
-            <a:endParaRPr lang="en-US" dirty="0"/>
-          </a:p>
-          <a:p>
-            <a:r>
-              <a:rPr lang="en-US" dirty="0"/>
-              <a:t>Left thumb and right thumb (x, y) :</a:t>
-            </a:r>
-          </a:p>
-          <a:p>
-            <a:pPr lvl="1"/>
-            <a:r>
-              <a:rPr lang="en-US" dirty="0"/>
-              <a:t>Min value x = Min value y  =  - 32767</a:t>
-            </a:r>
-          </a:p>
-          <a:p>
-            <a:pPr lvl="1"/>
-            <a:r>
-              <a:rPr lang="en-US" dirty="0"/>
-              <a:t>Max value x = Max value y = + 32767</a:t>
-            </a:r>
-          </a:p>
-          <a:p>
-            <a:pPr lvl="1"/>
-            <a:r>
-              <a:rPr lang="en-US" dirty="0"/>
-              <a:t>Suggested dead zone: 8689</a:t>
-            </a:r>
-          </a:p>
-        </p:txBody>
-      </p:sp>
+      <mc:AlternateContent xmlns:mc="http://schemas.openxmlformats.org/markup-compatibility/2006">
+        <mc:Choice xmlns:a14="http://schemas.microsoft.com/office/drawing/2010/main" Requires="a14">
+          <p:sp>
+            <p:nvSpPr>
+              <p:cNvPr id="3" name="Content Placeholder 2">
+                <a:extLst>
+                  <a:ext uri="{FF2B5EF4-FFF2-40B4-BE49-F238E27FC236}">
+                    <a16:creationId xmlns:a16="http://schemas.microsoft.com/office/drawing/2014/main" id="{18DC3E9F-1408-4BB5-B5E6-9C93EC782BFE}"/>
+                  </a:ext>
+                </a:extLst>
+              </p:cNvPr>
+              <p:cNvSpPr>
+                <a:spLocks noGrp="1"/>
+              </p:cNvSpPr>
+              <p:nvPr>
+                <p:ph idx="1"/>
+              </p:nvPr>
+            </p:nvSpPr>
+            <p:spPr/>
+            <p:txBody>
+              <a:bodyPr/>
+              <a:lstStyle/>
+              <a:p>
+                <a:r>
+                  <a:rPr lang="en-US" dirty="0"/>
+                  <a:t>Left trigger and right trigger:</a:t>
+                </a:r>
+              </a:p>
+              <a:p>
+                <a:pPr lvl="1"/>
+                <a:r>
+                  <a:rPr lang="en-US" dirty="0"/>
+                  <a:t>Min value: 0</a:t>
+                </a:r>
+              </a:p>
+              <a:p>
+                <a:pPr lvl="1"/>
+                <a:r>
+                  <a:rPr lang="en-US" dirty="0"/>
+                  <a:t>Max value: 255</a:t>
+                </a:r>
+              </a:p>
+              <a:p>
+                <a:endParaRPr lang="en-US" dirty="0"/>
+              </a:p>
+              <a:p>
+                <a:r>
+                  <a:rPr lang="en-US" dirty="0"/>
+                  <a:t>Left thumb and right thumb (x, y) :</a:t>
+                </a:r>
+              </a:p>
+              <a:p>
+                <a:pPr lvl="1"/>
+                <a14:m>
+                  <m:oMath xmlns:m="http://schemas.openxmlformats.org/officeDocument/2006/math">
+                    <m:r>
+                      <a:rPr lang="en-US" i="1" dirty="0" smtClean="0">
+                        <a:latin typeface="Cambria Math" panose="02040503050406030204" pitchFamily="18" charset="0"/>
+                      </a:rPr>
+                      <m:t>− 32767 </m:t>
+                    </m:r>
+                    <m:r>
+                      <a:rPr lang="en-US" i="1" dirty="0" smtClean="0">
+                        <a:latin typeface="Cambria Math" panose="02040503050406030204" pitchFamily="18" charset="0"/>
+                        <a:ea typeface="Cambria Math" panose="02040503050406030204" pitchFamily="18" charset="0"/>
+                      </a:rPr>
+                      <m:t>≤</m:t>
+                    </m:r>
+                    <m:r>
+                      <a:rPr lang="en-US" i="1" dirty="0" smtClean="0">
+                        <a:latin typeface="Cambria Math" panose="02040503050406030204" pitchFamily="18" charset="0"/>
+                      </a:rPr>
+                      <m:t> </m:t>
+                    </m:r>
+                    <m:r>
+                      <a:rPr lang="en-US" i="1" dirty="0" smtClean="0">
+                        <a:latin typeface="Cambria Math" panose="02040503050406030204" pitchFamily="18" charset="0"/>
+                      </a:rPr>
+                      <m:t>𝑥</m:t>
+                    </m:r>
+                    <m:r>
+                      <a:rPr lang="en-US" i="1" dirty="0" smtClean="0">
+                        <a:latin typeface="Cambria Math" panose="02040503050406030204" pitchFamily="18" charset="0"/>
+                      </a:rPr>
+                      <m:t> , </m:t>
+                    </m:r>
+                    <m:r>
+                      <a:rPr lang="en-US" i="1" dirty="0" smtClean="0">
+                        <a:latin typeface="Cambria Math" panose="02040503050406030204" pitchFamily="18" charset="0"/>
+                      </a:rPr>
+                      <m:t>𝑦</m:t>
+                    </m:r>
+                    <m:r>
+                      <a:rPr lang="en-US" i="1" dirty="0" smtClean="0">
+                        <a:latin typeface="Cambria Math" panose="02040503050406030204" pitchFamily="18" charset="0"/>
+                      </a:rPr>
+                      <m:t>  ≤ + 32767</m:t>
+                    </m:r>
+                  </m:oMath>
+                </a14:m>
+                <a:endParaRPr lang="en-US" dirty="0"/>
+              </a:p>
+              <a:p>
+                <a:pPr lvl="1"/>
+                <a:r>
+                  <a:rPr lang="en-US" dirty="0"/>
+                  <a:t>Suggested dead zone: 8689</a:t>
+                </a:r>
+              </a:p>
+            </p:txBody>
+          </p:sp>
+        </mc:Choice>
+        <mc:Fallback>
+          <p:sp>
+            <p:nvSpPr>
+              <p:cNvPr id="3" name="Content Placeholder 2">
+                <a:extLst>
+                  <a:ext uri="{FF2B5EF4-FFF2-40B4-BE49-F238E27FC236}">
+                    <a16:creationId xmlns:a16="http://schemas.microsoft.com/office/drawing/2014/main" id="{18DC3E9F-1408-4BB5-B5E6-9C93EC782BFE}"/>
+                  </a:ext>
+                </a:extLst>
+              </p:cNvPr>
+              <p:cNvSpPr>
+                <a:spLocks noGrp="1" noRot="1" noChangeAspect="1" noMove="1" noResize="1" noEditPoints="1" noAdjustHandles="1" noChangeArrowheads="1" noChangeShapeType="1" noTextEdit="1"/>
+              </p:cNvSpPr>
+              <p:nvPr>
+                <p:ph idx="1"/>
+              </p:nvPr>
+            </p:nvSpPr>
+            <p:spPr>
+              <a:blipFill>
+                <a:blip r:embed="rId3"/>
+                <a:stretch>
+                  <a:fillRect l="-1043" t="-2241"/>
+                </a:stretch>
+              </a:blipFill>
+            </p:spPr>
+            <p:txBody>
+              <a:bodyPr/>
+              <a:lstStyle/>
+              <a:p>
+                <a:r>
+                  <a:rPr lang="en-US">
+                    <a:noFill/>
+                  </a:rPr>
+                  <a:t> </a:t>
+                </a:r>
+              </a:p>
+            </p:txBody>
+          </p:sp>
+        </mc:Fallback>
+      </mc:AlternateContent>
     </p:spTree>
     <p:extLst>
       <p:ext uri="{BB962C8B-B14F-4D97-AF65-F5344CB8AC3E}">
